--- a/网页设计与制作/课件/3/表单.pptx
+++ b/网页设计与制作/课件/3/表单.pptx
@@ -6,20 +6,23 @@
   </p:sldMasterIdLst>
   <p:sldIdLst>
     <p:sldId id="256" r:id="rId2"/>
-    <p:sldId id="257" r:id="rId3"/>
-    <p:sldId id="258" r:id="rId4"/>
-    <p:sldId id="259" r:id="rId5"/>
-    <p:sldId id="260" r:id="rId6"/>
-    <p:sldId id="261" r:id="rId7"/>
-    <p:sldId id="262" r:id="rId8"/>
-    <p:sldId id="263" r:id="rId9"/>
-    <p:sldId id="264" r:id="rId10"/>
-    <p:sldId id="265" r:id="rId11"/>
-    <p:sldId id="266" r:id="rId12"/>
-    <p:sldId id="267" r:id="rId13"/>
-    <p:sldId id="268" r:id="rId14"/>
-    <p:sldId id="269" r:id="rId15"/>
-    <p:sldId id="270" r:id="rId16"/>
+    <p:sldId id="271" r:id="rId3"/>
+    <p:sldId id="257" r:id="rId4"/>
+    <p:sldId id="258" r:id="rId5"/>
+    <p:sldId id="259" r:id="rId6"/>
+    <p:sldId id="260" r:id="rId7"/>
+    <p:sldId id="261" r:id="rId8"/>
+    <p:sldId id="262" r:id="rId9"/>
+    <p:sldId id="263" r:id="rId10"/>
+    <p:sldId id="264" r:id="rId11"/>
+    <p:sldId id="265" r:id="rId12"/>
+    <p:sldId id="266" r:id="rId13"/>
+    <p:sldId id="267" r:id="rId14"/>
+    <p:sldId id="268" r:id="rId15"/>
+    <p:sldId id="269" r:id="rId16"/>
+    <p:sldId id="270" r:id="rId17"/>
+    <p:sldId id="272" r:id="rId18"/>
+    <p:sldId id="273" r:id="rId19"/>
   </p:sldIdLst>
   <p:sldSz cx="9144000" cy="6858000" type="screen4x3"/>
   <p:notesSz cx="6858000" cy="9144000"/>
@@ -302,7 +305,7 @@
           <a:p>
             <a:fld id="{530820CF-B880-4189-942D-D702A7CBA730}" type="datetimeFigureOut">
               <a:rPr lang="zh-CN" altLang="en-US" smtClean="0"/>
-              <a:t>2020/9/17</a:t>
+              <a:t>2020/9/24</a:t>
             </a:fld>
             <a:endParaRPr lang="zh-CN" altLang="en-US"/>
           </a:p>
@@ -467,7 +470,7 @@
           <a:p>
             <a:fld id="{530820CF-B880-4189-942D-D702A7CBA730}" type="datetimeFigureOut">
               <a:rPr lang="zh-CN" altLang="en-US" smtClean="0"/>
-              <a:t>2020/9/17</a:t>
+              <a:t>2020/9/24</a:t>
             </a:fld>
             <a:endParaRPr lang="zh-CN" altLang="en-US"/>
           </a:p>
@@ -642,7 +645,7 @@
           <a:p>
             <a:fld id="{530820CF-B880-4189-942D-D702A7CBA730}" type="datetimeFigureOut">
               <a:rPr lang="zh-CN" altLang="en-US" smtClean="0"/>
-              <a:t>2020/9/17</a:t>
+              <a:t>2020/9/24</a:t>
             </a:fld>
             <a:endParaRPr lang="zh-CN" altLang="en-US"/>
           </a:p>
@@ -807,7 +810,7 @@
           <a:p>
             <a:fld id="{530820CF-B880-4189-942D-D702A7CBA730}" type="datetimeFigureOut">
               <a:rPr lang="zh-CN" altLang="en-US" smtClean="0"/>
-              <a:t>2020/9/17</a:t>
+              <a:t>2020/9/24</a:t>
             </a:fld>
             <a:endParaRPr lang="zh-CN" altLang="en-US"/>
           </a:p>
@@ -1048,7 +1051,7 @@
           <a:p>
             <a:fld id="{530820CF-B880-4189-942D-D702A7CBA730}" type="datetimeFigureOut">
               <a:rPr lang="zh-CN" altLang="en-US" smtClean="0"/>
-              <a:t>2020/9/17</a:t>
+              <a:t>2020/9/24</a:t>
             </a:fld>
             <a:endParaRPr lang="zh-CN" altLang="en-US"/>
           </a:p>
@@ -1331,7 +1334,7 @@
           <a:p>
             <a:fld id="{530820CF-B880-4189-942D-D702A7CBA730}" type="datetimeFigureOut">
               <a:rPr lang="zh-CN" altLang="en-US" smtClean="0"/>
-              <a:t>2020/9/17</a:t>
+              <a:t>2020/9/24</a:t>
             </a:fld>
             <a:endParaRPr lang="zh-CN" altLang="en-US"/>
           </a:p>
@@ -1748,7 +1751,7 @@
           <a:p>
             <a:fld id="{530820CF-B880-4189-942D-D702A7CBA730}" type="datetimeFigureOut">
               <a:rPr lang="zh-CN" altLang="en-US" smtClean="0"/>
-              <a:t>2020/9/17</a:t>
+              <a:t>2020/9/24</a:t>
             </a:fld>
             <a:endParaRPr lang="zh-CN" altLang="en-US"/>
           </a:p>
@@ -1861,7 +1864,7 @@
           <a:p>
             <a:fld id="{530820CF-B880-4189-942D-D702A7CBA730}" type="datetimeFigureOut">
               <a:rPr lang="zh-CN" altLang="en-US" smtClean="0"/>
-              <a:t>2020/9/17</a:t>
+              <a:t>2020/9/24</a:t>
             </a:fld>
             <a:endParaRPr lang="zh-CN" altLang="en-US"/>
           </a:p>
@@ -1951,7 +1954,7 @@
           <a:p>
             <a:fld id="{530820CF-B880-4189-942D-D702A7CBA730}" type="datetimeFigureOut">
               <a:rPr lang="zh-CN" altLang="en-US" smtClean="0"/>
-              <a:t>2020/9/17</a:t>
+              <a:t>2020/9/24</a:t>
             </a:fld>
             <a:endParaRPr lang="zh-CN" altLang="en-US"/>
           </a:p>
@@ -2223,7 +2226,7 @@
           <a:p>
             <a:fld id="{530820CF-B880-4189-942D-D702A7CBA730}" type="datetimeFigureOut">
               <a:rPr lang="zh-CN" altLang="en-US" smtClean="0"/>
-              <a:t>2020/9/17</a:t>
+              <a:t>2020/9/24</a:t>
             </a:fld>
             <a:endParaRPr lang="zh-CN" altLang="en-US"/>
           </a:p>
@@ -2471,7 +2474,7 @@
           <a:p>
             <a:fld id="{530820CF-B880-4189-942D-D702A7CBA730}" type="datetimeFigureOut">
               <a:rPr lang="zh-CN" altLang="en-US" smtClean="0"/>
-              <a:t>2020/9/17</a:t>
+              <a:t>2020/9/24</a:t>
             </a:fld>
             <a:endParaRPr lang="zh-CN" altLang="en-US"/>
           </a:p>
@@ -2679,7 +2682,7 @@
           <a:p>
             <a:fld id="{530820CF-B880-4189-942D-D702A7CBA730}" type="datetimeFigureOut">
               <a:rPr lang="zh-CN" altLang="en-US" smtClean="0"/>
-              <a:t>2020/9/17</a:t>
+              <a:t>2020/9/24</a:t>
             </a:fld>
             <a:endParaRPr lang="zh-CN" altLang="en-US"/>
           </a:p>
@@ -3149,7 +3152,7 @@
           <a:p>
             <a:r>
               <a:rPr lang="zh-CN" altLang="en-US" smtClean="0"/>
-              <a:t>指定范围内的值</a:t>
+              <a:t>输入数值</a:t>
             </a:r>
             <a:endParaRPr lang="zh-CN" altLang="en-US"/>
           </a:p>
@@ -3172,11 +3175,11 @@
           <a:p>
             <a:r>
               <a:rPr lang="en-US" altLang="zh-CN" smtClean="0"/>
-              <a:t>type=range</a:t>
-            </a:r>
-            <a:r>
-              <a:rPr lang="zh-CN" altLang="en-US" smtClean="0"/>
-              <a:t>用户只能从规定的范围选择</a:t>
+              <a:t>type=number</a:t>
+            </a:r>
+            <a:r>
+              <a:rPr lang="zh-CN" altLang="en-US" smtClean="0"/>
+              <a:t>用于输入数值</a:t>
             </a:r>
             <a:endParaRPr lang="en-US" altLang="zh-CN" smtClean="0"/>
           </a:p>
@@ -3199,7 +3202,7 @@
             </a:r>
             <a:r>
               <a:rPr lang="en-US" altLang="zh-CN" smtClean="0"/>
-              <a:t>=“range” </a:t>
+              <a:t>=“number” </a:t>
             </a:r>
             <a:r>
               <a:rPr lang="en-US" altLang="zh-CN"/>
@@ -3207,7 +3210,7 @@
             </a:r>
             <a:r>
               <a:rPr lang="en-US" altLang="zh-CN" smtClean="0"/>
-              <a:t>=“price” 			min=“0” max=“100”&gt;</a:t>
+              <a:t>=“age”&gt;</a:t>
             </a:r>
             <a:endParaRPr lang="en-US" altLang="zh-CN"/>
           </a:p>
@@ -3216,44 +3219,49 @@
               <a:buNone/>
             </a:pPr>
             <a:r>
+              <a:rPr lang="en-US" altLang="zh-CN" smtClean="0"/>
+              <a:t>&lt;/</a:t>
+            </a:r>
+            <a:r>
               <a:rPr lang="en-US" altLang="zh-CN"/>
-              <a:t>&lt;/form</a:t>
-            </a:r>
-            <a:r>
-              <a:rPr lang="en-US" altLang="zh-CN" smtClean="0"/>
-              <a:t>&gt;</a:t>
-            </a:r>
-            <a:endParaRPr lang="en-US" altLang="zh-CN"/>
-          </a:p>
-          <a:p>
-            <a:r>
-              <a:rPr lang="zh-CN" altLang="en-US" smtClean="0"/>
-              <a:t>一般会使用</a:t>
-            </a:r>
+              <a:t>form&gt;</a:t>
+            </a:r>
+          </a:p>
+          <a:p>
+            <a:r>
+              <a:rPr lang="zh-CN" altLang="en-US" smtClean="0"/>
+              <a:t>可搭配属性：</a:t>
+            </a:r>
+            <a:endParaRPr lang="en-US" altLang="zh-CN" smtClean="0"/>
+          </a:p>
+          <a:p>
+            <a:r>
+              <a:rPr lang="en-US" altLang="zh-CN" smtClean="0"/>
+              <a:t>max</a:t>
+            </a:r>
+            <a:r>
+              <a:rPr lang="zh-CN" altLang="en-US" smtClean="0"/>
+              <a:t>：可接受的最大值</a:t>
+            </a:r>
+            <a:endParaRPr lang="en-US" altLang="zh-CN" smtClean="0"/>
+          </a:p>
+          <a:p>
             <a:r>
               <a:rPr lang="en-US" altLang="zh-CN" smtClean="0"/>
               <a:t>min</a:t>
             </a:r>
             <a:r>
               <a:rPr lang="zh-CN" altLang="en-US" smtClean="0"/>
-              <a:t>和</a:t>
-            </a:r>
-            <a:r>
-              <a:rPr lang="en-US" altLang="zh-CN" smtClean="0"/>
-              <a:t>max</a:t>
-            </a:r>
-            <a:r>
-              <a:rPr lang="zh-CN" altLang="en-US" smtClean="0"/>
-              <a:t>属性指定范围。</a:t>
-            </a:r>
-            <a:endParaRPr lang="zh-CN" altLang="en-US"/>
+              <a:t>：可搭配的最小值</a:t>
+            </a:r>
+            <a:endParaRPr lang="en-US" altLang="zh-CN" smtClean="0"/>
           </a:p>
         </p:txBody>
       </p:sp>
     </p:spTree>
     <p:extLst>
       <p:ext uri="{BB962C8B-B14F-4D97-AF65-F5344CB8AC3E}">
-        <p14:creationId xmlns:p14="http://schemas.microsoft.com/office/powerpoint/2010/main" val="67337798"/>
+        <p14:creationId xmlns:p14="http://schemas.microsoft.com/office/powerpoint/2010/main" val="1181036414"/>
       </p:ext>
     </p:extLst>
   </p:cSld>
@@ -3297,7 +3305,7 @@
           <a:p>
             <a:r>
               <a:rPr lang="zh-CN" altLang="en-US" smtClean="0"/>
-              <a:t>邮箱</a:t>
+              <a:t>指定范围内的值</a:t>
             </a:r>
             <a:endParaRPr lang="zh-CN" altLang="en-US"/>
           </a:p>
@@ -3320,11 +3328,11 @@
           <a:p>
             <a:r>
               <a:rPr lang="en-US" altLang="zh-CN" smtClean="0"/>
-              <a:t>type=email</a:t>
-            </a:r>
-            <a:r>
-              <a:rPr lang="zh-CN" altLang="en-US" smtClean="0"/>
-              <a:t>输入邮箱</a:t>
+              <a:t>type=range</a:t>
+            </a:r>
+            <a:r>
+              <a:rPr lang="zh-CN" altLang="en-US" smtClean="0"/>
+              <a:t>用户只能从规定的范围选择</a:t>
             </a:r>
             <a:endParaRPr lang="en-US" altLang="zh-CN" smtClean="0"/>
           </a:p>
@@ -3347,7 +3355,7 @@
             </a:r>
             <a:r>
               <a:rPr lang="en-US" altLang="zh-CN" smtClean="0"/>
-              <a:t>=“email” </a:t>
+              <a:t>=“range” </a:t>
             </a:r>
             <a:r>
               <a:rPr lang="en-US" altLang="zh-CN"/>
@@ -3355,31 +3363,45 @@
             </a:r>
             <a:r>
               <a:rPr lang="en-US" altLang="zh-CN" smtClean="0"/>
-              <a:t>=“</a:t>
-            </a:r>
+              <a:t>=“price” 			min=“0” max=“100”&gt;</a:t>
+            </a:r>
+            <a:endParaRPr lang="en-US" altLang="zh-CN"/>
+          </a:p>
+          <a:p>
+            <a:pPr marL="0" indent="0">
+              <a:buNone/>
+            </a:pPr>
             <a:r>
               <a:rPr lang="en-US" altLang="zh-CN"/>
-              <a:t>email</a:t>
-            </a:r>
-            <a:r>
-              <a:rPr lang="en-US" altLang="zh-CN" smtClean="0"/>
-              <a:t>” &gt;</a:t>
+              <a:t>&lt;/form</a:t>
+            </a:r>
+            <a:r>
+              <a:rPr lang="en-US" altLang="zh-CN" smtClean="0"/>
+              <a:t>&gt;</a:t>
             </a:r>
             <a:endParaRPr lang="en-US" altLang="zh-CN"/>
           </a:p>
           <a:p>
-            <a:pPr marL="0" indent="0">
-              <a:buNone/>
-            </a:pPr>
-            <a:r>
-              <a:rPr lang="en-US" altLang="zh-CN"/>
-              <a:t>&lt;/form&gt;</a:t>
-            </a:r>
-          </a:p>
-          <a:p>
-            <a:endParaRPr lang="en-US" altLang="zh-CN" smtClean="0"/>
-          </a:p>
-          <a:p>
+            <a:r>
+              <a:rPr lang="zh-CN" altLang="en-US" smtClean="0"/>
+              <a:t>一般会使用</a:t>
+            </a:r>
+            <a:r>
+              <a:rPr lang="en-US" altLang="zh-CN" smtClean="0"/>
+              <a:t>min</a:t>
+            </a:r>
+            <a:r>
+              <a:rPr lang="zh-CN" altLang="en-US" smtClean="0"/>
+              <a:t>和</a:t>
+            </a:r>
+            <a:r>
+              <a:rPr lang="en-US" altLang="zh-CN" smtClean="0"/>
+              <a:t>max</a:t>
+            </a:r>
+            <a:r>
+              <a:rPr lang="zh-CN" altLang="en-US" smtClean="0"/>
+              <a:t>属性指定范围。</a:t>
+            </a:r>
             <a:endParaRPr lang="zh-CN" altLang="en-US"/>
           </a:p>
         </p:txBody>
@@ -3387,7 +3409,7 @@
     </p:spTree>
     <p:extLst>
       <p:ext uri="{BB962C8B-B14F-4D97-AF65-F5344CB8AC3E}">
-        <p14:creationId xmlns:p14="http://schemas.microsoft.com/office/powerpoint/2010/main" val="3771639672"/>
+        <p14:creationId xmlns:p14="http://schemas.microsoft.com/office/powerpoint/2010/main" val="67337798"/>
       </p:ext>
     </p:extLst>
   </p:cSld>
@@ -3430,9 +3452,10 @@
           <a:lstStyle/>
           <a:p>
             <a:r>
-              <a:rPr lang="zh-CN" altLang="en-US"/>
-              <a:t>日期</a:t>
-            </a:r>
+              <a:rPr lang="zh-CN" altLang="en-US" smtClean="0"/>
+              <a:t>邮箱</a:t>
+            </a:r>
+            <a:endParaRPr lang="zh-CN" altLang="en-US"/>
           </a:p>
         </p:txBody>
       </p:sp>
@@ -3453,14 +3476,13 @@
           <a:p>
             <a:r>
               <a:rPr lang="en-US" altLang="zh-CN" smtClean="0"/>
-              <a:t>type=date</a:t>
-            </a:r>
-          </a:p>
-          <a:p>
-            <a:r>
-              <a:rPr lang="en-US" altLang="zh-CN" smtClean="0"/>
-              <a:t>type=time</a:t>
-            </a:r>
+              <a:t>type=email</a:t>
+            </a:r>
+            <a:r>
+              <a:rPr lang="zh-CN" altLang="en-US" smtClean="0"/>
+              <a:t>输入邮箱</a:t>
+            </a:r>
+            <a:endParaRPr lang="en-US" altLang="zh-CN" smtClean="0"/>
           </a:p>
           <a:p>
             <a:pPr marL="0" indent="0">
@@ -3481,7 +3503,7 @@
             </a:r>
             <a:r>
               <a:rPr lang="en-US" altLang="zh-CN" smtClean="0"/>
-              <a:t>=“date” </a:t>
+              <a:t>=“email” </a:t>
             </a:r>
             <a:r>
               <a:rPr lang="en-US" altLang="zh-CN"/>
@@ -3489,24 +3511,15 @@
             </a:r>
             <a:r>
               <a:rPr lang="en-US" altLang="zh-CN" smtClean="0"/>
-              <a:t>=“date” &gt;</a:t>
-            </a:r>
-          </a:p>
-          <a:p>
-            <a:pPr marL="0" indent="0">
-              <a:buNone/>
-            </a:pPr>
-            <a:r>
-              <a:rPr lang="en-US" altLang="zh-CN" smtClean="0"/>
-              <a:t>	&lt;</a:t>
+              <a:t>=“</a:t>
             </a:r>
             <a:r>
               <a:rPr lang="en-US" altLang="zh-CN"/>
-              <a:t>input type=“date” name</a:t>
-            </a:r>
-            <a:r>
-              <a:rPr lang="en-US" altLang="zh-CN" smtClean="0"/>
-              <a:t>=“time” &gt;</a:t>
+              <a:t>email</a:t>
+            </a:r>
+            <a:r>
+              <a:rPr lang="en-US" altLang="zh-CN" smtClean="0"/>
+              <a:t>” &gt;</a:t>
             </a:r>
             <a:endParaRPr lang="en-US" altLang="zh-CN"/>
           </a:p>
@@ -3520,14 +3533,17 @@
             </a:r>
           </a:p>
           <a:p>
-            <a:endParaRPr lang="en-US" altLang="zh-CN"/>
+            <a:endParaRPr lang="en-US" altLang="zh-CN" smtClean="0"/>
+          </a:p>
+          <a:p>
+            <a:endParaRPr lang="zh-CN" altLang="en-US"/>
           </a:p>
         </p:txBody>
       </p:sp>
     </p:spTree>
     <p:extLst>
       <p:ext uri="{BB962C8B-B14F-4D97-AF65-F5344CB8AC3E}">
-        <p14:creationId xmlns:p14="http://schemas.microsoft.com/office/powerpoint/2010/main" val="2966747453"/>
+        <p14:creationId xmlns:p14="http://schemas.microsoft.com/office/powerpoint/2010/main" val="3771639672"/>
       </p:ext>
     </p:extLst>
   </p:cSld>
@@ -3571,7 +3587,7 @@
           <a:p>
             <a:r>
               <a:rPr lang="zh-CN" altLang="en-US"/>
-              <a:t>颜色</a:t>
+              <a:t>日期</a:t>
             </a:r>
           </a:p>
         </p:txBody>
@@ -3593,13 +3609,14 @@
           <a:p>
             <a:r>
               <a:rPr lang="en-US" altLang="zh-CN" smtClean="0"/>
-              <a:t>type=color</a:t>
-            </a:r>
-            <a:r>
-              <a:rPr lang="zh-CN" altLang="en-US" smtClean="0"/>
-              <a:t>颜色</a:t>
-            </a:r>
-            <a:endParaRPr lang="en-US" altLang="zh-CN" smtClean="0"/>
+              <a:t>type=date</a:t>
+            </a:r>
+          </a:p>
+          <a:p>
+            <a:r>
+              <a:rPr lang="en-US" altLang="zh-CN" smtClean="0"/>
+              <a:t>type=time</a:t>
+            </a:r>
           </a:p>
           <a:p>
             <a:pPr marL="0" indent="0">
@@ -3620,15 +3637,7 @@
             </a:r>
             <a:r>
               <a:rPr lang="en-US" altLang="zh-CN" smtClean="0"/>
-              <a:t>=“</a:t>
-            </a:r>
-            <a:r>
-              <a:rPr lang="en-US" altLang="zh-CN"/>
-              <a:t>color</a:t>
-            </a:r>
-            <a:r>
-              <a:rPr lang="en-US" altLang="zh-CN" smtClean="0"/>
-              <a:t>” </a:t>
+              <a:t>=“date” </a:t>
             </a:r>
             <a:r>
               <a:rPr lang="en-US" altLang="zh-CN"/>
@@ -3636,35 +3645,61 @@
             </a:r>
             <a:r>
               <a:rPr lang="en-US" altLang="zh-CN" smtClean="0"/>
-              <a:t>=“color” </a:t>
+              <a:t>=“date” &gt;</a:t>
+            </a:r>
+          </a:p>
+          <a:p>
+            <a:pPr marL="0" indent="0">
+              <a:buNone/>
+            </a:pPr>
+            <a:r>
+              <a:rPr lang="en-US" altLang="zh-CN" smtClean="0"/>
+              <a:t>	&lt;</a:t>
             </a:r>
             <a:r>
               <a:rPr lang="en-US" altLang="zh-CN"/>
-              <a:t>&gt;</a:t>
-            </a:r>
+              <a:t>input type</a:t>
+            </a:r>
+            <a:r>
+              <a:rPr lang="en-US" altLang="zh-CN" smtClean="0"/>
+              <a:t>=“</a:t>
+            </a:r>
+            <a:r>
+              <a:rPr lang="en-US" altLang="zh-CN"/>
+              <a:t>time</a:t>
+            </a:r>
+            <a:r>
+              <a:rPr lang="en-US" altLang="zh-CN" smtClean="0"/>
+              <a:t>” </a:t>
+            </a:r>
+            <a:r>
+              <a:rPr lang="en-US" altLang="zh-CN"/>
+              <a:t>name</a:t>
+            </a:r>
+            <a:r>
+              <a:rPr lang="en-US" altLang="zh-CN" smtClean="0"/>
+              <a:t>=“time” &gt;</a:t>
+            </a:r>
+            <a:endParaRPr lang="en-US" altLang="zh-CN"/>
           </a:p>
           <a:p>
             <a:pPr marL="0" indent="0">
               <a:buNone/>
             </a:pPr>
             <a:r>
-              <a:rPr lang="en-US" altLang="zh-CN" smtClean="0"/>
-              <a:t>&lt;/</a:t>
-            </a:r>
-            <a:r>
               <a:rPr lang="en-US" altLang="zh-CN"/>
-              <a:t>form&gt;</a:t>
-            </a:r>
-          </a:p>
-          <a:p>
-            <a:endParaRPr lang="zh-CN" altLang="en-US"/>
+              <a:t>&lt;/form&gt;</a:t>
+            </a:r>
+          </a:p>
+          <a:p>
+            <a:endParaRPr lang="en-US" altLang="zh-CN"/>
           </a:p>
         </p:txBody>
       </p:sp>
     </p:spTree>
     <p:extLst>
       <p:ext uri="{BB962C8B-B14F-4D97-AF65-F5344CB8AC3E}">
-        <p14:creationId xmlns:p14="http://schemas.microsoft.com/office/powerpoint/2010/main" val="291675837"/>
+        <p14:creationId xmlns:p14="http://schemas.microsoft.com/office/powerpoint/2010/main" val="2966747453"/>
       </p:ext>
     </p:extLst>
   </p:cSld>
@@ -3707,10 +3742,9 @@
           <a:lstStyle/>
           <a:p>
             <a:r>
-              <a:rPr lang="zh-CN" altLang="en-US" smtClean="0"/>
-              <a:t>以图片为按钮</a:t>
-            </a:r>
-            <a:endParaRPr lang="zh-CN" altLang="en-US"/>
+              <a:rPr lang="zh-CN" altLang="en-US"/>
+              <a:t>颜色</a:t>
+            </a:r>
           </a:p>
         </p:txBody>
       </p:sp>
@@ -3731,11 +3765,11 @@
           <a:p>
             <a:r>
               <a:rPr lang="en-US" altLang="zh-CN" smtClean="0"/>
-              <a:t>type=image</a:t>
-            </a:r>
-            <a:r>
-              <a:rPr lang="zh-CN" altLang="en-US" smtClean="0"/>
-              <a:t>用图片作为按钮</a:t>
+              <a:t>type=color</a:t>
+            </a:r>
+            <a:r>
+              <a:rPr lang="zh-CN" altLang="en-US" smtClean="0"/>
+              <a:t>颜色</a:t>
             </a:r>
             <a:endParaRPr lang="en-US" altLang="zh-CN" smtClean="0"/>
           </a:p>
@@ -3758,7 +3792,27 @@
             </a:r>
             <a:r>
               <a:rPr lang="en-US" altLang="zh-CN" smtClean="0"/>
-              <a:t>=“image” src=“./xxx.jpg”</a:t>
+              <a:t>=“</a:t>
+            </a:r>
+            <a:r>
+              <a:rPr lang="en-US" altLang="zh-CN"/>
+              <a:t>color</a:t>
+            </a:r>
+            <a:r>
+              <a:rPr lang="en-US" altLang="zh-CN" smtClean="0"/>
+              <a:t>” </a:t>
+            </a:r>
+            <a:r>
+              <a:rPr lang="en-US" altLang="zh-CN"/>
+              <a:t>name</a:t>
+            </a:r>
+            <a:r>
+              <a:rPr lang="en-US" altLang="zh-CN" smtClean="0"/>
+              <a:t>=“color” </a:t>
+            </a:r>
+            <a:r>
+              <a:rPr lang="en-US" altLang="zh-CN"/>
+              <a:t>&gt;</a:t>
             </a:r>
           </a:p>
           <a:p>
@@ -3766,52 +3820,15 @@
               <a:buNone/>
             </a:pPr>
             <a:r>
+              <a:rPr lang="en-US" altLang="zh-CN" smtClean="0"/>
+              <a:t>&lt;/</a:t>
+            </a:r>
+            <a:r>
               <a:rPr lang="en-US" altLang="zh-CN"/>
-              <a:t>	</a:t>
-            </a:r>
-            <a:r>
-              <a:rPr lang="en-US" altLang="zh-CN" smtClean="0"/>
-              <a:t>	width=“20px” height=“20px”&gt;</a:t>
-            </a:r>
-            <a:endParaRPr lang="en-US" altLang="zh-CN"/>
-          </a:p>
-          <a:p>
-            <a:pPr marL="0" indent="0">
-              <a:buNone/>
-            </a:pPr>
-            <a:r>
-              <a:rPr lang="en-US" altLang="zh-CN"/>
-              <a:t>&lt;/form&gt;</a:t>
-            </a:r>
-          </a:p>
-          <a:p>
-            <a:r>
-              <a:rPr lang="en-US" altLang="zh-CN" smtClean="0"/>
-              <a:t>src</a:t>
-            </a:r>
-            <a:r>
-              <a:rPr lang="zh-CN" altLang="en-US" smtClean="0"/>
-              <a:t>属性指定图片</a:t>
-            </a:r>
-            <a:endParaRPr lang="en-US" altLang="zh-CN" smtClean="0"/>
-          </a:p>
-          <a:p>
-            <a:r>
-              <a:rPr lang="en-US" altLang="zh-CN" smtClean="0"/>
-              <a:t>width</a:t>
-            </a:r>
-            <a:r>
-              <a:rPr lang="zh-CN" altLang="en-US" smtClean="0"/>
-              <a:t>与</a:t>
-            </a:r>
-            <a:r>
-              <a:rPr lang="en-US" altLang="zh-CN" smtClean="0"/>
-              <a:t>height</a:t>
-            </a:r>
-            <a:r>
-              <a:rPr lang="zh-CN" altLang="en-US" smtClean="0"/>
-              <a:t>设置图片大小</a:t>
-            </a:r>
+              <a:t>form&gt;</a:t>
+            </a:r>
+          </a:p>
+          <a:p>
             <a:endParaRPr lang="zh-CN" altLang="en-US"/>
           </a:p>
         </p:txBody>
@@ -3819,7 +3836,7 @@
     </p:spTree>
     <p:extLst>
       <p:ext uri="{BB962C8B-B14F-4D97-AF65-F5344CB8AC3E}">
-        <p14:creationId xmlns:p14="http://schemas.microsoft.com/office/powerpoint/2010/main" val="2404320698"/>
+        <p14:creationId xmlns:p14="http://schemas.microsoft.com/office/powerpoint/2010/main" val="291675837"/>
       </p:ext>
     </p:extLst>
   </p:cSld>
@@ -3862,6 +3879,161 @@
           <a:lstStyle/>
           <a:p>
             <a:r>
+              <a:rPr lang="zh-CN" altLang="en-US" smtClean="0"/>
+              <a:t>以图片为按钮</a:t>
+            </a:r>
+            <a:endParaRPr lang="zh-CN" altLang="en-US"/>
+          </a:p>
+        </p:txBody>
+      </p:sp>
+      <p:sp>
+        <p:nvSpPr>
+          <p:cNvPr id="3" name="内容占位符 2"/>
+          <p:cNvSpPr>
+            <a:spLocks noGrp="1"/>
+          </p:cNvSpPr>
+          <p:nvPr>
+            <p:ph idx="1"/>
+          </p:nvPr>
+        </p:nvSpPr>
+        <p:spPr/>
+        <p:txBody>
+          <a:bodyPr/>
+          <a:lstStyle/>
+          <a:p>
+            <a:r>
+              <a:rPr lang="en-US" altLang="zh-CN" smtClean="0"/>
+              <a:t>type=image</a:t>
+            </a:r>
+            <a:r>
+              <a:rPr lang="zh-CN" altLang="en-US" smtClean="0"/>
+              <a:t>用图片作为按钮</a:t>
+            </a:r>
+            <a:endParaRPr lang="en-US" altLang="zh-CN" smtClean="0"/>
+          </a:p>
+          <a:p>
+            <a:pPr marL="0" indent="0">
+              <a:buNone/>
+            </a:pPr>
+            <a:r>
+              <a:rPr lang="en-US" altLang="zh-CN"/>
+              <a:t>&lt;form&gt;</a:t>
+            </a:r>
+          </a:p>
+          <a:p>
+            <a:pPr marL="0" indent="0">
+              <a:buNone/>
+            </a:pPr>
+            <a:r>
+              <a:rPr lang="en-US" altLang="zh-CN"/>
+              <a:t>	&lt;input type</a:t>
+            </a:r>
+            <a:r>
+              <a:rPr lang="en-US" altLang="zh-CN" smtClean="0"/>
+              <a:t>=“image” src=“./xxx.jpg”</a:t>
+            </a:r>
+          </a:p>
+          <a:p>
+            <a:pPr marL="0" indent="0">
+              <a:buNone/>
+            </a:pPr>
+            <a:r>
+              <a:rPr lang="en-US" altLang="zh-CN"/>
+              <a:t>	</a:t>
+            </a:r>
+            <a:r>
+              <a:rPr lang="en-US" altLang="zh-CN" smtClean="0"/>
+              <a:t>	width=“20px” height=“20px”&gt;</a:t>
+            </a:r>
+            <a:endParaRPr lang="en-US" altLang="zh-CN"/>
+          </a:p>
+          <a:p>
+            <a:pPr marL="0" indent="0">
+              <a:buNone/>
+            </a:pPr>
+            <a:r>
+              <a:rPr lang="en-US" altLang="zh-CN"/>
+              <a:t>&lt;/form&gt;</a:t>
+            </a:r>
+          </a:p>
+          <a:p>
+            <a:r>
+              <a:rPr lang="en-US" altLang="zh-CN" smtClean="0"/>
+              <a:t>src</a:t>
+            </a:r>
+            <a:r>
+              <a:rPr lang="zh-CN" altLang="en-US" smtClean="0"/>
+              <a:t>属性指定图片</a:t>
+            </a:r>
+            <a:endParaRPr lang="en-US" altLang="zh-CN" smtClean="0"/>
+          </a:p>
+          <a:p>
+            <a:r>
+              <a:rPr lang="en-US" altLang="zh-CN" smtClean="0"/>
+              <a:t>width</a:t>
+            </a:r>
+            <a:r>
+              <a:rPr lang="zh-CN" altLang="en-US" smtClean="0"/>
+              <a:t>与</a:t>
+            </a:r>
+            <a:r>
+              <a:rPr lang="en-US" altLang="zh-CN" smtClean="0"/>
+              <a:t>height</a:t>
+            </a:r>
+            <a:r>
+              <a:rPr lang="zh-CN" altLang="en-US" smtClean="0"/>
+              <a:t>设置图片大小</a:t>
+            </a:r>
+            <a:endParaRPr lang="zh-CN" altLang="en-US"/>
+          </a:p>
+        </p:txBody>
+      </p:sp>
+    </p:spTree>
+    <p:extLst>
+      <p:ext uri="{BB962C8B-B14F-4D97-AF65-F5344CB8AC3E}">
+        <p14:creationId xmlns:p14="http://schemas.microsoft.com/office/powerpoint/2010/main" val="2404320698"/>
+      </p:ext>
+    </p:extLst>
+  </p:cSld>
+  <p:clrMapOvr>
+    <a:masterClrMapping/>
+  </p:clrMapOvr>
+</p:sld>
+</file>
+
+<file path=ppt/slides/slide16.xml><?xml version="1.0" encoding="utf-8"?>
+<p:sld xmlns:a="http://schemas.openxmlformats.org/drawingml/2006/main" xmlns:r="http://schemas.openxmlformats.org/officeDocument/2006/relationships" xmlns:p="http://schemas.openxmlformats.org/presentationml/2006/main">
+  <p:cSld>
+    <p:spTree>
+      <p:nvGrpSpPr>
+        <p:cNvPr id="1" name=""/>
+        <p:cNvGrpSpPr/>
+        <p:nvPr/>
+      </p:nvGrpSpPr>
+      <p:grpSpPr>
+        <a:xfrm>
+          <a:off x="0" y="0"/>
+          <a:ext cx="0" cy="0"/>
+          <a:chOff x="0" y="0"/>
+          <a:chExt cx="0" cy="0"/>
+        </a:xfrm>
+      </p:grpSpPr>
+      <p:sp>
+        <p:nvSpPr>
+          <p:cNvPr id="2" name="标题 1"/>
+          <p:cNvSpPr>
+            <a:spLocks noGrp="1"/>
+          </p:cNvSpPr>
+          <p:nvPr>
+            <p:ph type="title"/>
+          </p:nvPr>
+        </p:nvSpPr>
+        <p:spPr/>
+        <p:txBody>
+          <a:bodyPr/>
+          <a:lstStyle/>
+          <a:p>
+            <a:r>
               <a:rPr lang="zh-CN" altLang="en-US"/>
               <a:t>上</a:t>
             </a:r>
@@ -4008,6 +4180,330 @@
     <p:extLst>
       <p:ext uri="{BB962C8B-B14F-4D97-AF65-F5344CB8AC3E}">
         <p14:creationId xmlns:p14="http://schemas.microsoft.com/office/powerpoint/2010/main" val="2940306357"/>
+      </p:ext>
+    </p:extLst>
+  </p:cSld>
+  <p:clrMapOvr>
+    <a:masterClrMapping/>
+  </p:clrMapOvr>
+</p:sld>
+</file>
+
+<file path=ppt/slides/slide17.xml><?xml version="1.0" encoding="utf-8"?>
+<p:sld xmlns:a="http://schemas.openxmlformats.org/drawingml/2006/main" xmlns:r="http://schemas.openxmlformats.org/officeDocument/2006/relationships" xmlns:p="http://schemas.openxmlformats.org/presentationml/2006/main">
+  <p:cSld>
+    <p:spTree>
+      <p:nvGrpSpPr>
+        <p:cNvPr id="1" name=""/>
+        <p:cNvGrpSpPr/>
+        <p:nvPr/>
+      </p:nvGrpSpPr>
+      <p:grpSpPr>
+        <a:xfrm>
+          <a:off x="0" y="0"/>
+          <a:ext cx="0" cy="0"/>
+          <a:chOff x="0" y="0"/>
+          <a:chExt cx="0" cy="0"/>
+        </a:xfrm>
+      </p:grpSpPr>
+      <p:sp>
+        <p:nvSpPr>
+          <p:cNvPr id="2" name="标题 1"/>
+          <p:cNvSpPr>
+            <a:spLocks noGrp="1"/>
+          </p:cNvSpPr>
+          <p:nvPr>
+            <p:ph type="title"/>
+          </p:nvPr>
+        </p:nvSpPr>
+        <p:spPr/>
+        <p:txBody>
+          <a:bodyPr/>
+          <a:lstStyle/>
+          <a:p>
+            <a:r>
+              <a:rPr lang="en-US" altLang="zh-CN" smtClean="0"/>
+              <a:t>&lt;select&gt;</a:t>
+            </a:r>
+            <a:r>
+              <a:rPr lang="zh-CN" altLang="en-US" smtClean="0"/>
+              <a:t>元素</a:t>
+            </a:r>
+            <a:endParaRPr lang="zh-CN" altLang="en-US"/>
+          </a:p>
+        </p:txBody>
+      </p:sp>
+      <p:sp>
+        <p:nvSpPr>
+          <p:cNvPr id="3" name="内容占位符 2"/>
+          <p:cNvSpPr>
+            <a:spLocks noGrp="1"/>
+          </p:cNvSpPr>
+          <p:nvPr>
+            <p:ph idx="1"/>
+          </p:nvPr>
+        </p:nvSpPr>
+        <p:spPr/>
+        <p:txBody>
+          <a:bodyPr>
+            <a:normAutofit lnSpcReduction="10000"/>
+          </a:bodyPr>
+          <a:lstStyle/>
+          <a:p>
+            <a:r>
+              <a:rPr lang="en-US" altLang="zh-CN" smtClean="0"/>
+              <a:t>&lt;select&gt;</a:t>
+            </a:r>
+            <a:r>
+              <a:rPr lang="zh-CN" altLang="en-US" smtClean="0"/>
+              <a:t>元素用于创建选择菜单</a:t>
+            </a:r>
+            <a:endParaRPr lang="en-US" altLang="zh-CN" smtClean="0"/>
+          </a:p>
+          <a:p>
+            <a:r>
+              <a:rPr lang="en-US" altLang="zh-CN" smtClean="0"/>
+              <a:t>&lt;option&gt;</a:t>
+            </a:r>
+            <a:r>
+              <a:rPr lang="zh-CN" altLang="en-US" smtClean="0"/>
+              <a:t>元素通常作为</a:t>
+            </a:r>
+            <a:r>
+              <a:rPr lang="en-US" altLang="zh-CN" smtClean="0"/>
+              <a:t>&lt;select&gt;</a:t>
+            </a:r>
+            <a:r>
+              <a:rPr lang="zh-CN" altLang="en-US" smtClean="0"/>
+              <a:t>元素的选项。</a:t>
+            </a:r>
+            <a:endParaRPr lang="en-US" altLang="zh-CN" smtClean="0"/>
+          </a:p>
+          <a:p>
+            <a:r>
+              <a:rPr lang="zh-CN" altLang="en-US" smtClean="0"/>
+              <a:t>基本结构：</a:t>
+            </a:r>
+            <a:endParaRPr lang="en-US" altLang="zh-CN" smtClean="0"/>
+          </a:p>
+          <a:p>
+            <a:pPr marL="0" indent="0">
+              <a:buNone/>
+            </a:pPr>
+            <a:r>
+              <a:rPr lang="en-US" altLang="zh-CN" smtClean="0"/>
+              <a:t>&lt;select name=“book”&gt;</a:t>
+            </a:r>
+          </a:p>
+          <a:p>
+            <a:pPr marL="0" indent="0">
+              <a:buNone/>
+            </a:pPr>
+            <a:r>
+              <a:rPr lang="en-US" altLang="zh-CN"/>
+              <a:t>	</a:t>
+            </a:r>
+            <a:r>
+              <a:rPr lang="en-US" altLang="zh-CN" smtClean="0"/>
+              <a:t>&lt;option value=“1”&gt;</a:t>
+            </a:r>
+            <a:r>
+              <a:rPr lang="zh-CN" altLang="en-US" smtClean="0"/>
+              <a:t>英语书</a:t>
+            </a:r>
+            <a:r>
+              <a:rPr lang="en-US" altLang="zh-CN" smtClean="0"/>
+              <a:t>&lt;/option&gt;</a:t>
+            </a:r>
+          </a:p>
+          <a:p>
+            <a:pPr marL="0" indent="0">
+              <a:buNone/>
+            </a:pPr>
+            <a:r>
+              <a:rPr lang="en-US" altLang="zh-CN" smtClean="0"/>
+              <a:t>	&lt;</a:t>
+            </a:r>
+            <a:r>
+              <a:rPr lang="en-US" altLang="zh-CN"/>
+              <a:t>option </a:t>
+            </a:r>
+            <a:r>
+              <a:rPr lang="en-US" altLang="zh-CN"/>
+              <a:t>value</a:t>
+            </a:r>
+            <a:r>
+              <a:rPr lang="en-US" altLang="zh-CN" smtClean="0"/>
+              <a:t>=“2”&gt;</a:t>
+            </a:r>
+            <a:r>
+              <a:rPr lang="zh-CN" altLang="en-US"/>
+              <a:t>数学</a:t>
+            </a:r>
+            <a:r>
+              <a:rPr lang="zh-CN" altLang="en-US" smtClean="0"/>
+              <a:t>书</a:t>
+            </a:r>
+            <a:r>
+              <a:rPr lang="en-US" altLang="zh-CN"/>
+              <a:t>&lt;/option&gt;</a:t>
+            </a:r>
+          </a:p>
+          <a:p>
+            <a:pPr marL="0" indent="0">
+              <a:buNone/>
+            </a:pPr>
+            <a:r>
+              <a:rPr lang="en-US" altLang="zh-CN" smtClean="0"/>
+              <a:t>	</a:t>
+            </a:r>
+            <a:r>
+              <a:rPr lang="en-US" altLang="zh-CN"/>
+              <a:t>&lt;option </a:t>
+            </a:r>
+            <a:r>
+              <a:rPr lang="en-US" altLang="zh-CN"/>
+              <a:t>value</a:t>
+            </a:r>
+            <a:r>
+              <a:rPr lang="en-US" altLang="zh-CN" smtClean="0"/>
+              <a:t>=“3”&gt;</a:t>
+            </a:r>
+            <a:r>
+              <a:rPr lang="zh-CN" altLang="en-US"/>
+              <a:t>化学</a:t>
+            </a:r>
+            <a:r>
+              <a:rPr lang="zh-CN" altLang="en-US" smtClean="0"/>
+              <a:t>书</a:t>
+            </a:r>
+            <a:r>
+              <a:rPr lang="en-US" altLang="zh-CN"/>
+              <a:t>&lt;/</a:t>
+            </a:r>
+            <a:r>
+              <a:rPr lang="en-US" altLang="zh-CN"/>
+              <a:t>option</a:t>
+            </a:r>
+            <a:r>
+              <a:rPr lang="en-US" altLang="zh-CN" smtClean="0"/>
+              <a:t>&gt;</a:t>
+            </a:r>
+          </a:p>
+          <a:p>
+            <a:pPr marL="0" indent="0">
+              <a:buNone/>
+            </a:pPr>
+            <a:r>
+              <a:rPr lang="en-US" altLang="zh-CN" smtClean="0"/>
+              <a:t>&lt;/select&gt;</a:t>
+            </a:r>
+            <a:endParaRPr lang="zh-CN" altLang="en-US"/>
+          </a:p>
+        </p:txBody>
+      </p:sp>
+    </p:spTree>
+    <p:extLst>
+      <p:ext uri="{BB962C8B-B14F-4D97-AF65-F5344CB8AC3E}">
+        <p14:creationId xmlns:p14="http://schemas.microsoft.com/office/powerpoint/2010/main" val="2667574729"/>
+      </p:ext>
+    </p:extLst>
+  </p:cSld>
+  <p:clrMapOvr>
+    <a:masterClrMapping/>
+  </p:clrMapOvr>
+</p:sld>
+</file>
+
+<file path=ppt/slides/slide18.xml><?xml version="1.0" encoding="utf-8"?>
+<p:sld xmlns:a="http://schemas.openxmlformats.org/drawingml/2006/main" xmlns:r="http://schemas.openxmlformats.org/officeDocument/2006/relationships" xmlns:p="http://schemas.openxmlformats.org/presentationml/2006/main">
+  <p:cSld>
+    <p:spTree>
+      <p:nvGrpSpPr>
+        <p:cNvPr id="1" name=""/>
+        <p:cNvGrpSpPr/>
+        <p:nvPr/>
+      </p:nvGrpSpPr>
+      <p:grpSpPr>
+        <a:xfrm>
+          <a:off x="0" y="0"/>
+          <a:ext cx="0" cy="0"/>
+          <a:chOff x="0" y="0"/>
+          <a:chExt cx="0" cy="0"/>
+        </a:xfrm>
+      </p:grpSpPr>
+      <p:sp>
+        <p:nvSpPr>
+          <p:cNvPr id="2" name="标题 1"/>
+          <p:cNvSpPr>
+            <a:spLocks noGrp="1"/>
+          </p:cNvSpPr>
+          <p:nvPr>
+            <p:ph type="title"/>
+          </p:nvPr>
+        </p:nvSpPr>
+        <p:spPr/>
+        <p:txBody>
+          <a:bodyPr/>
+          <a:lstStyle/>
+          <a:p>
+            <a:r>
+              <a:rPr lang="en-US" altLang="zh-CN" smtClean="0"/>
+              <a:t>select</a:t>
+            </a:r>
+            <a:r>
+              <a:rPr lang="zh-CN" altLang="en-US" smtClean="0"/>
+              <a:t>元素常用属性</a:t>
+            </a:r>
+            <a:endParaRPr lang="zh-CN" altLang="en-US"/>
+          </a:p>
+        </p:txBody>
+      </p:sp>
+      <p:sp>
+        <p:nvSpPr>
+          <p:cNvPr id="3" name="内容占位符 2"/>
+          <p:cNvSpPr>
+            <a:spLocks noGrp="1"/>
+          </p:cNvSpPr>
+          <p:nvPr>
+            <p:ph idx="1"/>
+          </p:nvPr>
+        </p:nvSpPr>
+        <p:spPr/>
+        <p:txBody>
+          <a:bodyPr/>
+          <a:lstStyle/>
+          <a:p>
+            <a:r>
+              <a:rPr lang="en-US" altLang="zh-CN" smtClean="0"/>
+              <a:t>size</a:t>
+            </a:r>
+            <a:r>
+              <a:rPr lang="zh-CN" altLang="en-US" smtClean="0"/>
+              <a:t>：设置下拉列表可见的选项数目。</a:t>
+            </a:r>
+            <a:endParaRPr lang="en-US" altLang="zh-CN" smtClean="0"/>
+          </a:p>
+          <a:p>
+            <a:endParaRPr lang="en-US" altLang="zh-CN"/>
+          </a:p>
+          <a:p>
+            <a:r>
+              <a:rPr lang="en-US" altLang="zh-CN" smtClean="0"/>
+              <a:t>multiple=“multiple”</a:t>
+            </a:r>
+            <a:r>
+              <a:rPr lang="zh-CN" altLang="en-US" smtClean="0"/>
+              <a:t>：设置可以选择多个选项。</a:t>
+            </a:r>
+            <a:endParaRPr lang="zh-CN" altLang="en-US"/>
+          </a:p>
+        </p:txBody>
+      </p:sp>
+    </p:spTree>
+    <p:extLst>
+      <p:ext uri="{BB962C8B-B14F-4D97-AF65-F5344CB8AC3E}">
+        <p14:creationId xmlns:p14="http://schemas.microsoft.com/office/powerpoint/2010/main" val="2240665635"/>
       </p:ext>
     </p:extLst>
   </p:cSld>
@@ -4050,8 +4546,8 @@
           <a:lstStyle/>
           <a:p>
             <a:r>
-              <a:rPr lang="en-US" altLang="zh-CN" smtClean="0"/>
-              <a:t>form</a:t>
+              <a:rPr lang="zh-CN" altLang="en-US" smtClean="0"/>
+              <a:t>表单基本结构</a:t>
             </a:r>
             <a:endParaRPr lang="zh-CN" altLang="en-US"/>
           </a:p>
@@ -4072,56 +4568,47 @@
           <a:bodyPr/>
           <a:lstStyle/>
           <a:p>
-            <a:r>
-              <a:rPr lang="en-US" altLang="zh-CN" smtClean="0"/>
-              <a:t>&lt;form&gt;&lt;/form&gt;</a:t>
-            </a:r>
-            <a:r>
-              <a:rPr lang="zh-CN" altLang="en-US" smtClean="0"/>
-              <a:t>之间的区域为一个表单区域</a:t>
-            </a:r>
-            <a:endParaRPr lang="en-US" altLang="zh-CN" smtClean="0"/>
-          </a:p>
-          <a:p>
-            <a:endParaRPr lang="en-US" altLang="zh-CN"/>
-          </a:p>
-          <a:p>
-            <a:r>
-              <a:rPr lang="en-US" altLang="zh-CN" smtClean="0"/>
-              <a:t>&lt;form&gt;</a:t>
-            </a:r>
-            <a:r>
-              <a:rPr lang="zh-CN" altLang="en-US" smtClean="0"/>
-              <a:t>元素的局部属性</a:t>
-            </a:r>
-            <a:endParaRPr lang="en-US" altLang="zh-CN" smtClean="0"/>
-          </a:p>
-          <a:p>
-            <a:r>
-              <a:rPr lang="en-US" altLang="zh-CN"/>
-              <a:t>a</a:t>
-            </a:r>
-            <a:r>
-              <a:rPr lang="en-US" altLang="zh-CN" smtClean="0"/>
-              <a:t>ction</a:t>
-            </a:r>
-            <a:r>
-              <a:rPr lang="zh-CN" altLang="en-US" smtClean="0"/>
-              <a:t>：数据要提交到的地址</a:t>
-            </a:r>
-            <a:endParaRPr lang="en-US" altLang="zh-CN" smtClean="0"/>
-          </a:p>
-          <a:p>
-            <a:endParaRPr lang="en-US" altLang="zh-CN"/>
-          </a:p>
-          <a:p>
-            <a:r>
-              <a:rPr lang="en-US" altLang="zh-CN" smtClean="0"/>
-              <a:t>method</a:t>
-            </a:r>
-            <a:r>
-              <a:rPr lang="zh-CN" altLang="en-US" smtClean="0"/>
-              <a:t>：数据提交的方式</a:t>
+            <a:pPr marL="0" indent="0">
+              <a:buNone/>
+            </a:pPr>
+            <a:r>
+              <a:rPr lang="en-US" altLang="zh-CN" smtClean="0"/>
+              <a:t>&lt;form action=“/” &gt;</a:t>
+            </a:r>
+          </a:p>
+          <a:p>
+            <a:pPr marL="0" indent="0">
+              <a:buNone/>
+            </a:pPr>
+            <a:r>
+              <a:rPr lang="en-US" altLang="zh-CN" smtClean="0"/>
+              <a:t>	&lt;input name=“name” type=“text”&gt;</a:t>
+            </a:r>
+          </a:p>
+          <a:p>
+            <a:pPr marL="0" indent="0">
+              <a:buNone/>
+            </a:pPr>
+            <a:r>
+              <a:rPr lang="en-US" altLang="zh-CN" smtClean="0"/>
+              <a:t>	&lt;button&gt;</a:t>
+            </a:r>
+            <a:r>
+              <a:rPr lang="zh-CN" altLang="en-US" smtClean="0"/>
+              <a:t>提交</a:t>
+            </a:r>
+            <a:r>
+              <a:rPr lang="en-US" altLang="zh-CN" smtClean="0"/>
+              <a:t>&lt;/button&gt;</a:t>
+            </a:r>
+          </a:p>
+          <a:p>
+            <a:pPr marL="0" indent="0">
+              <a:buNone/>
+            </a:pPr>
+            <a:r>
+              <a:rPr lang="en-US" altLang="zh-CN" smtClean="0"/>
+              <a:t>&lt;/form&gt;</a:t>
             </a:r>
             <a:endParaRPr lang="zh-CN" altLang="en-US"/>
           </a:p>
@@ -4130,7 +4617,7 @@
     </p:spTree>
     <p:extLst>
       <p:ext uri="{BB962C8B-B14F-4D97-AF65-F5344CB8AC3E}">
-        <p14:creationId xmlns:p14="http://schemas.microsoft.com/office/powerpoint/2010/main" val="2207226812"/>
+        <p14:creationId xmlns:p14="http://schemas.microsoft.com/office/powerpoint/2010/main" val="912027202"/>
       </p:ext>
     </p:extLst>
   </p:cSld>
@@ -4174,7 +4661,7 @@
           <a:p>
             <a:r>
               <a:rPr lang="en-US" altLang="zh-CN" smtClean="0"/>
-              <a:t>input</a:t>
+              <a:t>form</a:t>
             </a:r>
             <a:endParaRPr lang="zh-CN" altLang="en-US"/>
           </a:p>
@@ -4197,53 +4684,238 @@
           <a:p>
             <a:r>
               <a:rPr lang="en-US" altLang="zh-CN" smtClean="0"/>
-              <a:t>&lt;input&gt;</a:t>
-            </a:r>
-            <a:r>
-              <a:rPr lang="zh-CN" altLang="en-US" smtClean="0"/>
-              <a:t>元素是表单中最常用的一个元素。</a:t>
+              <a:t>&lt;form&gt;&lt;/form&gt;</a:t>
+            </a:r>
+            <a:r>
+              <a:rPr lang="zh-CN" altLang="en-US" smtClean="0"/>
+              <a:t>之间的区域为一个表单区域</a:t>
             </a:r>
             <a:endParaRPr lang="en-US" altLang="zh-CN" smtClean="0"/>
           </a:p>
           <a:p>
-            <a:r>
-              <a:rPr lang="en-US" altLang="zh-CN" smtClean="0"/>
-              <a:t>&lt;input&gt;</a:t>
-            </a:r>
-            <a:r>
-              <a:rPr lang="zh-CN" altLang="en-US" smtClean="0"/>
-              <a:t>元素没有结束标签</a:t>
+            <a:endParaRPr lang="en-US" altLang="zh-CN"/>
+          </a:p>
+          <a:p>
+            <a:r>
+              <a:rPr lang="en-US" altLang="zh-CN" smtClean="0"/>
+              <a:t>&lt;form&gt;</a:t>
+            </a:r>
+            <a:r>
+              <a:rPr lang="zh-CN" altLang="en-US" smtClean="0"/>
+              <a:t>元素的局部</a:t>
+            </a:r>
+            <a:r>
+              <a:rPr lang="zh-CN" altLang="en-US" smtClean="0"/>
+              <a:t>属性：</a:t>
             </a:r>
             <a:endParaRPr lang="en-US" altLang="zh-CN" smtClean="0"/>
           </a:p>
           <a:p>
-            <a:r>
-              <a:rPr lang="en-US" altLang="zh-CN" smtClean="0"/>
-              <a:t>&lt;input&gt;</a:t>
-            </a:r>
-            <a:r>
-              <a:rPr lang="zh-CN" altLang="en-US" smtClean="0"/>
-              <a:t>元素通过设置</a:t>
-            </a:r>
-            <a:r>
-              <a:rPr lang="en-US" altLang="zh-CN" smtClean="0"/>
-              <a:t>type</a:t>
-            </a:r>
-            <a:r>
-              <a:rPr lang="zh-CN" altLang="en-US" smtClean="0"/>
-              <a:t>属性，可以提供不同类型的输入框。</a:t>
+            <a:pPr marL="514350" indent="-514350">
+              <a:buFont typeface="+mj-lt"/>
+              <a:buAutoNum type="arabicPeriod"/>
+            </a:pPr>
+            <a:r>
+              <a:rPr lang="en-US" altLang="zh-CN"/>
+              <a:t>a</a:t>
+            </a:r>
+            <a:r>
+              <a:rPr lang="en-US" altLang="zh-CN" smtClean="0"/>
+              <a:t>ction</a:t>
+            </a:r>
+            <a:r>
+              <a:rPr lang="zh-CN" altLang="en-US" smtClean="0"/>
+              <a:t>：数据要提交到的</a:t>
+            </a:r>
+            <a:r>
+              <a:rPr lang="zh-CN" altLang="en-US" smtClean="0"/>
+              <a:t>地址</a:t>
+            </a:r>
+            <a:endParaRPr lang="en-US" altLang="zh-CN"/>
+          </a:p>
+          <a:p>
+            <a:pPr marL="514350" indent="-514350">
+              <a:buFont typeface="+mj-lt"/>
+              <a:buAutoNum type="arabicPeriod"/>
+            </a:pPr>
+            <a:r>
+              <a:rPr lang="en-US" altLang="zh-CN" smtClean="0"/>
+              <a:t>method</a:t>
+            </a:r>
+            <a:r>
+              <a:rPr lang="zh-CN" altLang="en-US" smtClean="0"/>
+              <a:t>：数据提交的</a:t>
+            </a:r>
+            <a:r>
+              <a:rPr lang="zh-CN" altLang="en-US" smtClean="0"/>
+              <a:t>方式</a:t>
             </a:r>
             <a:endParaRPr lang="en-US" altLang="zh-CN" smtClean="0"/>
           </a:p>
           <a:p>
-            <a:endParaRPr lang="zh-CN" altLang="en-US"/>
-          </a:p>
-        </p:txBody>
-      </p:sp>
+            <a:pPr marL="514350" indent="-514350">
+              <a:buFont typeface="+mj-lt"/>
+              <a:buAutoNum type="arabicPeriod"/>
+            </a:pPr>
+            <a:r>
+              <a:rPr lang="en-US" altLang="zh-CN" smtClean="0"/>
+              <a:t>entype</a:t>
+            </a:r>
+            <a:r>
+              <a:rPr lang="zh-CN" altLang="en-US" smtClean="0"/>
+              <a:t>：设置如何对数据编码</a:t>
+            </a:r>
+            <a:endParaRPr lang="en-US" altLang="zh-CN" smtClean="0"/>
+          </a:p>
+          <a:p>
+            <a:pPr marL="514350" indent="-514350">
+              <a:buFont typeface="+mj-lt"/>
+              <a:buAutoNum type="arabicPeriod"/>
+            </a:pPr>
+            <a:endParaRPr lang="zh-CN" altLang="en-US"/>
+          </a:p>
+        </p:txBody>
+      </p:sp>
+      <p:graphicFrame>
+        <p:nvGraphicFramePr>
+          <p:cNvPr id="4" name="表格 3"/>
+          <p:cNvGraphicFramePr>
+            <a:graphicFrameLocks noGrp="1"/>
+          </p:cNvGraphicFramePr>
+          <p:nvPr>
+            <p:extLst>
+              <p:ext uri="{D42A27DB-BD31-4B8C-83A1-F6EECF244321}">
+                <p14:modId xmlns:p14="http://schemas.microsoft.com/office/powerpoint/2010/main" val="1884307961"/>
+              </p:ext>
+            </p:extLst>
+          </p:nvPr>
+        </p:nvGraphicFramePr>
+        <p:xfrm>
+          <a:off x="683568" y="5085184"/>
+          <a:ext cx="8208912" cy="1651000"/>
+        </p:xfrm>
+        <a:graphic>
+          <a:graphicData uri="http://schemas.openxmlformats.org/drawingml/2006/table">
+            <a:tbl>
+              <a:tblPr firstRow="1" bandRow="1">
+                <a:tableStyleId>{5C22544A-7EE6-4342-B048-85BDC9FD1C3A}</a:tableStyleId>
+              </a:tblPr>
+              <a:tblGrid>
+                <a:gridCol w="4104456"/>
+                <a:gridCol w="4104456"/>
+              </a:tblGrid>
+              <a:tr h="290344">
+                <a:tc>
+                  <a:txBody>
+                    <a:bodyPr/>
+                    <a:lstStyle/>
+                    <a:p>
+                      <a:r>
+                        <a:rPr lang="zh-CN" altLang="en-US" smtClean="0"/>
+                        <a:t>值</a:t>
+                      </a:r>
+                      <a:endParaRPr lang="zh-CN" altLang="en-US"/>
+                    </a:p>
+                  </a:txBody>
+                  <a:tcPr/>
+                </a:tc>
+                <a:tc>
+                  <a:txBody>
+                    <a:bodyPr/>
+                    <a:lstStyle/>
+                    <a:p>
+                      <a:r>
+                        <a:rPr lang="zh-CN" altLang="en-US" smtClean="0"/>
+                        <a:t>描述</a:t>
+                      </a:r>
+                      <a:endParaRPr lang="en-US" altLang="zh-CN" smtClean="0"/>
+                    </a:p>
+                  </a:txBody>
+                  <a:tcPr/>
+                </a:tc>
+              </a:tr>
+              <a:tr h="370840">
+                <a:tc>
+                  <a:txBody>
+                    <a:bodyPr/>
+                    <a:lstStyle/>
+                    <a:p>
+                      <a:r>
+                        <a:rPr lang="en-US" altLang="zh-CN" smtClean="0"/>
+                        <a:t>application/x-www-form-urlencoded</a:t>
+                      </a:r>
+                      <a:endParaRPr lang="zh-CN" altLang="en-US"/>
+                    </a:p>
+                  </a:txBody>
+                  <a:tcPr/>
+                </a:tc>
+                <a:tc>
+                  <a:txBody>
+                    <a:bodyPr/>
+                    <a:lstStyle/>
+                    <a:p>
+                      <a:r>
+                        <a:rPr lang="zh-CN" altLang="en-US" smtClean="0"/>
+                        <a:t>在发送前编码所有字符（默认）</a:t>
+                      </a:r>
+                      <a:endParaRPr lang="zh-CN" altLang="en-US"/>
+                    </a:p>
+                  </a:txBody>
+                  <a:tcPr/>
+                </a:tc>
+              </a:tr>
+              <a:tr h="370840">
+                <a:tc>
+                  <a:txBody>
+                    <a:bodyPr/>
+                    <a:lstStyle/>
+                    <a:p>
+                      <a:r>
+                        <a:rPr lang="en-US" altLang="zh-CN" sz="1800" b="0" i="0" kern="1200" smtClean="0">
+                          <a:solidFill>
+                            <a:schemeClr val="dk1"/>
+                          </a:solidFill>
+                          <a:effectLst/>
+                          <a:latin typeface="+mn-lt"/>
+                          <a:ea typeface="+mn-ea"/>
+                          <a:cs typeface="+mn-cs"/>
+                        </a:rPr>
+                        <a:t>multipart/form-data</a:t>
+                      </a:r>
+                      <a:endParaRPr lang="zh-CN" altLang="en-US"/>
+                    </a:p>
+                  </a:txBody>
+                  <a:tcPr/>
+                </a:tc>
+                <a:tc>
+                  <a:txBody>
+                    <a:bodyPr/>
+                    <a:lstStyle/>
+                    <a:p>
+                      <a:r>
+                        <a:rPr lang="zh-CN" altLang="en-US" smtClean="0"/>
+                        <a:t>不对字符编码。</a:t>
+                      </a:r>
+                    </a:p>
+                    <a:p>
+                      <a:r>
+                        <a:rPr lang="zh-CN" altLang="en-US" smtClean="0"/>
+                        <a:t>在使用包含文件上传控件的表单时，必须使用该值。</a:t>
+                      </a:r>
+                      <a:endParaRPr lang="zh-CN" altLang="en-US"/>
+                    </a:p>
+                  </a:txBody>
+                  <a:tcPr/>
+                </a:tc>
+              </a:tr>
+            </a:tbl>
+          </a:graphicData>
+        </a:graphic>
+      </p:graphicFrame>
     </p:spTree>
     <p:extLst>
       <p:ext uri="{BB962C8B-B14F-4D97-AF65-F5344CB8AC3E}">
-        <p14:creationId xmlns:p14="http://schemas.microsoft.com/office/powerpoint/2010/main" val="1618127158"/>
+        <p14:creationId xmlns:p14="http://schemas.microsoft.com/office/powerpoint/2010/main" val="2207226812"/>
       </p:ext>
     </p:extLst>
   </p:cSld>
@@ -4287,80 +4959,68 @@
           <a:p>
             <a:r>
               <a:rPr lang="en-US" altLang="zh-CN" smtClean="0"/>
+              <a:t>input</a:t>
+            </a:r>
+            <a:endParaRPr lang="zh-CN" altLang="en-US"/>
+          </a:p>
+        </p:txBody>
+      </p:sp>
+      <p:sp>
+        <p:nvSpPr>
+          <p:cNvPr id="3" name="内容占位符 2"/>
+          <p:cNvSpPr>
+            <a:spLocks noGrp="1"/>
+          </p:cNvSpPr>
+          <p:nvPr>
+            <p:ph idx="1"/>
+          </p:nvPr>
+        </p:nvSpPr>
+        <p:spPr/>
+        <p:txBody>
+          <a:bodyPr/>
+          <a:lstStyle/>
+          <a:p>
+            <a:r>
+              <a:rPr lang="en-US" altLang="zh-CN" smtClean="0"/>
+              <a:t>&lt;input&gt;</a:t>
+            </a:r>
+            <a:r>
+              <a:rPr lang="zh-CN" altLang="en-US" smtClean="0"/>
+              <a:t>元素是表单中最常用的一个元素。</a:t>
+            </a:r>
+            <a:endParaRPr lang="en-US" altLang="zh-CN" smtClean="0"/>
+          </a:p>
+          <a:p>
+            <a:r>
+              <a:rPr lang="en-US" altLang="zh-CN" smtClean="0"/>
+              <a:t>&lt;input&gt;</a:t>
+            </a:r>
+            <a:r>
+              <a:rPr lang="zh-CN" altLang="en-US" smtClean="0"/>
+              <a:t>元素没有结束标签</a:t>
+            </a:r>
+            <a:endParaRPr lang="en-US" altLang="zh-CN" smtClean="0"/>
+          </a:p>
+          <a:p>
+            <a:r>
+              <a:rPr lang="en-US" altLang="zh-CN" smtClean="0"/>
+              <a:t>&lt;input&gt;</a:t>
+            </a:r>
+            <a:r>
+              <a:rPr lang="zh-CN" altLang="en-US" smtClean="0"/>
+              <a:t>元素通过设置</a:t>
+            </a:r>
+            <a:r>
+              <a:rPr lang="en-US" altLang="zh-CN" smtClean="0"/>
               <a:t>type</a:t>
             </a:r>
             <a:r>
               <a:rPr lang="zh-CN" altLang="en-US" smtClean="0"/>
-              <a:t>与</a:t>
-            </a:r>
-            <a:r>
-              <a:rPr lang="en-US" altLang="zh-CN" smtClean="0"/>
-              <a:t>name</a:t>
-            </a:r>
-            <a:r>
-              <a:rPr lang="zh-CN" altLang="en-US" smtClean="0"/>
-              <a:t>属性</a:t>
-            </a:r>
-            <a:endParaRPr lang="zh-CN" altLang="en-US"/>
-          </a:p>
-        </p:txBody>
-      </p:sp>
-      <p:sp>
-        <p:nvSpPr>
-          <p:cNvPr id="3" name="内容占位符 2"/>
-          <p:cNvSpPr>
-            <a:spLocks noGrp="1"/>
-          </p:cNvSpPr>
-          <p:nvPr>
-            <p:ph idx="1"/>
-          </p:nvPr>
-        </p:nvSpPr>
-        <p:spPr/>
-        <p:txBody>
-          <a:bodyPr/>
-          <a:lstStyle/>
-          <a:p>
-            <a:r>
-              <a:rPr lang="en-US" altLang="zh-CN" smtClean="0"/>
-              <a:t>type</a:t>
-            </a:r>
-            <a:r>
-              <a:rPr lang="zh-CN" altLang="en-US" smtClean="0"/>
-              <a:t>属性是必须设置的属性，如果没有写，默认是</a:t>
-            </a:r>
-            <a:r>
-              <a:rPr lang="en-US" altLang="zh-CN" smtClean="0"/>
-              <a:t>type=text</a:t>
-            </a:r>
-            <a:r>
-              <a:rPr lang="zh-CN" altLang="en-US" smtClean="0"/>
-              <a:t>。</a:t>
+              <a:t>属性，可以提供不同类型的输入框。</a:t>
             </a:r>
             <a:endParaRPr lang="en-US" altLang="zh-CN" smtClean="0"/>
           </a:p>
           <a:p>
-            <a:endParaRPr lang="en-US" altLang="zh-CN"/>
-          </a:p>
-          <a:p>
-            <a:r>
-              <a:rPr lang="en-US" altLang="zh-CN" smtClean="0"/>
-              <a:t>name</a:t>
-            </a:r>
-            <a:r>
-              <a:rPr lang="zh-CN" altLang="en-US" smtClean="0"/>
-              <a:t>属性如果不设置，在网页中一般不会有影响，但是在提交数据给服务器端时，服务器会找不到用户提交的数据。</a:t>
-            </a:r>
-            <a:endParaRPr lang="en-US" altLang="zh-CN" smtClean="0"/>
-          </a:p>
-          <a:p>
-            <a:r>
-              <a:rPr lang="en-US" altLang="zh-CN" smtClean="0"/>
-              <a:t>name</a:t>
-            </a:r>
-            <a:r>
-              <a:rPr lang="zh-CN" altLang="en-US" smtClean="0"/>
-              <a:t>的值可以是重复的。</a:t>
-            </a:r>
             <a:endParaRPr lang="zh-CN" altLang="en-US"/>
           </a:p>
         </p:txBody>
@@ -4368,7 +5028,7 @@
     </p:spTree>
     <p:extLst>
       <p:ext uri="{BB962C8B-B14F-4D97-AF65-F5344CB8AC3E}">
-        <p14:creationId xmlns:p14="http://schemas.microsoft.com/office/powerpoint/2010/main" val="3149695048"/>
+        <p14:creationId xmlns:p14="http://schemas.microsoft.com/office/powerpoint/2010/main" val="1618127158"/>
       </p:ext>
     </p:extLst>
   </p:cSld>
@@ -4411,12 +5071,16 @@
           <a:lstStyle/>
           <a:p>
             <a:r>
-              <a:rPr lang="en-US" altLang="zh-CN"/>
-              <a:t>t</a:t>
-            </a:r>
-            <a:r>
-              <a:rPr lang="en-US" altLang="zh-CN" smtClean="0"/>
-              <a:t>ype</a:t>
+              <a:rPr lang="en-US" altLang="zh-CN" smtClean="0"/>
+              <a:t>type</a:t>
+            </a:r>
+            <a:r>
+              <a:rPr lang="zh-CN" altLang="en-US" smtClean="0"/>
+              <a:t>与</a:t>
+            </a:r>
+            <a:r>
+              <a:rPr lang="en-US" altLang="zh-CN" smtClean="0"/>
+              <a:t>name</a:t>
             </a:r>
             <a:r>
               <a:rPr lang="zh-CN" altLang="en-US" smtClean="0"/>
@@ -4438,88 +5102,101 @@
         </p:nvSpPr>
         <p:spPr/>
         <p:txBody>
-          <a:bodyPr>
-            <a:normAutofit fontScale="92500" lnSpcReduction="10000"/>
-          </a:bodyPr>
-          <a:lstStyle/>
-          <a:p>
+          <a:bodyPr/>
+          <a:lstStyle/>
+          <a:p>
+            <a:r>
+              <a:rPr lang="en-US" altLang="zh-CN" smtClean="0"/>
+              <a:t>type</a:t>
+            </a:r>
+            <a:r>
+              <a:rPr lang="zh-CN" altLang="en-US" smtClean="0"/>
+              <a:t>属性是必须设置的属性，如果没有写，默认是</a:t>
+            </a:r>
             <a:r>
               <a:rPr lang="en-US" altLang="zh-CN" smtClean="0"/>
               <a:t>type=text</a:t>
             </a:r>
             <a:r>
               <a:rPr lang="zh-CN" altLang="en-US" smtClean="0"/>
-              <a:t>单行文本框</a:t>
+              <a:t>。</a:t>
             </a:r>
             <a:endParaRPr lang="en-US" altLang="zh-CN" smtClean="0"/>
           </a:p>
           <a:p>
-            <a:pPr marL="0" indent="0">
-              <a:buNone/>
-            </a:pPr>
-            <a:r>
-              <a:rPr lang="en-US" altLang="zh-CN" smtClean="0"/>
-              <a:t>&lt;form&gt;</a:t>
-            </a:r>
-          </a:p>
-          <a:p>
-            <a:pPr marL="0" indent="0">
-              <a:buNone/>
-            </a:pPr>
-            <a:r>
-              <a:rPr lang="en-US" altLang="zh-CN" smtClean="0"/>
-              <a:t>	&lt;input type=“text”&gt;</a:t>
-            </a:r>
-          </a:p>
-          <a:p>
-            <a:pPr marL="0" indent="0">
-              <a:buNone/>
-            </a:pPr>
-            <a:r>
-              <a:rPr lang="en-US" altLang="zh-CN" smtClean="0"/>
-              <a:t>&lt;/form&gt;</a:t>
-            </a:r>
-          </a:p>
-          <a:p>
-            <a:r>
-              <a:rPr lang="zh-CN" altLang="en-US" smtClean="0"/>
-              <a:t>单行文本框用于一些简短的输入，例如姓名等一些简单的信息。</a:t>
+            <a:endParaRPr lang="en-US" altLang="zh-CN"/>
+          </a:p>
+          <a:p>
+            <a:r>
+              <a:rPr lang="en-US" altLang="zh-CN" smtClean="0"/>
+              <a:t>name</a:t>
+            </a:r>
+            <a:r>
+              <a:rPr lang="zh-CN" altLang="en-US" smtClean="0"/>
+              <a:t>设置</a:t>
+            </a:r>
+            <a:r>
+              <a:rPr lang="en-US" altLang="zh-CN" smtClean="0"/>
+              <a:t>input</a:t>
+            </a:r>
+            <a:r>
+              <a:rPr lang="zh-CN" altLang="en-US" smtClean="0"/>
+              <a:t>的名称，在提交数据时，浏览器会把</a:t>
+            </a:r>
+            <a:r>
+              <a:rPr lang="en-US" altLang="zh-CN" smtClean="0"/>
+              <a:t>name</a:t>
+            </a:r>
+            <a:r>
+              <a:rPr lang="zh-CN" altLang="en-US" smtClean="0"/>
+              <a:t>和</a:t>
+            </a:r>
+            <a:r>
+              <a:rPr lang="en-US" altLang="zh-CN" smtClean="0"/>
+              <a:t>value</a:t>
+            </a:r>
+            <a:r>
+              <a:rPr lang="zh-CN" altLang="en-US" smtClean="0"/>
+              <a:t>的值提交到服务器。</a:t>
+            </a:r>
+            <a:r>
+              <a:rPr lang="zh-CN" altLang="en-US"/>
+              <a:t>多</a:t>
+            </a:r>
+            <a:r>
+              <a:rPr lang="zh-CN" altLang="en-US" smtClean="0"/>
+              <a:t>个</a:t>
+            </a:r>
+            <a:r>
+              <a:rPr lang="en-US" altLang="zh-CN" smtClean="0"/>
+              <a:t>input</a:t>
+            </a:r>
+            <a:r>
+              <a:rPr lang="zh-CN" altLang="en-US" smtClean="0"/>
+              <a:t>的</a:t>
+            </a:r>
+            <a:r>
+              <a:rPr lang="en-US" altLang="zh-CN" smtClean="0"/>
+              <a:t>name</a:t>
+            </a:r>
+            <a:r>
+              <a:rPr lang="zh-CN" altLang="en-US" smtClean="0"/>
+              <a:t>属性可以相同。</a:t>
             </a:r>
             <a:endParaRPr lang="en-US" altLang="zh-CN" smtClean="0"/>
           </a:p>
           <a:p>
-            <a:r>
-              <a:rPr lang="zh-CN" altLang="en-US" smtClean="0"/>
-              <a:t>可搭配属性：</a:t>
-            </a:r>
-            <a:endParaRPr lang="en-US" altLang="zh-CN" smtClean="0"/>
-          </a:p>
-          <a:p>
-            <a:r>
-              <a:rPr lang="en-US" altLang="zh-CN" smtClean="0"/>
-              <a:t>maxlength</a:t>
-            </a:r>
-            <a:r>
-              <a:rPr lang="zh-CN" altLang="en-US" smtClean="0"/>
-              <a:t>：最大字符数</a:t>
-            </a:r>
-            <a:endParaRPr lang="en-US" altLang="zh-CN" smtClean="0"/>
-          </a:p>
-          <a:p>
-            <a:r>
-              <a:rPr lang="en-US" altLang="zh-CN" smtClean="0"/>
-              <a:t>placeholder</a:t>
-            </a:r>
-            <a:r>
-              <a:rPr lang="zh-CN" altLang="en-US" smtClean="0"/>
-              <a:t>：提示</a:t>
-            </a:r>
-            <a:endParaRPr lang="en-US" altLang="zh-CN" smtClean="0"/>
-          </a:p>
-          <a:p>
-            <a:endParaRPr lang="en-US" altLang="zh-CN" smtClean="0"/>
-          </a:p>
-          <a:p>
+            <a:endParaRPr lang="en-US" altLang="zh-CN"/>
+          </a:p>
+          <a:p>
+            <a:r>
+              <a:rPr lang="en-US" altLang="zh-CN" smtClean="0"/>
+              <a:t>value</a:t>
+            </a:r>
+            <a:r>
+              <a:rPr lang="zh-CN" altLang="en-US" smtClean="0"/>
+              <a:t>属性，最后提交到服务器的值。</a:t>
+            </a:r>
             <a:endParaRPr lang="zh-CN" altLang="en-US"/>
           </a:p>
         </p:txBody>
@@ -4527,7 +5204,7 @@
     </p:spTree>
     <p:extLst>
       <p:ext uri="{BB962C8B-B14F-4D97-AF65-F5344CB8AC3E}">
-        <p14:creationId xmlns:p14="http://schemas.microsoft.com/office/powerpoint/2010/main" val="2033519817"/>
+        <p14:creationId xmlns:p14="http://schemas.microsoft.com/office/powerpoint/2010/main" val="3149695048"/>
       </p:ext>
     </p:extLst>
   </p:cSld>
@@ -4570,9 +5247,18 @@
           <a:lstStyle/>
           <a:p>
             <a:r>
-              <a:rPr lang="zh-CN" altLang="en-US"/>
-              <a:t>单选框</a:t>
-            </a:r>
+              <a:rPr lang="en-US" altLang="zh-CN"/>
+              <a:t>t</a:t>
+            </a:r>
+            <a:r>
+              <a:rPr lang="en-US" altLang="zh-CN" smtClean="0"/>
+              <a:t>ype</a:t>
+            </a:r>
+            <a:r>
+              <a:rPr lang="zh-CN" altLang="en-US" smtClean="0"/>
+              <a:t>属性</a:t>
+            </a:r>
+            <a:endParaRPr lang="zh-CN" altLang="en-US"/>
           </a:p>
         </p:txBody>
       </p:sp>
@@ -4589,17 +5275,17 @@
         <p:spPr/>
         <p:txBody>
           <a:bodyPr>
-            <a:normAutofit lnSpcReduction="10000"/>
+            <a:normAutofit fontScale="92500" lnSpcReduction="10000"/>
           </a:bodyPr>
           <a:lstStyle/>
           <a:p>
             <a:r>
               <a:rPr lang="en-US" altLang="zh-CN" smtClean="0"/>
-              <a:t>type=radio</a:t>
-            </a:r>
-            <a:r>
-              <a:rPr lang="zh-CN" altLang="en-US" smtClean="0"/>
-              <a:t>单选框选项</a:t>
+              <a:t>type=text</a:t>
+            </a:r>
+            <a:r>
+              <a:rPr lang="zh-CN" altLang="en-US" smtClean="0"/>
+              <a:t>单行文本框</a:t>
             </a:r>
             <a:endParaRPr lang="en-US" altLang="zh-CN" smtClean="0"/>
           </a:p>
@@ -4608,7 +5294,7 @@
               <a:buNone/>
             </a:pPr>
             <a:r>
-              <a:rPr lang="en-US" altLang="zh-CN"/>
+              <a:rPr lang="en-US" altLang="zh-CN" smtClean="0"/>
               <a:t>&lt;form&gt;</a:t>
             </a:r>
           </a:p>
@@ -4617,20 +5303,8 @@
               <a:buNone/>
             </a:pPr>
             <a:r>
-              <a:rPr lang="en-US" altLang="zh-CN"/>
-              <a:t>	&lt;input type</a:t>
-            </a:r>
-            <a:r>
-              <a:rPr lang="en-US" altLang="zh-CN" smtClean="0"/>
-              <a:t>=“</a:t>
-            </a:r>
-            <a:r>
-              <a:rPr lang="en-US" altLang="zh-CN"/>
-              <a:t>radio</a:t>
-            </a:r>
-            <a:r>
-              <a:rPr lang="en-US" altLang="zh-CN" smtClean="0"/>
-              <a:t>” name=“sex”&gt;</a:t>
+              <a:rPr lang="en-US" altLang="zh-CN" smtClean="0"/>
+              <a:t>	&lt;input type=“text”&gt;</a:t>
             </a:r>
           </a:p>
           <a:p>
@@ -4639,50 +5313,42 @@
             </a:pPr>
             <a:r>
               <a:rPr lang="en-US" altLang="zh-CN" smtClean="0"/>
-              <a:t>	&lt;</a:t>
-            </a:r>
-            <a:r>
-              <a:rPr lang="en-US" altLang="zh-CN"/>
-              <a:t>input type=“radio” name=“sex</a:t>
-            </a:r>
-            <a:r>
-              <a:rPr lang="en-US" altLang="zh-CN" smtClean="0"/>
-              <a:t>”&gt;</a:t>
-            </a:r>
-            <a:endParaRPr lang="en-US" altLang="zh-CN"/>
-          </a:p>
-          <a:p>
-            <a:pPr marL="0" indent="0">
-              <a:buNone/>
-            </a:pPr>
-            <a:r>
-              <a:rPr lang="en-US" altLang="zh-CN"/>
               <a:t>&lt;/form&gt;</a:t>
             </a:r>
           </a:p>
           <a:p>
             <a:r>
               <a:rPr lang="zh-CN" altLang="en-US" smtClean="0"/>
-              <a:t>单选框选项常用于只有一个结果选项，例如男、女，校区等。</a:t>
+              <a:t>单行文本框用于一些简短的输入，例如姓名等一些简单的信息。</a:t>
             </a:r>
             <a:endParaRPr lang="en-US" altLang="zh-CN" smtClean="0"/>
           </a:p>
           <a:p>
             <a:r>
-              <a:rPr lang="zh-CN" altLang="en-US"/>
-              <a:t>同一</a:t>
-            </a:r>
-            <a:r>
-              <a:rPr lang="zh-CN" altLang="en-US" smtClean="0"/>
-              <a:t>组的单选框</a:t>
-            </a:r>
-            <a:r>
-              <a:rPr lang="en-US" altLang="zh-CN" smtClean="0"/>
-              <a:t>name</a:t>
-            </a:r>
-            <a:r>
-              <a:rPr lang="zh-CN" altLang="en-US" smtClean="0"/>
-              <a:t>的值必须相同。</a:t>
+              <a:rPr lang="zh-CN" altLang="en-US" smtClean="0"/>
+              <a:t>可搭配属性：</a:t>
+            </a:r>
+            <a:endParaRPr lang="en-US" altLang="zh-CN" smtClean="0"/>
+          </a:p>
+          <a:p>
+            <a:r>
+              <a:rPr lang="en-US" altLang="zh-CN" smtClean="0"/>
+              <a:t>maxlength</a:t>
+            </a:r>
+            <a:r>
+              <a:rPr lang="zh-CN" altLang="en-US" smtClean="0"/>
+              <a:t>：最大字符数</a:t>
+            </a:r>
+            <a:endParaRPr lang="en-US" altLang="zh-CN" smtClean="0"/>
+          </a:p>
+          <a:p>
+            <a:r>
+              <a:rPr lang="en-US" altLang="zh-CN" smtClean="0"/>
+              <a:t>placeholder</a:t>
+            </a:r>
+            <a:r>
+              <a:rPr lang="zh-CN" altLang="en-US" smtClean="0"/>
+              <a:t>：提示</a:t>
             </a:r>
             <a:endParaRPr lang="en-US" altLang="zh-CN" smtClean="0"/>
           </a:p>
@@ -4697,7 +5363,7 @@
     </p:spTree>
     <p:extLst>
       <p:ext uri="{BB962C8B-B14F-4D97-AF65-F5344CB8AC3E}">
-        <p14:creationId xmlns:p14="http://schemas.microsoft.com/office/powerpoint/2010/main" val="2987819541"/>
+        <p14:creationId xmlns:p14="http://schemas.microsoft.com/office/powerpoint/2010/main" val="2033519817"/>
       </p:ext>
     </p:extLst>
   </p:cSld>
@@ -4740,10 +5406,9 @@
           <a:lstStyle/>
           <a:p>
             <a:r>
-              <a:rPr lang="zh-CN" altLang="en-US" smtClean="0"/>
-              <a:t>复选框</a:t>
-            </a:r>
-            <a:endParaRPr lang="zh-CN" altLang="en-US"/>
+              <a:rPr lang="zh-CN" altLang="en-US"/>
+              <a:t>单选框</a:t>
+            </a:r>
           </a:p>
         </p:txBody>
       </p:sp>
@@ -4766,11 +5431,11 @@
           <a:p>
             <a:r>
               <a:rPr lang="en-US" altLang="zh-CN" smtClean="0"/>
-              <a:t>type=checkbox</a:t>
-            </a:r>
-            <a:r>
-              <a:rPr lang="zh-CN" altLang="en-US" smtClean="0"/>
-              <a:t>多选框</a:t>
+              <a:t>type=radio</a:t>
+            </a:r>
+            <a:r>
+              <a:rPr lang="zh-CN" altLang="en-US" smtClean="0"/>
+              <a:t>单选框选项</a:t>
             </a:r>
             <a:endParaRPr lang="en-US" altLang="zh-CN" smtClean="0"/>
           </a:p>
@@ -4793,81 +5458,72 @@
             </a:r>
             <a:r>
               <a:rPr lang="en-US" altLang="zh-CN" smtClean="0"/>
-              <a:t>=“checkbox” </a:t>
+              <a:t>=“</a:t>
             </a:r>
             <a:r>
               <a:rPr lang="en-US" altLang="zh-CN"/>
+              <a:t>radio</a:t>
+            </a:r>
+            <a:r>
+              <a:rPr lang="en-US" altLang="zh-CN" smtClean="0"/>
+              <a:t>” name=“sex”&gt;</a:t>
+            </a:r>
+          </a:p>
+          <a:p>
+            <a:pPr marL="0" indent="0">
+              <a:buNone/>
+            </a:pPr>
+            <a:r>
+              <a:rPr lang="en-US" altLang="zh-CN" smtClean="0"/>
+              <a:t>	&lt;</a:t>
+            </a:r>
+            <a:r>
+              <a:rPr lang="en-US" altLang="zh-CN"/>
+              <a:t>input type=“radio” name=“sex</a:t>
+            </a:r>
+            <a:r>
+              <a:rPr lang="en-US" altLang="zh-CN" smtClean="0"/>
+              <a:t>”&gt;</a:t>
+            </a:r>
+            <a:endParaRPr lang="en-US" altLang="zh-CN"/>
+          </a:p>
+          <a:p>
+            <a:pPr marL="0" indent="0">
+              <a:buNone/>
+            </a:pPr>
+            <a:r>
+              <a:rPr lang="en-US" altLang="zh-CN"/>
+              <a:t>&lt;/form&gt;</a:t>
+            </a:r>
+          </a:p>
+          <a:p>
+            <a:r>
+              <a:rPr lang="zh-CN" altLang="en-US" smtClean="0"/>
+              <a:t>单选框选项常用于只有一个结果选项，例如男、女，校区等。</a:t>
+            </a:r>
+            <a:endParaRPr lang="en-US" altLang="zh-CN" smtClean="0"/>
+          </a:p>
+          <a:p>
+            <a:r>
+              <a:rPr lang="zh-CN" altLang="en-US"/>
+              <a:t>同一</a:t>
+            </a:r>
+            <a:r>
+              <a:rPr lang="zh-CN" altLang="en-US" smtClean="0"/>
+              <a:t>组的单选框</a:t>
+            </a:r>
+            <a:r>
+              <a:rPr lang="en-US" altLang="zh-CN" smtClean="0"/>
               <a:t>name</a:t>
             </a:r>
             <a:r>
-              <a:rPr lang="en-US" altLang="zh-CN" smtClean="0"/>
-              <a:t>=“hobby”&gt;</a:t>
-            </a:r>
-            <a:endParaRPr lang="en-US" altLang="zh-CN"/>
-          </a:p>
-          <a:p>
-            <a:pPr marL="0" indent="0">
-              <a:buNone/>
-            </a:pPr>
-            <a:r>
-              <a:rPr lang="en-US" altLang="zh-CN"/>
-              <a:t>	&lt;input type</a:t>
-            </a:r>
-            <a:r>
-              <a:rPr lang="en-US" altLang="zh-CN" smtClean="0"/>
-              <a:t>=“checkbox” </a:t>
-            </a:r>
-            <a:r>
-              <a:rPr lang="en-US" altLang="zh-CN"/>
-              <a:t>name</a:t>
-            </a:r>
-            <a:r>
-              <a:rPr lang="en-US" altLang="zh-CN" smtClean="0"/>
-              <a:t>=“hobby”&gt;</a:t>
-            </a:r>
-            <a:endParaRPr lang="en-US" altLang="zh-CN"/>
-          </a:p>
-          <a:p>
-            <a:pPr marL="0" indent="0">
-              <a:buNone/>
-            </a:pPr>
-            <a:r>
-              <a:rPr lang="en-US" altLang="zh-CN"/>
-              <a:t>&lt;/form</a:t>
-            </a:r>
-            <a:r>
-              <a:rPr lang="en-US" altLang="zh-CN" smtClean="0"/>
-              <a:t>&gt;</a:t>
-            </a:r>
-          </a:p>
-          <a:p>
-            <a:r>
-              <a:rPr lang="zh-CN" altLang="en-US"/>
-              <a:t>多选</a:t>
-            </a:r>
-            <a:r>
-              <a:rPr lang="zh-CN" altLang="en-US" smtClean="0"/>
-              <a:t>框常用于选择多个选项，例如选择兴趣爱好等。</a:t>
+              <a:rPr lang="zh-CN" altLang="en-US" smtClean="0"/>
+              <a:t>的值必须相同。</a:t>
             </a:r>
             <a:endParaRPr lang="en-US" altLang="zh-CN" smtClean="0"/>
           </a:p>
           <a:p>
-            <a:r>
-              <a:rPr lang="zh-CN" altLang="en-US"/>
-              <a:t>同一组的单选框</a:t>
-            </a:r>
-            <a:r>
-              <a:rPr lang="en-US" altLang="zh-CN"/>
-              <a:t>name</a:t>
-            </a:r>
-            <a:r>
-              <a:rPr lang="zh-CN" altLang="en-US"/>
-              <a:t>的值必须相同。</a:t>
-            </a:r>
-            <a:endParaRPr lang="en-US" altLang="zh-CN"/>
-          </a:p>
-          <a:p>
-            <a:endParaRPr lang="en-US" altLang="zh-CN"/>
+            <a:endParaRPr lang="en-US" altLang="zh-CN" smtClean="0"/>
           </a:p>
           <a:p>
             <a:endParaRPr lang="zh-CN" altLang="en-US"/>
@@ -4877,7 +5533,7 @@
     </p:spTree>
     <p:extLst>
       <p:ext uri="{BB962C8B-B14F-4D97-AF65-F5344CB8AC3E}">
-        <p14:creationId xmlns:p14="http://schemas.microsoft.com/office/powerpoint/2010/main" val="1759083608"/>
+        <p14:creationId xmlns:p14="http://schemas.microsoft.com/office/powerpoint/2010/main" val="2987819541"/>
       </p:ext>
     </p:extLst>
   </p:cSld>
@@ -4921,7 +5577,7 @@
           <a:p>
             <a:r>
               <a:rPr lang="zh-CN" altLang="en-US" smtClean="0"/>
-              <a:t>作为按钮</a:t>
+              <a:t>复选框</a:t>
             </a:r>
             <a:endParaRPr lang="zh-CN" altLang="en-US"/>
           </a:p>
@@ -4939,64 +5595,117 @@
         </p:nvSpPr>
         <p:spPr/>
         <p:txBody>
-          <a:bodyPr/>
-          <a:lstStyle/>
-          <a:p>
-            <a:r>
-              <a:rPr lang="en-US" altLang="zh-CN" smtClean="0"/>
-              <a:t>type</a:t>
-            </a:r>
-            <a:r>
-              <a:rPr lang="zh-CN" altLang="en-US" smtClean="0"/>
-              <a:t>有三个值可以让</a:t>
-            </a:r>
-            <a:r>
-              <a:rPr lang="en-US" altLang="zh-CN" smtClean="0"/>
-              <a:t>&lt;input&gt;</a:t>
-            </a:r>
-            <a:r>
-              <a:rPr lang="zh-CN" altLang="en-US" smtClean="0"/>
-              <a:t>元素作为按钮使用</a:t>
+          <a:bodyPr>
+            <a:normAutofit lnSpcReduction="10000"/>
+          </a:bodyPr>
+          <a:lstStyle/>
+          <a:p>
+            <a:r>
+              <a:rPr lang="en-US" altLang="zh-CN" smtClean="0"/>
+              <a:t>type=checkbox</a:t>
+            </a:r>
+            <a:r>
+              <a:rPr lang="zh-CN" altLang="en-US" smtClean="0"/>
+              <a:t>多选框</a:t>
             </a:r>
             <a:endParaRPr lang="en-US" altLang="zh-CN" smtClean="0"/>
           </a:p>
           <a:p>
-            <a:r>
-              <a:rPr lang="en-US" altLang="zh-CN" smtClean="0"/>
-              <a:t>type=submit</a:t>
-            </a:r>
-            <a:r>
-              <a:rPr lang="zh-CN" altLang="en-US" smtClean="0"/>
-              <a:t>：提交表单</a:t>
+            <a:pPr marL="0" indent="0">
+              <a:buNone/>
+            </a:pPr>
+            <a:r>
+              <a:rPr lang="en-US" altLang="zh-CN"/>
+              <a:t>&lt;form&gt;</a:t>
+            </a:r>
+          </a:p>
+          <a:p>
+            <a:pPr marL="0" indent="0">
+              <a:buNone/>
+            </a:pPr>
+            <a:r>
+              <a:rPr lang="en-US" altLang="zh-CN"/>
+              <a:t>	&lt;input type</a:t>
+            </a:r>
+            <a:r>
+              <a:rPr lang="en-US" altLang="zh-CN" smtClean="0"/>
+              <a:t>=“checkbox” </a:t>
+            </a:r>
+            <a:r>
+              <a:rPr lang="en-US" altLang="zh-CN"/>
+              <a:t>name</a:t>
+            </a:r>
+            <a:r>
+              <a:rPr lang="en-US" altLang="zh-CN" smtClean="0"/>
+              <a:t>=“hobby”&gt;</a:t>
+            </a:r>
+            <a:endParaRPr lang="en-US" altLang="zh-CN"/>
+          </a:p>
+          <a:p>
+            <a:pPr marL="0" indent="0">
+              <a:buNone/>
+            </a:pPr>
+            <a:r>
+              <a:rPr lang="en-US" altLang="zh-CN"/>
+              <a:t>	&lt;input type</a:t>
+            </a:r>
+            <a:r>
+              <a:rPr lang="en-US" altLang="zh-CN" smtClean="0"/>
+              <a:t>=“checkbox” </a:t>
+            </a:r>
+            <a:r>
+              <a:rPr lang="en-US" altLang="zh-CN"/>
+              <a:t>name</a:t>
+            </a:r>
+            <a:r>
+              <a:rPr lang="en-US" altLang="zh-CN" smtClean="0"/>
+              <a:t>=“hobby”&gt;</a:t>
+            </a:r>
+            <a:endParaRPr lang="en-US" altLang="zh-CN"/>
+          </a:p>
+          <a:p>
+            <a:pPr marL="0" indent="0">
+              <a:buNone/>
+            </a:pPr>
+            <a:r>
+              <a:rPr lang="en-US" altLang="zh-CN"/>
+              <a:t>&lt;/form</a:t>
+            </a:r>
+            <a:r>
+              <a:rPr lang="en-US" altLang="zh-CN" smtClean="0"/>
+              <a:t>&gt;</a:t>
+            </a:r>
+          </a:p>
+          <a:p>
+            <a:r>
+              <a:rPr lang="zh-CN" altLang="en-US"/>
+              <a:t>多选</a:t>
+            </a:r>
+            <a:r>
+              <a:rPr lang="zh-CN" altLang="en-US" smtClean="0"/>
+              <a:t>框常用于选择多个选项，例如选择兴趣爱好等。</a:t>
             </a:r>
             <a:endParaRPr lang="en-US" altLang="zh-CN" smtClean="0"/>
           </a:p>
           <a:p>
-            <a:endParaRPr lang="en-US" altLang="zh-CN" smtClean="0"/>
-          </a:p>
-          <a:p>
-            <a:r>
-              <a:rPr lang="en-US" altLang="zh-CN" smtClean="0"/>
-              <a:t>type=reset</a:t>
-            </a:r>
-            <a:r>
-              <a:rPr lang="zh-CN" altLang="en-US" smtClean="0"/>
-              <a:t>：重置表单</a:t>
-            </a:r>
-            <a:endParaRPr lang="en-US" altLang="zh-CN" smtClean="0"/>
-          </a:p>
-          <a:p>
-            <a:endParaRPr lang="en-US" altLang="zh-CN" smtClean="0"/>
-          </a:p>
-          <a:p>
-            <a:r>
-              <a:rPr lang="en-US" altLang="zh-CN" smtClean="0"/>
-              <a:t>type=button</a:t>
-            </a:r>
-            <a:r>
-              <a:rPr lang="zh-CN" altLang="en-US" smtClean="0"/>
-              <a:t>：没有任何操作的按钮</a:t>
-            </a:r>
+            <a:r>
+              <a:rPr lang="zh-CN" altLang="en-US"/>
+              <a:t>同一组的单选框</a:t>
+            </a:r>
+            <a:r>
+              <a:rPr lang="en-US" altLang="zh-CN"/>
+              <a:t>name</a:t>
+            </a:r>
+            <a:r>
+              <a:rPr lang="zh-CN" altLang="en-US"/>
+              <a:t>的值必须相同。</a:t>
+            </a:r>
+            <a:endParaRPr lang="en-US" altLang="zh-CN"/>
+          </a:p>
+          <a:p>
+            <a:endParaRPr lang="en-US" altLang="zh-CN"/>
+          </a:p>
+          <a:p>
             <a:endParaRPr lang="zh-CN" altLang="en-US"/>
           </a:p>
         </p:txBody>
@@ -5004,7 +5713,7 @@
     </p:spTree>
     <p:extLst>
       <p:ext uri="{BB962C8B-B14F-4D97-AF65-F5344CB8AC3E}">
-        <p14:creationId xmlns:p14="http://schemas.microsoft.com/office/powerpoint/2010/main" val="262226447"/>
+        <p14:creationId xmlns:p14="http://schemas.microsoft.com/office/powerpoint/2010/main" val="1759083608"/>
       </p:ext>
     </p:extLst>
   </p:cSld>
@@ -5048,7 +5757,7 @@
           <a:p>
             <a:r>
               <a:rPr lang="zh-CN" altLang="en-US" smtClean="0"/>
-              <a:t>输入数值</a:t>
+              <a:t>作为按钮</a:t>
             </a:r>
             <a:endParaRPr lang="zh-CN" altLang="en-US"/>
           </a:p>
@@ -5071,93 +5780,67 @@
           <a:p>
             <a:r>
               <a:rPr lang="en-US" altLang="zh-CN" smtClean="0"/>
-              <a:t>type=number</a:t>
-            </a:r>
-            <a:r>
-              <a:rPr lang="zh-CN" altLang="en-US" smtClean="0"/>
-              <a:t>用于输入数值</a:t>
+              <a:t>type</a:t>
+            </a:r>
+            <a:r>
+              <a:rPr lang="zh-CN" altLang="en-US" smtClean="0"/>
+              <a:t>有三个值可以让</a:t>
+            </a:r>
+            <a:r>
+              <a:rPr lang="en-US" altLang="zh-CN" smtClean="0"/>
+              <a:t>&lt;input&gt;</a:t>
+            </a:r>
+            <a:r>
+              <a:rPr lang="zh-CN" altLang="en-US" smtClean="0"/>
+              <a:t>元素作为按钮使用</a:t>
             </a:r>
             <a:endParaRPr lang="en-US" altLang="zh-CN" smtClean="0"/>
           </a:p>
           <a:p>
-            <a:pPr marL="0" indent="0">
-              <a:buNone/>
-            </a:pPr>
-            <a:r>
-              <a:rPr lang="en-US" altLang="zh-CN"/>
-              <a:t>&lt;form&gt;</a:t>
-            </a:r>
-          </a:p>
-          <a:p>
-            <a:pPr marL="0" indent="0">
-              <a:buNone/>
-            </a:pPr>
-            <a:r>
-              <a:rPr lang="en-US" altLang="zh-CN"/>
-              <a:t>	&lt;input type</a:t>
-            </a:r>
-            <a:r>
-              <a:rPr lang="en-US" altLang="zh-CN" smtClean="0"/>
-              <a:t>=“number” </a:t>
-            </a:r>
-            <a:r>
-              <a:rPr lang="en-US" altLang="zh-CN"/>
-              <a:t>name</a:t>
-            </a:r>
-            <a:r>
-              <a:rPr lang="en-US" altLang="zh-CN" smtClean="0"/>
-              <a:t>=“age”&gt;</a:t>
-            </a:r>
-            <a:endParaRPr lang="en-US" altLang="zh-CN"/>
-          </a:p>
-          <a:p>
-            <a:pPr marL="0" indent="0">
-              <a:buNone/>
-            </a:pPr>
-            <a:r>
-              <a:rPr lang="en-US" altLang="zh-CN" smtClean="0"/>
-              <a:t>&lt;/</a:t>
-            </a:r>
-            <a:r>
-              <a:rPr lang="en-US" altLang="zh-CN"/>
-              <a:t>form&gt;</a:t>
-            </a:r>
-          </a:p>
-          <a:p>
-            <a:r>
-              <a:rPr lang="zh-CN" altLang="en-US" smtClean="0"/>
-              <a:t>可搭配属性：</a:t>
+            <a:r>
+              <a:rPr lang="en-US" altLang="zh-CN" smtClean="0"/>
+              <a:t>type=submit</a:t>
+            </a:r>
+            <a:r>
+              <a:rPr lang="zh-CN" altLang="en-US" smtClean="0"/>
+              <a:t>：提交表单</a:t>
             </a:r>
             <a:endParaRPr lang="en-US" altLang="zh-CN" smtClean="0"/>
           </a:p>
           <a:p>
-            <a:r>
-              <a:rPr lang="en-US" altLang="zh-CN" smtClean="0"/>
-              <a:t>max</a:t>
-            </a:r>
-            <a:r>
-              <a:rPr lang="zh-CN" altLang="en-US" smtClean="0"/>
-              <a:t>：可接受的最大值</a:t>
-            </a:r>
             <a:endParaRPr lang="en-US" altLang="zh-CN" smtClean="0"/>
           </a:p>
           <a:p>
             <a:r>
               <a:rPr lang="en-US" altLang="zh-CN" smtClean="0"/>
-              <a:t>min</a:t>
-            </a:r>
-            <a:r>
-              <a:rPr lang="zh-CN" altLang="en-US" smtClean="0"/>
-              <a:t>：可搭配的最小值</a:t>
+              <a:t>type=reset</a:t>
+            </a:r>
+            <a:r>
+              <a:rPr lang="zh-CN" altLang="en-US" smtClean="0"/>
+              <a:t>：重置表单</a:t>
             </a:r>
             <a:endParaRPr lang="en-US" altLang="zh-CN" smtClean="0"/>
+          </a:p>
+          <a:p>
+            <a:endParaRPr lang="en-US" altLang="zh-CN" smtClean="0"/>
+          </a:p>
+          <a:p>
+            <a:r>
+              <a:rPr lang="en-US" altLang="zh-CN" smtClean="0"/>
+              <a:t>type=button</a:t>
+            </a:r>
+            <a:r>
+              <a:rPr lang="zh-CN" altLang="en-US" smtClean="0"/>
+              <a:t>：没有任何操作的按钮</a:t>
+            </a:r>
+            <a:endParaRPr lang="zh-CN" altLang="en-US"/>
           </a:p>
         </p:txBody>
       </p:sp>
     </p:spTree>
     <p:extLst>
       <p:ext uri="{BB962C8B-B14F-4D97-AF65-F5344CB8AC3E}">
-        <p14:creationId xmlns:p14="http://schemas.microsoft.com/office/powerpoint/2010/main" val="1181036414"/>
+        <p14:creationId xmlns:p14="http://schemas.microsoft.com/office/powerpoint/2010/main" val="262226447"/>
       </p:ext>
     </p:extLst>
   </p:cSld>

--- a/网页设计与制作/课件/3/表单.pptx
+++ b/网页设计与制作/课件/3/表单.pptx
@@ -21,8 +21,11 @@
     <p:sldId id="268" r:id="rId15"/>
     <p:sldId id="269" r:id="rId16"/>
     <p:sldId id="270" r:id="rId17"/>
-    <p:sldId id="272" r:id="rId18"/>
-    <p:sldId id="273" r:id="rId19"/>
+    <p:sldId id="274" r:id="rId18"/>
+    <p:sldId id="272" r:id="rId19"/>
+    <p:sldId id="273" r:id="rId20"/>
+    <p:sldId id="275" r:id="rId21"/>
+    <p:sldId id="276" r:id="rId22"/>
   </p:sldIdLst>
   <p:sldSz cx="9144000" cy="6858000" type="screen4x3"/>
   <p:notesSz cx="6858000" cy="9144000"/>
@@ -4222,12 +4225,8 @@
           <a:lstStyle/>
           <a:p>
             <a:r>
-              <a:rPr lang="en-US" altLang="zh-CN" smtClean="0"/>
-              <a:t>&lt;select&gt;</a:t>
-            </a:r>
-            <a:r>
-              <a:rPr lang="zh-CN" altLang="en-US" smtClean="0"/>
-              <a:t>元素</a:t>
+              <a:rPr lang="zh-CN" altLang="en-US" smtClean="0"/>
+              <a:t>其他属性</a:t>
             </a:r>
             <a:endParaRPr lang="zh-CN" altLang="en-US"/>
           </a:p>
@@ -4245,158 +4244,27 @@
         </p:nvSpPr>
         <p:spPr/>
         <p:txBody>
-          <a:bodyPr>
-            <a:normAutofit lnSpcReduction="10000"/>
-          </a:bodyPr>
-          <a:lstStyle/>
-          <a:p>
-            <a:r>
-              <a:rPr lang="en-US" altLang="zh-CN" smtClean="0"/>
-              <a:t>&lt;select&gt;</a:t>
-            </a:r>
-            <a:r>
-              <a:rPr lang="zh-CN" altLang="en-US" smtClean="0"/>
-              <a:t>元素用于创建选择菜单</a:t>
+          <a:bodyPr/>
+          <a:lstStyle/>
+          <a:p>
+            <a:r>
+              <a:rPr lang="en-US" altLang="zh-CN" smtClean="0"/>
+              <a:t>required</a:t>
+            </a:r>
+            <a:r>
+              <a:rPr lang="zh-CN" altLang="en-US" smtClean="0"/>
+              <a:t>：用户必须提供一个值，否则无法通过输入验证。</a:t>
             </a:r>
             <a:endParaRPr lang="en-US" altLang="zh-CN" smtClean="0"/>
           </a:p>
           <a:p>
             <a:r>
               <a:rPr lang="en-US" altLang="zh-CN" smtClean="0"/>
-              <a:t>&lt;option&gt;</a:t>
-            </a:r>
-            <a:r>
-              <a:rPr lang="zh-CN" altLang="en-US" smtClean="0"/>
-              <a:t>元素通常作为</a:t>
-            </a:r>
-            <a:r>
-              <a:rPr lang="en-US" altLang="zh-CN" smtClean="0"/>
-              <a:t>&lt;select&gt;</a:t>
-            </a:r>
-            <a:r>
-              <a:rPr lang="zh-CN" altLang="en-US" smtClean="0"/>
-              <a:t>元素的选项。</a:t>
-            </a:r>
-            <a:endParaRPr lang="en-US" altLang="zh-CN" smtClean="0"/>
-          </a:p>
-          <a:p>
-            <a:r>
-              <a:rPr lang="zh-CN" altLang="en-US" smtClean="0"/>
-              <a:t>基本结构：</a:t>
-            </a:r>
-            <a:endParaRPr lang="en-US" altLang="zh-CN" smtClean="0"/>
-          </a:p>
-          <a:p>
-            <a:pPr marL="0" indent="0">
-              <a:buNone/>
-            </a:pPr>
-            <a:r>
-              <a:rPr lang="en-US" altLang="zh-CN" smtClean="0"/>
-              <a:t>&lt;select name=“book”&gt;</a:t>
-            </a:r>
-          </a:p>
-          <a:p>
-            <a:pPr marL="0" indent="0">
-              <a:buNone/>
-            </a:pPr>
-            <a:r>
-              <a:rPr lang="en-US" altLang="zh-CN"/>
-              <a:t>	</a:t>
-            </a:r>
-            <a:r>
-              <a:rPr lang="en-US" altLang="zh-CN" smtClean="0"/>
-              <a:t>&lt;option value=“1”&gt;</a:t>
-            </a:r>
-            <a:r>
-              <a:rPr lang="zh-CN" altLang="en-US" smtClean="0"/>
-              <a:t>英语书</a:t>
-            </a:r>
-            <a:r>
-              <a:rPr lang="en-US" altLang="zh-CN" smtClean="0"/>
-              <a:t>&lt;/option&gt;</a:t>
-            </a:r>
-          </a:p>
-          <a:p>
-            <a:pPr marL="0" indent="0">
-              <a:buNone/>
-            </a:pPr>
-            <a:r>
-              <a:rPr lang="en-US" altLang="zh-CN" smtClean="0"/>
-              <a:t>	&lt;</a:t>
-            </a:r>
-            <a:r>
-              <a:rPr lang="en-US" altLang="zh-CN"/>
-              <a:t>option </a:t>
-            </a:r>
-            <a:r>
-              <a:rPr lang="en-US" altLang="zh-CN"/>
-              <a:t>value</a:t>
-            </a:r>
-            <a:r>
-              <a:rPr lang="en-US" altLang="zh-CN" smtClean="0"/>
-              <a:t>=“2”&gt;</a:t>
-            </a:r>
-            <a:r>
-              <a:rPr lang="zh-CN" altLang="en-US"/>
-              <a:t>数学</a:t>
-            </a:r>
-            <a:r>
-              <a:rPr lang="zh-CN" altLang="en-US" smtClean="0"/>
-              <a:t>书</a:t>
-            </a:r>
-            <a:r>
-              <a:rPr lang="en-US" altLang="zh-CN"/>
-              <a:t>&lt;/option&gt;</a:t>
-            </a:r>
-          </a:p>
-          <a:p>
-            <a:pPr marL="0" indent="0">
-              <a:buNone/>
-            </a:pPr>
-            <a:r>
-              <a:rPr lang="en-US" altLang="zh-CN" smtClean="0"/>
-              <a:t>	</a:t>
-            </a:r>
-            <a:r>
-              <a:rPr lang="en-US" altLang="zh-CN"/>
-              <a:t>&lt;option </a:t>
-            </a:r>
-            <a:r>
-              <a:rPr lang="en-US" altLang="zh-CN"/>
-              <a:t>value</a:t>
-            </a:r>
-            <a:r>
-              <a:rPr lang="en-US" altLang="zh-CN" smtClean="0"/>
-              <a:t>=“3”&gt;</a:t>
-            </a:r>
-            <a:r>
-              <a:rPr lang="zh-CN" altLang="en-US"/>
-              <a:t>化学</a:t>
-            </a:r>
-            <a:r>
-              <a:rPr lang="zh-CN" altLang="en-US" smtClean="0"/>
-              <a:t>书</a:t>
-            </a:r>
-            <a:r>
-              <a:rPr lang="en-US" altLang="zh-CN"/>
-              <a:t>&lt;/</a:t>
-            </a:r>
-            <a:r>
-              <a:rPr lang="en-US" altLang="zh-CN"/>
-              <a:t>option</a:t>
-            </a:r>
-            <a:r>
-              <a:rPr lang="en-US" altLang="zh-CN" smtClean="0"/>
-              <a:t>&gt;</a:t>
-            </a:r>
-          </a:p>
-          <a:p>
-            <a:pPr marL="0" indent="0">
-              <a:buNone/>
-            </a:pPr>
-            <a:r>
-              <a:rPr lang="en-US" altLang="zh-CN" smtClean="0"/>
-              <a:t>&lt;/select&gt;</a:t>
+              <a:t>size</a:t>
+            </a:r>
+            <a:r>
+              <a:rPr lang="zh-CN" altLang="en-US" smtClean="0"/>
+              <a:t>：通过指定文本框可见的字符数目设定其宽度。</a:t>
             </a:r>
             <a:endParaRPr lang="zh-CN" altLang="en-US"/>
           </a:p>
@@ -4405,7 +4273,7 @@
     </p:spTree>
     <p:extLst>
       <p:ext uri="{BB962C8B-B14F-4D97-AF65-F5344CB8AC3E}">
-        <p14:creationId xmlns:p14="http://schemas.microsoft.com/office/powerpoint/2010/main" val="2667574729"/>
+        <p14:creationId xmlns:p14="http://schemas.microsoft.com/office/powerpoint/2010/main" val="2105953450"/>
       </p:ext>
     </p:extLst>
   </p:cSld>
@@ -4449,6 +4317,228 @@
           <a:p>
             <a:r>
               <a:rPr lang="en-US" altLang="zh-CN" smtClean="0"/>
+              <a:t>&lt;select&gt;</a:t>
+            </a:r>
+            <a:r>
+              <a:rPr lang="zh-CN" altLang="en-US" smtClean="0"/>
+              <a:t>元素</a:t>
+            </a:r>
+            <a:endParaRPr lang="zh-CN" altLang="en-US"/>
+          </a:p>
+        </p:txBody>
+      </p:sp>
+      <p:sp>
+        <p:nvSpPr>
+          <p:cNvPr id="3" name="内容占位符 2"/>
+          <p:cNvSpPr>
+            <a:spLocks noGrp="1"/>
+          </p:cNvSpPr>
+          <p:nvPr>
+            <p:ph idx="1"/>
+          </p:nvPr>
+        </p:nvSpPr>
+        <p:spPr/>
+        <p:txBody>
+          <a:bodyPr>
+            <a:normAutofit lnSpcReduction="10000"/>
+          </a:bodyPr>
+          <a:lstStyle/>
+          <a:p>
+            <a:r>
+              <a:rPr lang="en-US" altLang="zh-CN" smtClean="0"/>
+              <a:t>&lt;select&gt;</a:t>
+            </a:r>
+            <a:r>
+              <a:rPr lang="zh-CN" altLang="en-US" smtClean="0"/>
+              <a:t>元素用于</a:t>
+            </a:r>
+            <a:r>
+              <a:rPr lang="zh-CN" altLang="en-US" smtClean="0"/>
+              <a:t>创建</a:t>
+            </a:r>
+            <a:r>
+              <a:rPr lang="zh-CN" altLang="en-US" smtClean="0"/>
+              <a:t>选项列表。</a:t>
+            </a:r>
+            <a:endParaRPr lang="en-US" altLang="zh-CN" smtClean="0"/>
+          </a:p>
+          <a:p>
+            <a:r>
+              <a:rPr lang="en-US" altLang="zh-CN" smtClean="0"/>
+              <a:t>&lt;option&gt;</a:t>
+            </a:r>
+            <a:r>
+              <a:rPr lang="zh-CN" altLang="en-US" smtClean="0"/>
+              <a:t>元素通常作为</a:t>
+            </a:r>
+            <a:r>
+              <a:rPr lang="en-US" altLang="zh-CN" smtClean="0"/>
+              <a:t>&lt;select&gt;</a:t>
+            </a:r>
+            <a:r>
+              <a:rPr lang="zh-CN" altLang="en-US" smtClean="0"/>
+              <a:t>元素的选项。</a:t>
+            </a:r>
+            <a:endParaRPr lang="en-US" altLang="zh-CN" smtClean="0"/>
+          </a:p>
+          <a:p>
+            <a:r>
+              <a:rPr lang="zh-CN" altLang="en-US" smtClean="0"/>
+              <a:t>基本结构：</a:t>
+            </a:r>
+            <a:endParaRPr lang="en-US" altLang="zh-CN" smtClean="0"/>
+          </a:p>
+          <a:p>
+            <a:pPr marL="0" indent="0">
+              <a:buNone/>
+            </a:pPr>
+            <a:r>
+              <a:rPr lang="en-US" altLang="zh-CN" smtClean="0"/>
+              <a:t>&lt;select name=“book”&gt;</a:t>
+            </a:r>
+          </a:p>
+          <a:p>
+            <a:pPr marL="0" indent="0">
+              <a:buNone/>
+            </a:pPr>
+            <a:r>
+              <a:rPr lang="en-US" altLang="zh-CN"/>
+              <a:t>	</a:t>
+            </a:r>
+            <a:r>
+              <a:rPr lang="en-US" altLang="zh-CN" smtClean="0"/>
+              <a:t>&lt;option value=“1”&gt;</a:t>
+            </a:r>
+            <a:r>
+              <a:rPr lang="zh-CN" altLang="en-US" smtClean="0"/>
+              <a:t>英语书</a:t>
+            </a:r>
+            <a:r>
+              <a:rPr lang="en-US" altLang="zh-CN" smtClean="0"/>
+              <a:t>&lt;/option&gt;</a:t>
+            </a:r>
+          </a:p>
+          <a:p>
+            <a:pPr marL="0" indent="0">
+              <a:buNone/>
+            </a:pPr>
+            <a:r>
+              <a:rPr lang="en-US" altLang="zh-CN" smtClean="0"/>
+              <a:t>	&lt;</a:t>
+            </a:r>
+            <a:r>
+              <a:rPr lang="en-US" altLang="zh-CN"/>
+              <a:t>option value</a:t>
+            </a:r>
+            <a:r>
+              <a:rPr lang="en-US" altLang="zh-CN" smtClean="0"/>
+              <a:t>=“2”&gt;</a:t>
+            </a:r>
+            <a:r>
+              <a:rPr lang="zh-CN" altLang="en-US"/>
+              <a:t>数学</a:t>
+            </a:r>
+            <a:r>
+              <a:rPr lang="zh-CN" altLang="en-US" smtClean="0"/>
+              <a:t>书</a:t>
+            </a:r>
+            <a:r>
+              <a:rPr lang="en-US" altLang="zh-CN"/>
+              <a:t>&lt;/option&gt;</a:t>
+            </a:r>
+          </a:p>
+          <a:p>
+            <a:pPr marL="0" indent="0">
+              <a:buNone/>
+            </a:pPr>
+            <a:r>
+              <a:rPr lang="en-US" altLang="zh-CN" smtClean="0"/>
+              <a:t>	</a:t>
+            </a:r>
+            <a:r>
+              <a:rPr lang="en-US" altLang="zh-CN"/>
+              <a:t>&lt;option value</a:t>
+            </a:r>
+            <a:r>
+              <a:rPr lang="en-US" altLang="zh-CN" smtClean="0"/>
+              <a:t>=“3”&gt;</a:t>
+            </a:r>
+            <a:r>
+              <a:rPr lang="zh-CN" altLang="en-US"/>
+              <a:t>化学</a:t>
+            </a:r>
+            <a:r>
+              <a:rPr lang="zh-CN" altLang="en-US" smtClean="0"/>
+              <a:t>书</a:t>
+            </a:r>
+            <a:r>
+              <a:rPr lang="en-US" altLang="zh-CN"/>
+              <a:t>&lt;/option</a:t>
+            </a:r>
+            <a:r>
+              <a:rPr lang="en-US" altLang="zh-CN" smtClean="0"/>
+              <a:t>&gt;</a:t>
+            </a:r>
+          </a:p>
+          <a:p>
+            <a:pPr marL="0" indent="0">
+              <a:buNone/>
+            </a:pPr>
+            <a:r>
+              <a:rPr lang="en-US" altLang="zh-CN" smtClean="0"/>
+              <a:t>&lt;/select&gt;</a:t>
+            </a:r>
+            <a:endParaRPr lang="zh-CN" altLang="en-US"/>
+          </a:p>
+        </p:txBody>
+      </p:sp>
+    </p:spTree>
+    <p:extLst>
+      <p:ext uri="{BB962C8B-B14F-4D97-AF65-F5344CB8AC3E}">
+        <p14:creationId xmlns:p14="http://schemas.microsoft.com/office/powerpoint/2010/main" val="2667574729"/>
+      </p:ext>
+    </p:extLst>
+  </p:cSld>
+  <p:clrMapOvr>
+    <a:masterClrMapping/>
+  </p:clrMapOvr>
+</p:sld>
+</file>
+
+<file path=ppt/slides/slide19.xml><?xml version="1.0" encoding="utf-8"?>
+<p:sld xmlns:a="http://schemas.openxmlformats.org/drawingml/2006/main" xmlns:r="http://schemas.openxmlformats.org/officeDocument/2006/relationships" xmlns:p="http://schemas.openxmlformats.org/presentationml/2006/main">
+  <p:cSld>
+    <p:spTree>
+      <p:nvGrpSpPr>
+        <p:cNvPr id="1" name=""/>
+        <p:cNvGrpSpPr/>
+        <p:nvPr/>
+      </p:nvGrpSpPr>
+      <p:grpSpPr>
+        <a:xfrm>
+          <a:off x="0" y="0"/>
+          <a:ext cx="0" cy="0"/>
+          <a:chOff x="0" y="0"/>
+          <a:chExt cx="0" cy="0"/>
+        </a:xfrm>
+      </p:grpSpPr>
+      <p:sp>
+        <p:nvSpPr>
+          <p:cNvPr id="2" name="标题 1"/>
+          <p:cNvSpPr>
+            <a:spLocks noGrp="1"/>
+          </p:cNvSpPr>
+          <p:nvPr>
+            <p:ph type="title"/>
+          </p:nvPr>
+        </p:nvSpPr>
+        <p:spPr/>
+        <p:txBody>
+          <a:bodyPr/>
+          <a:lstStyle/>
+          <a:p>
+            <a:r>
+              <a:rPr lang="en-US" altLang="zh-CN" smtClean="0"/>
               <a:t>select</a:t>
             </a:r>
             <a:r>
@@ -4490,11 +4580,15 @@
           <a:p>
             <a:r>
               <a:rPr lang="en-US" altLang="zh-CN" smtClean="0"/>
-              <a:t>multiple=“multiple”</a:t>
-            </a:r>
-            <a:r>
-              <a:rPr lang="zh-CN" altLang="en-US" smtClean="0"/>
-              <a:t>：设置可以选择多个选项。</a:t>
+              <a:t>multiple</a:t>
+            </a:r>
+            <a:r>
+              <a:rPr lang="zh-CN" altLang="en-US" smtClean="0"/>
+              <a:t>：</a:t>
+            </a:r>
+            <a:r>
+              <a:rPr lang="zh-CN" altLang="en-US" smtClean="0"/>
+              <a:t>设置可以选择多个选项。</a:t>
             </a:r>
             <a:endParaRPr lang="zh-CN" altLang="en-US"/>
           </a:p>
@@ -4627,6 +4721,497 @@
 </p:sld>
 </file>
 
+<file path=ppt/slides/slide20.xml><?xml version="1.0" encoding="utf-8"?>
+<p:sld xmlns:a="http://schemas.openxmlformats.org/drawingml/2006/main" xmlns:r="http://schemas.openxmlformats.org/officeDocument/2006/relationships" xmlns:p="http://schemas.openxmlformats.org/presentationml/2006/main">
+  <p:cSld>
+    <p:spTree>
+      <p:nvGrpSpPr>
+        <p:cNvPr id="1" name=""/>
+        <p:cNvGrpSpPr/>
+        <p:nvPr/>
+      </p:nvGrpSpPr>
+      <p:grpSpPr>
+        <a:xfrm>
+          <a:off x="0" y="0"/>
+          <a:ext cx="0" cy="0"/>
+          <a:chOff x="0" y="0"/>
+          <a:chExt cx="0" cy="0"/>
+        </a:xfrm>
+      </p:grpSpPr>
+      <p:sp>
+        <p:nvSpPr>
+          <p:cNvPr id="2" name="标题 1"/>
+          <p:cNvSpPr>
+            <a:spLocks noGrp="1"/>
+          </p:cNvSpPr>
+          <p:nvPr>
+            <p:ph type="title"/>
+          </p:nvPr>
+        </p:nvSpPr>
+        <p:spPr/>
+        <p:txBody>
+          <a:bodyPr/>
+          <a:lstStyle/>
+          <a:p>
+            <a:r>
+              <a:rPr lang="en-US" altLang="zh-CN" smtClean="0"/>
+              <a:t>&lt;optgroup&gt;</a:t>
+            </a:r>
+            <a:r>
+              <a:rPr lang="zh-CN" altLang="en-US" smtClean="0"/>
+              <a:t>元素</a:t>
+            </a:r>
+            <a:endParaRPr lang="zh-CN" altLang="en-US"/>
+          </a:p>
+        </p:txBody>
+      </p:sp>
+      <p:sp>
+        <p:nvSpPr>
+          <p:cNvPr id="3" name="内容占位符 2"/>
+          <p:cNvSpPr>
+            <a:spLocks noGrp="1"/>
+          </p:cNvSpPr>
+          <p:nvPr>
+            <p:ph idx="1"/>
+          </p:nvPr>
+        </p:nvSpPr>
+        <p:spPr>
+          <a:xfrm>
+            <a:off x="467544" y="1340768"/>
+            <a:ext cx="8229600" cy="5400000"/>
+          </a:xfrm>
+        </p:spPr>
+        <p:txBody>
+          <a:bodyPr>
+            <a:normAutofit fontScale="85000" lnSpcReduction="20000"/>
+          </a:bodyPr>
+          <a:lstStyle/>
+          <a:p>
+            <a:r>
+              <a:rPr lang="en-US" altLang="zh-CN" smtClean="0"/>
+              <a:t>&lt;optgroup&gt;</a:t>
+            </a:r>
+            <a:r>
+              <a:rPr lang="zh-CN" altLang="en-US" smtClean="0"/>
+              <a:t>用于对</a:t>
+            </a:r>
+            <a:r>
+              <a:rPr lang="en-US" altLang="zh-CN" smtClean="0"/>
+              <a:t>option</a:t>
+            </a:r>
+            <a:r>
+              <a:rPr lang="zh-CN" altLang="en-US" smtClean="0"/>
+              <a:t>元素进行编组。</a:t>
+            </a:r>
+            <a:endParaRPr lang="en-US" altLang="zh-CN" smtClean="0"/>
+          </a:p>
+          <a:p>
+            <a:r>
+              <a:rPr lang="en-US" altLang="zh-CN" smtClean="0"/>
+              <a:t>&lt;optgroup&gt;</a:t>
+            </a:r>
+            <a:r>
+              <a:rPr lang="zh-CN" altLang="en-US" smtClean="0"/>
+              <a:t>元素可以使用</a:t>
+            </a:r>
+            <a:r>
+              <a:rPr lang="en-US" altLang="zh-CN" smtClean="0"/>
+              <a:t>label</a:t>
+            </a:r>
+            <a:r>
+              <a:rPr lang="zh-CN" altLang="en-US" smtClean="0"/>
+              <a:t>属性设置组名。</a:t>
+            </a:r>
+            <a:endParaRPr lang="en-US" altLang="zh-CN" smtClean="0"/>
+          </a:p>
+          <a:p>
+            <a:pPr marL="0" indent="0">
+              <a:buNone/>
+            </a:pPr>
+            <a:r>
+              <a:rPr lang="en-US" altLang="zh-CN" smtClean="0"/>
+              <a:t>&lt;select&gt;</a:t>
+            </a:r>
+          </a:p>
+          <a:p>
+            <a:pPr marL="0" indent="0">
+              <a:buNone/>
+            </a:pPr>
+            <a:r>
+              <a:rPr lang="en-US" altLang="zh-CN"/>
+              <a:t>	</a:t>
+            </a:r>
+            <a:r>
+              <a:rPr lang="en-US" altLang="zh-CN" smtClean="0"/>
+              <a:t>&lt;optgroup label=“</a:t>
+            </a:r>
+            <a:r>
+              <a:rPr lang="zh-CN" altLang="en-US" smtClean="0"/>
+              <a:t>水果</a:t>
+            </a:r>
+            <a:r>
+              <a:rPr lang="en-US" altLang="zh-CN" smtClean="0"/>
+              <a:t>”&gt;</a:t>
+            </a:r>
+          </a:p>
+          <a:p>
+            <a:pPr marL="0" indent="0">
+              <a:buNone/>
+            </a:pPr>
+            <a:r>
+              <a:rPr lang="en-US" altLang="zh-CN"/>
+              <a:t>	</a:t>
+            </a:r>
+            <a:r>
+              <a:rPr lang="en-US" altLang="zh-CN" smtClean="0"/>
+              <a:t>	</a:t>
+            </a:r>
+            <a:r>
+              <a:rPr lang="en-US" altLang="zh-CN"/>
+              <a:t>&lt;option value=“</a:t>
+            </a:r>
+            <a:r>
+              <a:rPr lang="en-US" altLang="zh-CN"/>
+              <a:t>1</a:t>
+            </a:r>
+            <a:r>
+              <a:rPr lang="en-US" altLang="zh-CN" smtClean="0"/>
+              <a:t>”&gt;</a:t>
+            </a:r>
+            <a:r>
+              <a:rPr lang="zh-CN" altLang="en-US"/>
+              <a:t>苹果</a:t>
+            </a:r>
+            <a:r>
+              <a:rPr lang="en-US" altLang="zh-CN" smtClean="0"/>
+              <a:t>&lt;/</a:t>
+            </a:r>
+            <a:r>
+              <a:rPr lang="en-US" altLang="zh-CN"/>
+              <a:t>option&gt;</a:t>
+            </a:r>
+          </a:p>
+          <a:p>
+            <a:pPr marL="0" indent="0">
+              <a:buNone/>
+            </a:pPr>
+            <a:r>
+              <a:rPr lang="en-US" altLang="zh-CN"/>
+              <a:t>	</a:t>
+            </a:r>
+            <a:r>
+              <a:rPr lang="en-US" altLang="zh-CN" smtClean="0"/>
+              <a:t>	&lt;</a:t>
+            </a:r>
+            <a:r>
+              <a:rPr lang="en-US" altLang="zh-CN"/>
+              <a:t>option value=“</a:t>
+            </a:r>
+            <a:r>
+              <a:rPr lang="en-US" altLang="zh-CN"/>
+              <a:t>2</a:t>
+            </a:r>
+            <a:r>
+              <a:rPr lang="en-US" altLang="zh-CN" smtClean="0"/>
+              <a:t>”&gt;</a:t>
+            </a:r>
+            <a:r>
+              <a:rPr lang="zh-CN" altLang="en-US"/>
+              <a:t>香蕉</a:t>
+            </a:r>
+            <a:r>
+              <a:rPr lang="en-US" altLang="zh-CN" smtClean="0"/>
+              <a:t>&lt;/</a:t>
+            </a:r>
+            <a:r>
+              <a:rPr lang="en-US" altLang="zh-CN"/>
+              <a:t>option</a:t>
+            </a:r>
+            <a:r>
+              <a:rPr lang="en-US" altLang="zh-CN" smtClean="0"/>
+              <a:t>&gt;</a:t>
+            </a:r>
+          </a:p>
+          <a:p>
+            <a:pPr marL="0" indent="0">
+              <a:buNone/>
+            </a:pPr>
+            <a:r>
+              <a:rPr lang="en-US" altLang="zh-CN"/>
+              <a:t>	</a:t>
+            </a:r>
+            <a:r>
+              <a:rPr lang="en-US" altLang="zh-CN" smtClean="0"/>
+              <a:t>&lt;/optgroup&gt;</a:t>
+            </a:r>
+          </a:p>
+          <a:p>
+            <a:pPr marL="0" indent="0">
+              <a:buNone/>
+            </a:pPr>
+            <a:r>
+              <a:rPr lang="en-US" altLang="zh-CN" smtClean="0"/>
+              <a:t>	&lt;</a:t>
+            </a:r>
+            <a:r>
+              <a:rPr lang="en-US" altLang="zh-CN"/>
+              <a:t>optgroup </a:t>
+            </a:r>
+            <a:r>
+              <a:rPr lang="en-US" altLang="zh-CN"/>
+              <a:t>label</a:t>
+            </a:r>
+            <a:r>
+              <a:rPr lang="en-US" altLang="zh-CN" smtClean="0"/>
+              <a:t>=“</a:t>
+            </a:r>
+            <a:r>
+              <a:rPr lang="zh-CN" altLang="en-US" smtClean="0"/>
+              <a:t>蔬菜</a:t>
+            </a:r>
+            <a:r>
+              <a:rPr lang="en-US" altLang="zh-CN" smtClean="0"/>
+              <a:t>”&gt;</a:t>
+            </a:r>
+            <a:endParaRPr lang="en-US" altLang="zh-CN"/>
+          </a:p>
+          <a:p>
+            <a:pPr marL="0" indent="0">
+              <a:buNone/>
+            </a:pPr>
+            <a:r>
+              <a:rPr lang="en-US" altLang="zh-CN"/>
+              <a:t>		&lt;option </a:t>
+            </a:r>
+            <a:r>
+              <a:rPr lang="en-US" altLang="zh-CN"/>
+              <a:t>value</a:t>
+            </a:r>
+            <a:r>
+              <a:rPr lang="en-US" altLang="zh-CN" smtClean="0"/>
+              <a:t>=“3”&gt;</a:t>
+            </a:r>
+            <a:r>
+              <a:rPr lang="zh-CN" altLang="en-US"/>
+              <a:t>油麦菜</a:t>
+            </a:r>
+            <a:r>
+              <a:rPr lang="en-US" altLang="zh-CN" smtClean="0"/>
+              <a:t>&lt;/</a:t>
+            </a:r>
+            <a:r>
+              <a:rPr lang="en-US" altLang="zh-CN"/>
+              <a:t>option&gt;</a:t>
+            </a:r>
+          </a:p>
+          <a:p>
+            <a:pPr marL="0" indent="0">
+              <a:buNone/>
+            </a:pPr>
+            <a:r>
+              <a:rPr lang="en-US" altLang="zh-CN"/>
+              <a:t>		&lt;option </a:t>
+            </a:r>
+            <a:r>
+              <a:rPr lang="en-US" altLang="zh-CN"/>
+              <a:t>value</a:t>
+            </a:r>
+            <a:r>
+              <a:rPr lang="en-US" altLang="zh-CN" smtClean="0"/>
+              <a:t>=“4”&gt;</a:t>
+            </a:r>
+            <a:r>
+              <a:rPr lang="zh-CN" altLang="en-US"/>
+              <a:t>藤藤菜</a:t>
+            </a:r>
+            <a:r>
+              <a:rPr lang="en-US" altLang="zh-CN" smtClean="0"/>
+              <a:t>&lt;/</a:t>
+            </a:r>
+            <a:r>
+              <a:rPr lang="en-US" altLang="zh-CN"/>
+              <a:t>option&gt;</a:t>
+            </a:r>
+          </a:p>
+          <a:p>
+            <a:pPr marL="0" indent="0">
+              <a:buNone/>
+            </a:pPr>
+            <a:r>
+              <a:rPr lang="en-US" altLang="zh-CN"/>
+              <a:t>	&lt;/optgroup&gt;</a:t>
+            </a:r>
+          </a:p>
+          <a:p>
+            <a:pPr marL="0" indent="0">
+              <a:buNone/>
+            </a:pPr>
+            <a:endParaRPr lang="en-US" altLang="zh-CN" smtClean="0"/>
+          </a:p>
+          <a:p>
+            <a:pPr marL="0" indent="0">
+              <a:buNone/>
+            </a:pPr>
+            <a:r>
+              <a:rPr lang="en-US" altLang="zh-CN" smtClean="0"/>
+              <a:t>&lt;/select&gt;</a:t>
+            </a:r>
+            <a:endParaRPr lang="zh-CN" altLang="en-US"/>
+          </a:p>
+        </p:txBody>
+      </p:sp>
+    </p:spTree>
+    <p:extLst>
+      <p:ext uri="{BB962C8B-B14F-4D97-AF65-F5344CB8AC3E}">
+        <p14:creationId xmlns:p14="http://schemas.microsoft.com/office/powerpoint/2010/main" val="3356288997"/>
+      </p:ext>
+    </p:extLst>
+  </p:cSld>
+  <p:clrMapOvr>
+    <a:masterClrMapping/>
+  </p:clrMapOvr>
+</p:sld>
+</file>
+
+<file path=ppt/slides/slide21.xml><?xml version="1.0" encoding="utf-8"?>
+<p:sld xmlns:a="http://schemas.openxmlformats.org/drawingml/2006/main" xmlns:r="http://schemas.openxmlformats.org/officeDocument/2006/relationships" xmlns:p="http://schemas.openxmlformats.org/presentationml/2006/main">
+  <p:cSld>
+    <p:spTree>
+      <p:nvGrpSpPr>
+        <p:cNvPr id="1" name=""/>
+        <p:cNvGrpSpPr/>
+        <p:nvPr/>
+      </p:nvGrpSpPr>
+      <p:grpSpPr>
+        <a:xfrm>
+          <a:off x="0" y="0"/>
+          <a:ext cx="0" cy="0"/>
+          <a:chOff x="0" y="0"/>
+          <a:chExt cx="0" cy="0"/>
+        </a:xfrm>
+      </p:grpSpPr>
+      <p:sp>
+        <p:nvSpPr>
+          <p:cNvPr id="2" name="标题 1"/>
+          <p:cNvSpPr>
+            <a:spLocks noGrp="1"/>
+          </p:cNvSpPr>
+          <p:nvPr>
+            <p:ph type="title"/>
+          </p:nvPr>
+        </p:nvSpPr>
+        <p:spPr/>
+        <p:txBody>
+          <a:bodyPr/>
+          <a:lstStyle/>
+          <a:p>
+            <a:r>
+              <a:rPr lang="en-US" altLang="zh-CN" smtClean="0"/>
+              <a:t>&lt;textare&gt;</a:t>
+            </a:r>
+            <a:r>
+              <a:rPr lang="zh-CN" altLang="en-US" smtClean="0"/>
+              <a:t>元素</a:t>
+            </a:r>
+            <a:endParaRPr lang="zh-CN" altLang="en-US"/>
+          </a:p>
+        </p:txBody>
+      </p:sp>
+      <p:sp>
+        <p:nvSpPr>
+          <p:cNvPr id="3" name="内容占位符 2"/>
+          <p:cNvSpPr>
+            <a:spLocks noGrp="1"/>
+          </p:cNvSpPr>
+          <p:nvPr>
+            <p:ph idx="1"/>
+          </p:nvPr>
+        </p:nvSpPr>
+        <p:spPr/>
+        <p:txBody>
+          <a:bodyPr/>
+          <a:lstStyle/>
+          <a:p>
+            <a:r>
+              <a:rPr lang="en-US" altLang="zh-CN" smtClean="0"/>
+              <a:t>&lt;textare&gt;</a:t>
+            </a:r>
+            <a:r>
+              <a:rPr lang="zh-CN" altLang="en-US" smtClean="0"/>
+              <a:t>元素生成的是多行文本框。</a:t>
+            </a:r>
+            <a:endParaRPr lang="en-US" altLang="zh-CN" smtClean="0"/>
+          </a:p>
+          <a:p>
+            <a:r>
+              <a:rPr lang="en-US" altLang="zh-CN" smtClean="0"/>
+              <a:t>&lt;textare name=“name”&gt;&lt;/textare&gt;</a:t>
+            </a:r>
+          </a:p>
+          <a:p>
+            <a:endParaRPr lang="en-US" altLang="zh-CN"/>
+          </a:p>
+          <a:p>
+            <a:r>
+              <a:rPr lang="en-US" altLang="zh-CN" smtClean="0"/>
+              <a:t>rows</a:t>
+            </a:r>
+            <a:r>
+              <a:rPr lang="zh-CN" altLang="en-US" smtClean="0"/>
+              <a:t>和</a:t>
+            </a:r>
+            <a:r>
+              <a:rPr lang="en-US" altLang="zh-CN" smtClean="0"/>
+              <a:t>cols</a:t>
+            </a:r>
+            <a:r>
+              <a:rPr lang="zh-CN" altLang="en-US" smtClean="0"/>
+              <a:t>属性表示行数与列数，用来设置大小。</a:t>
+            </a:r>
+            <a:endParaRPr lang="en-US" altLang="zh-CN" smtClean="0"/>
+          </a:p>
+          <a:p>
+            <a:r>
+              <a:rPr lang="en-US" altLang="zh-CN" smtClean="0"/>
+              <a:t>wrap</a:t>
+            </a:r>
+            <a:r>
+              <a:rPr lang="zh-CN" altLang="en-US" smtClean="0"/>
+              <a:t>属性设置换行的方式，值为</a:t>
+            </a:r>
+            <a:r>
+              <a:rPr lang="en-US" altLang="zh-CN" smtClean="0"/>
+              <a:t>hard</a:t>
+            </a:r>
+            <a:r>
+              <a:rPr lang="zh-CN" altLang="en-US" smtClean="0"/>
+              <a:t>和</a:t>
+            </a:r>
+            <a:r>
+              <a:rPr lang="en-US" altLang="zh-CN" smtClean="0"/>
+              <a:t>soft</a:t>
+            </a:r>
+            <a:r>
+              <a:rPr lang="zh-CN" altLang="en-US" smtClean="0"/>
+              <a:t>。</a:t>
+            </a:r>
+            <a:endParaRPr lang="zh-CN" altLang="en-US"/>
+          </a:p>
+        </p:txBody>
+      </p:sp>
+    </p:spTree>
+    <p:extLst>
+      <p:ext uri="{BB962C8B-B14F-4D97-AF65-F5344CB8AC3E}">
+        <p14:creationId xmlns:p14="http://schemas.microsoft.com/office/powerpoint/2010/main" val="4262621030"/>
+      </p:ext>
+    </p:extLst>
+  </p:cSld>
+  <p:clrMapOvr>
+    <a:masterClrMapping/>
+  </p:clrMapOvr>
+</p:sld>
+</file>
+
 <file path=ppt/slides/slide3.xml><?xml version="1.0" encoding="utf-8"?>
 <p:sld xmlns:a="http://schemas.openxmlformats.org/drawingml/2006/main" xmlns:r="http://schemas.openxmlformats.org/officeDocument/2006/relationships" xmlns:p="http://schemas.openxmlformats.org/presentationml/2006/main">
   <p:cSld>
@@ -4702,11 +5287,7 @@
             </a:r>
             <a:r>
               <a:rPr lang="zh-CN" altLang="en-US" smtClean="0"/>
-              <a:t>元素的局部</a:t>
-            </a:r>
-            <a:r>
-              <a:rPr lang="zh-CN" altLang="en-US" smtClean="0"/>
-              <a:t>属性：</a:t>
+              <a:t>元素的局部属性：</a:t>
             </a:r>
             <a:endParaRPr lang="en-US" altLang="zh-CN" smtClean="0"/>
           </a:p>
@@ -4725,11 +5306,7 @@
             </a:r>
             <a:r>
               <a:rPr lang="zh-CN" altLang="en-US" smtClean="0"/>
-              <a:t>：数据要提交到的</a:t>
-            </a:r>
-            <a:r>
-              <a:rPr lang="zh-CN" altLang="en-US" smtClean="0"/>
-              <a:t>地址</a:t>
+              <a:t>：数据要提交到的地址</a:t>
             </a:r>
             <a:endParaRPr lang="en-US" altLang="zh-CN"/>
           </a:p>
@@ -4744,11 +5321,7 @@
             </a:r>
             <a:r>
               <a:rPr lang="zh-CN" altLang="en-US" smtClean="0"/>
-              <a:t>：数据提交的</a:t>
-            </a:r>
-            <a:r>
-              <a:rPr lang="zh-CN" altLang="en-US" smtClean="0"/>
-              <a:t>方式</a:t>
+              <a:t>：数据提交的方式</a:t>
             </a:r>
             <a:endParaRPr lang="en-US" altLang="zh-CN" smtClean="0"/>
           </a:p>
@@ -5792,39 +6365,60 @@
             </a:r>
             <a:r>
               <a:rPr lang="zh-CN" altLang="en-US" smtClean="0"/>
-              <a:t>元素作为按钮使用</a:t>
+              <a:t>元素作为按钮</a:t>
+            </a:r>
+            <a:r>
+              <a:rPr lang="zh-CN" altLang="en-US" smtClean="0"/>
+              <a:t>使用</a:t>
             </a:r>
             <a:endParaRPr lang="en-US" altLang="zh-CN" smtClean="0"/>
           </a:p>
           <a:p>
+            <a:endParaRPr lang="en-US" altLang="zh-CN" smtClean="0"/>
+          </a:p>
+          <a:p>
+            <a:pPr marL="514350" indent="-514350">
+              <a:buFont typeface="+mj-lt"/>
+              <a:buAutoNum type="arabicPeriod"/>
+            </a:pPr>
             <a:r>
               <a:rPr lang="en-US" altLang="zh-CN" smtClean="0"/>
               <a:t>type=submit</a:t>
             </a:r>
             <a:r>
               <a:rPr lang="zh-CN" altLang="en-US" smtClean="0"/>
-              <a:t>：提交表单</a:t>
+              <a:t>：提交表</a:t>
+            </a:r>
+            <a:r>
+              <a:rPr lang="zh-CN" altLang="en-US" smtClean="0"/>
+              <a:t>单</a:t>
             </a:r>
             <a:endParaRPr lang="en-US" altLang="zh-CN" smtClean="0"/>
           </a:p>
           <a:p>
+            <a:pPr marL="514350" indent="-514350">
+              <a:buFont typeface="+mj-lt"/>
+              <a:buAutoNum type="arabicPeriod"/>
+            </a:pPr>
+            <a:r>
+              <a:rPr lang="en-US" altLang="zh-CN" smtClean="0"/>
+              <a:t>type=reset</a:t>
+            </a:r>
+            <a:r>
+              <a:rPr lang="zh-CN" altLang="en-US" smtClean="0"/>
+              <a:t>：重置表</a:t>
+            </a:r>
+            <a:r>
+              <a:rPr lang="zh-CN" altLang="en-US" smtClean="0"/>
+              <a:t>单</a:t>
+            </a:r>
             <a:endParaRPr lang="en-US" altLang="zh-CN" smtClean="0"/>
           </a:p>
           <a:p>
-            <a:r>
-              <a:rPr lang="en-US" altLang="zh-CN" smtClean="0"/>
-              <a:t>type=reset</a:t>
-            </a:r>
-            <a:r>
-              <a:rPr lang="zh-CN" altLang="en-US" smtClean="0"/>
-              <a:t>：重置表单</a:t>
-            </a:r>
-            <a:endParaRPr lang="en-US" altLang="zh-CN" smtClean="0"/>
-          </a:p>
-          <a:p>
-            <a:endParaRPr lang="en-US" altLang="zh-CN" smtClean="0"/>
-          </a:p>
-          <a:p>
+            <a:pPr marL="514350" indent="-514350">
+              <a:buFont typeface="+mj-lt"/>
+              <a:buAutoNum type="arabicPeriod"/>
+            </a:pPr>
             <a:r>
               <a:rPr lang="en-US" altLang="zh-CN" smtClean="0"/>
               <a:t>type=button</a:t>

--- a/网页设计与制作/课件/3/表单.pptx
+++ b/网页设计与制作/课件/3/表单.pptx
@@ -10,22 +10,23 @@
     <p:sldId id="257" r:id="rId4"/>
     <p:sldId id="258" r:id="rId5"/>
     <p:sldId id="259" r:id="rId6"/>
-    <p:sldId id="260" r:id="rId7"/>
-    <p:sldId id="261" r:id="rId8"/>
-    <p:sldId id="262" r:id="rId9"/>
-    <p:sldId id="263" r:id="rId10"/>
-    <p:sldId id="264" r:id="rId11"/>
-    <p:sldId id="265" r:id="rId12"/>
-    <p:sldId id="266" r:id="rId13"/>
-    <p:sldId id="267" r:id="rId14"/>
-    <p:sldId id="268" r:id="rId15"/>
-    <p:sldId id="269" r:id="rId16"/>
-    <p:sldId id="270" r:id="rId17"/>
-    <p:sldId id="274" r:id="rId18"/>
-    <p:sldId id="272" r:id="rId19"/>
-    <p:sldId id="273" r:id="rId20"/>
-    <p:sldId id="275" r:id="rId21"/>
-    <p:sldId id="276" r:id="rId22"/>
+    <p:sldId id="277" r:id="rId7"/>
+    <p:sldId id="260" r:id="rId8"/>
+    <p:sldId id="261" r:id="rId9"/>
+    <p:sldId id="262" r:id="rId10"/>
+    <p:sldId id="263" r:id="rId11"/>
+    <p:sldId id="264" r:id="rId12"/>
+    <p:sldId id="265" r:id="rId13"/>
+    <p:sldId id="266" r:id="rId14"/>
+    <p:sldId id="267" r:id="rId15"/>
+    <p:sldId id="268" r:id="rId16"/>
+    <p:sldId id="269" r:id="rId17"/>
+    <p:sldId id="270" r:id="rId18"/>
+    <p:sldId id="274" r:id="rId19"/>
+    <p:sldId id="272" r:id="rId20"/>
+    <p:sldId id="273" r:id="rId21"/>
+    <p:sldId id="275" r:id="rId22"/>
+    <p:sldId id="276" r:id="rId23"/>
   </p:sldIdLst>
   <p:sldSz cx="9144000" cy="6858000" type="screen4x3"/>
   <p:notesSz cx="6858000" cy="9144000"/>
@@ -308,7 +309,7 @@
           <a:p>
             <a:fld id="{530820CF-B880-4189-942D-D702A7CBA730}" type="datetimeFigureOut">
               <a:rPr lang="zh-CN" altLang="en-US" smtClean="0"/>
-              <a:t>2020/9/24</a:t>
+              <a:t>2020/9/27</a:t>
             </a:fld>
             <a:endParaRPr lang="zh-CN" altLang="en-US"/>
           </a:p>
@@ -473,7 +474,7 @@
           <a:p>
             <a:fld id="{530820CF-B880-4189-942D-D702A7CBA730}" type="datetimeFigureOut">
               <a:rPr lang="zh-CN" altLang="en-US" smtClean="0"/>
-              <a:t>2020/9/24</a:t>
+              <a:t>2020/9/27</a:t>
             </a:fld>
             <a:endParaRPr lang="zh-CN" altLang="en-US"/>
           </a:p>
@@ -648,7 +649,7 @@
           <a:p>
             <a:fld id="{530820CF-B880-4189-942D-D702A7CBA730}" type="datetimeFigureOut">
               <a:rPr lang="zh-CN" altLang="en-US" smtClean="0"/>
-              <a:t>2020/9/24</a:t>
+              <a:t>2020/9/27</a:t>
             </a:fld>
             <a:endParaRPr lang="zh-CN" altLang="en-US"/>
           </a:p>
@@ -813,7 +814,7 @@
           <a:p>
             <a:fld id="{530820CF-B880-4189-942D-D702A7CBA730}" type="datetimeFigureOut">
               <a:rPr lang="zh-CN" altLang="en-US" smtClean="0"/>
-              <a:t>2020/9/24</a:t>
+              <a:t>2020/9/27</a:t>
             </a:fld>
             <a:endParaRPr lang="zh-CN" altLang="en-US"/>
           </a:p>
@@ -1054,7 +1055,7 @@
           <a:p>
             <a:fld id="{530820CF-B880-4189-942D-D702A7CBA730}" type="datetimeFigureOut">
               <a:rPr lang="zh-CN" altLang="en-US" smtClean="0"/>
-              <a:t>2020/9/24</a:t>
+              <a:t>2020/9/27</a:t>
             </a:fld>
             <a:endParaRPr lang="zh-CN" altLang="en-US"/>
           </a:p>
@@ -1337,7 +1338,7 @@
           <a:p>
             <a:fld id="{530820CF-B880-4189-942D-D702A7CBA730}" type="datetimeFigureOut">
               <a:rPr lang="zh-CN" altLang="en-US" smtClean="0"/>
-              <a:t>2020/9/24</a:t>
+              <a:t>2020/9/27</a:t>
             </a:fld>
             <a:endParaRPr lang="zh-CN" altLang="en-US"/>
           </a:p>
@@ -1754,7 +1755,7 @@
           <a:p>
             <a:fld id="{530820CF-B880-4189-942D-D702A7CBA730}" type="datetimeFigureOut">
               <a:rPr lang="zh-CN" altLang="en-US" smtClean="0"/>
-              <a:t>2020/9/24</a:t>
+              <a:t>2020/9/27</a:t>
             </a:fld>
             <a:endParaRPr lang="zh-CN" altLang="en-US"/>
           </a:p>
@@ -1867,7 +1868,7 @@
           <a:p>
             <a:fld id="{530820CF-B880-4189-942D-D702A7CBA730}" type="datetimeFigureOut">
               <a:rPr lang="zh-CN" altLang="en-US" smtClean="0"/>
-              <a:t>2020/9/24</a:t>
+              <a:t>2020/9/27</a:t>
             </a:fld>
             <a:endParaRPr lang="zh-CN" altLang="en-US"/>
           </a:p>
@@ -1957,7 +1958,7 @@
           <a:p>
             <a:fld id="{530820CF-B880-4189-942D-D702A7CBA730}" type="datetimeFigureOut">
               <a:rPr lang="zh-CN" altLang="en-US" smtClean="0"/>
-              <a:t>2020/9/24</a:t>
+              <a:t>2020/9/27</a:t>
             </a:fld>
             <a:endParaRPr lang="zh-CN" altLang="en-US"/>
           </a:p>
@@ -2229,7 +2230,7 @@
           <a:p>
             <a:fld id="{530820CF-B880-4189-942D-D702A7CBA730}" type="datetimeFigureOut">
               <a:rPr lang="zh-CN" altLang="en-US" smtClean="0"/>
-              <a:t>2020/9/24</a:t>
+              <a:t>2020/9/27</a:t>
             </a:fld>
             <a:endParaRPr lang="zh-CN" altLang="en-US"/>
           </a:p>
@@ -2477,7 +2478,7 @@
           <a:p>
             <a:fld id="{530820CF-B880-4189-942D-D702A7CBA730}" type="datetimeFigureOut">
               <a:rPr lang="zh-CN" altLang="en-US" smtClean="0"/>
-              <a:t>2020/9/24</a:t>
+              <a:t>2020/9/27</a:t>
             </a:fld>
             <a:endParaRPr lang="zh-CN" altLang="en-US"/>
           </a:p>
@@ -2685,7 +2686,7 @@
           <a:p>
             <a:fld id="{530820CF-B880-4189-942D-D702A7CBA730}" type="datetimeFigureOut">
               <a:rPr lang="zh-CN" altLang="en-US" smtClean="0"/>
-              <a:t>2020/9/24</a:t>
+              <a:t>2020/9/27</a:t>
             </a:fld>
             <a:endParaRPr lang="zh-CN" altLang="en-US"/>
           </a:p>
@@ -3155,7 +3156,7 @@
           <a:p>
             <a:r>
               <a:rPr lang="zh-CN" altLang="en-US" smtClean="0"/>
-              <a:t>输入数值</a:t>
+              <a:t>作为按钮</a:t>
             </a:r>
             <a:endParaRPr lang="zh-CN" altLang="en-US"/>
           </a:p>
@@ -3178,93 +3179,76 @@
           <a:p>
             <a:r>
               <a:rPr lang="en-US" altLang="zh-CN" smtClean="0"/>
-              <a:t>type=number</a:t>
-            </a:r>
-            <a:r>
-              <a:rPr lang="zh-CN" altLang="en-US" smtClean="0"/>
-              <a:t>用于输入数值</a:t>
+              <a:t>type</a:t>
+            </a:r>
+            <a:r>
+              <a:rPr lang="zh-CN" altLang="en-US" smtClean="0"/>
+              <a:t>有三个值可以让</a:t>
+            </a:r>
+            <a:r>
+              <a:rPr lang="en-US" altLang="zh-CN" smtClean="0"/>
+              <a:t>&lt;input&gt;</a:t>
+            </a:r>
+            <a:r>
+              <a:rPr lang="zh-CN" altLang="en-US" smtClean="0"/>
+              <a:t>元素作为按钮使用</a:t>
             </a:r>
             <a:endParaRPr lang="en-US" altLang="zh-CN" smtClean="0"/>
           </a:p>
           <a:p>
-            <a:pPr marL="0" indent="0">
-              <a:buNone/>
+            <a:endParaRPr lang="en-US" altLang="zh-CN" smtClean="0"/>
+          </a:p>
+          <a:p>
+            <a:pPr marL="514350" indent="-514350">
+              <a:buFont typeface="+mj-lt"/>
+              <a:buAutoNum type="arabicPeriod"/>
             </a:pPr>
             <a:r>
-              <a:rPr lang="en-US" altLang="zh-CN"/>
-              <a:t>&lt;form&gt;</a:t>
-            </a:r>
-          </a:p>
-          <a:p>
-            <a:pPr marL="0" indent="0">
-              <a:buNone/>
+              <a:rPr lang="en-US" altLang="zh-CN" smtClean="0"/>
+              <a:t>type=submit</a:t>
+            </a:r>
+            <a:r>
+              <a:rPr lang="zh-CN" altLang="en-US" smtClean="0"/>
+              <a:t>：提交表单</a:t>
+            </a:r>
+            <a:endParaRPr lang="en-US" altLang="zh-CN" smtClean="0"/>
+          </a:p>
+          <a:p>
+            <a:pPr marL="514350" indent="-514350">
+              <a:buFont typeface="+mj-lt"/>
+              <a:buAutoNum type="arabicPeriod"/>
             </a:pPr>
             <a:r>
-              <a:rPr lang="en-US" altLang="zh-CN"/>
-              <a:t>	&lt;input type</a:t>
-            </a:r>
-            <a:r>
-              <a:rPr lang="en-US" altLang="zh-CN" smtClean="0"/>
-              <a:t>=“number” </a:t>
-            </a:r>
-            <a:r>
-              <a:rPr lang="en-US" altLang="zh-CN"/>
-              <a:t>name</a:t>
-            </a:r>
-            <a:r>
-              <a:rPr lang="en-US" altLang="zh-CN" smtClean="0"/>
-              <a:t>=“age”&gt;</a:t>
-            </a:r>
-            <a:endParaRPr lang="en-US" altLang="zh-CN"/>
-          </a:p>
-          <a:p>
-            <a:pPr marL="0" indent="0">
-              <a:buNone/>
+              <a:rPr lang="en-US" altLang="zh-CN" smtClean="0"/>
+              <a:t>type=reset</a:t>
+            </a:r>
+            <a:r>
+              <a:rPr lang="zh-CN" altLang="en-US" smtClean="0"/>
+              <a:t>：重置表单</a:t>
+            </a:r>
+            <a:endParaRPr lang="en-US" altLang="zh-CN" smtClean="0"/>
+          </a:p>
+          <a:p>
+            <a:pPr marL="514350" indent="-514350">
+              <a:buFont typeface="+mj-lt"/>
+              <a:buAutoNum type="arabicPeriod"/>
             </a:pPr>
             <a:r>
               <a:rPr lang="en-US" altLang="zh-CN" smtClean="0"/>
-              <a:t>&lt;/</a:t>
-            </a:r>
-            <a:r>
-              <a:rPr lang="en-US" altLang="zh-CN"/>
-              <a:t>form&gt;</a:t>
-            </a:r>
-          </a:p>
-          <a:p>
-            <a:r>
-              <a:rPr lang="zh-CN" altLang="en-US" smtClean="0"/>
-              <a:t>可搭配属性：</a:t>
-            </a:r>
-            <a:endParaRPr lang="en-US" altLang="zh-CN" smtClean="0"/>
-          </a:p>
-          <a:p>
-            <a:r>
-              <a:rPr lang="en-US" altLang="zh-CN" smtClean="0"/>
-              <a:t>max</a:t>
-            </a:r>
-            <a:r>
-              <a:rPr lang="zh-CN" altLang="en-US" smtClean="0"/>
-              <a:t>：可接受的最大值</a:t>
-            </a:r>
-            <a:endParaRPr lang="en-US" altLang="zh-CN" smtClean="0"/>
-          </a:p>
-          <a:p>
-            <a:r>
-              <a:rPr lang="en-US" altLang="zh-CN" smtClean="0"/>
-              <a:t>min</a:t>
-            </a:r>
-            <a:r>
-              <a:rPr lang="zh-CN" altLang="en-US" smtClean="0"/>
-              <a:t>：可搭配的最小值</a:t>
-            </a:r>
-            <a:endParaRPr lang="en-US" altLang="zh-CN" smtClean="0"/>
+              <a:t>type=button</a:t>
+            </a:r>
+            <a:r>
+              <a:rPr lang="zh-CN" altLang="en-US" smtClean="0"/>
+              <a:t>：没有任何操作的按钮</a:t>
+            </a:r>
+            <a:endParaRPr lang="zh-CN" altLang="en-US"/>
           </a:p>
         </p:txBody>
       </p:sp>
     </p:spTree>
     <p:extLst>
       <p:ext uri="{BB962C8B-B14F-4D97-AF65-F5344CB8AC3E}">
-        <p14:creationId xmlns:p14="http://schemas.microsoft.com/office/powerpoint/2010/main" val="1181036414"/>
+        <p14:creationId xmlns:p14="http://schemas.microsoft.com/office/powerpoint/2010/main" val="262226447"/>
       </p:ext>
     </p:extLst>
   </p:cSld>
@@ -3308,7 +3292,7 @@
           <a:p>
             <a:r>
               <a:rPr lang="zh-CN" altLang="en-US" smtClean="0"/>
-              <a:t>指定范围内的值</a:t>
+              <a:t>输入数值</a:t>
             </a:r>
             <a:endParaRPr lang="zh-CN" altLang="en-US"/>
           </a:p>
@@ -3331,11 +3315,11 @@
           <a:p>
             <a:r>
               <a:rPr lang="en-US" altLang="zh-CN" smtClean="0"/>
-              <a:t>type=range</a:t>
-            </a:r>
-            <a:r>
-              <a:rPr lang="zh-CN" altLang="en-US" smtClean="0"/>
-              <a:t>用户只能从规定的范围选择</a:t>
+              <a:t>type=number</a:t>
+            </a:r>
+            <a:r>
+              <a:rPr lang="zh-CN" altLang="en-US" smtClean="0"/>
+              <a:t>用于输入数值</a:t>
             </a:r>
             <a:endParaRPr lang="en-US" altLang="zh-CN" smtClean="0"/>
           </a:p>
@@ -3358,7 +3342,7 @@
             </a:r>
             <a:r>
               <a:rPr lang="en-US" altLang="zh-CN" smtClean="0"/>
-              <a:t>=“range” </a:t>
+              <a:t>=“number” </a:t>
             </a:r>
             <a:r>
               <a:rPr lang="en-US" altLang="zh-CN"/>
@@ -3366,7 +3350,7 @@
             </a:r>
             <a:r>
               <a:rPr lang="en-US" altLang="zh-CN" smtClean="0"/>
-              <a:t>=“price” 			min=“0” max=“100”&gt;</a:t>
+              <a:t>=“age”&gt;</a:t>
             </a:r>
             <a:endParaRPr lang="en-US" altLang="zh-CN"/>
           </a:p>
@@ -3375,44 +3359,49 @@
               <a:buNone/>
             </a:pPr>
             <a:r>
-              <a:rPr lang="en-US" altLang="zh-CN"/>
-              <a:t>&lt;/form</a:t>
-            </a:r>
-            <a:r>
-              <a:rPr lang="en-US" altLang="zh-CN" smtClean="0"/>
-              <a:t>&gt;</a:t>
-            </a:r>
-            <a:endParaRPr lang="en-US" altLang="zh-CN"/>
-          </a:p>
-          <a:p>
-            <a:r>
-              <a:rPr lang="zh-CN" altLang="en-US" smtClean="0"/>
-              <a:t>一般会使用</a:t>
-            </a:r>
+              <a:rPr lang="en-US" altLang="zh-CN" smtClean="0"/>
+              <a:t>&lt;/</a:t>
+            </a:r>
+            <a:r>
+              <a:rPr lang="en-US" altLang="zh-CN"/>
+              <a:t>form&gt;</a:t>
+            </a:r>
+          </a:p>
+          <a:p>
+            <a:r>
+              <a:rPr lang="zh-CN" altLang="en-US" smtClean="0"/>
+              <a:t>可搭配属性：</a:t>
+            </a:r>
+            <a:endParaRPr lang="en-US" altLang="zh-CN" smtClean="0"/>
+          </a:p>
+          <a:p>
+            <a:r>
+              <a:rPr lang="en-US" altLang="zh-CN" smtClean="0"/>
+              <a:t>max</a:t>
+            </a:r>
+            <a:r>
+              <a:rPr lang="zh-CN" altLang="en-US" smtClean="0"/>
+              <a:t>：可接受的最大值</a:t>
+            </a:r>
+            <a:endParaRPr lang="en-US" altLang="zh-CN" smtClean="0"/>
+          </a:p>
+          <a:p>
             <a:r>
               <a:rPr lang="en-US" altLang="zh-CN" smtClean="0"/>
               <a:t>min</a:t>
             </a:r>
             <a:r>
               <a:rPr lang="zh-CN" altLang="en-US" smtClean="0"/>
-              <a:t>和</a:t>
-            </a:r>
-            <a:r>
-              <a:rPr lang="en-US" altLang="zh-CN" smtClean="0"/>
-              <a:t>max</a:t>
-            </a:r>
-            <a:r>
-              <a:rPr lang="zh-CN" altLang="en-US" smtClean="0"/>
-              <a:t>属性指定范围。</a:t>
-            </a:r>
-            <a:endParaRPr lang="zh-CN" altLang="en-US"/>
+              <a:t>：可搭配的最小值</a:t>
+            </a:r>
+            <a:endParaRPr lang="en-US" altLang="zh-CN" smtClean="0"/>
           </a:p>
         </p:txBody>
       </p:sp>
     </p:spTree>
     <p:extLst>
       <p:ext uri="{BB962C8B-B14F-4D97-AF65-F5344CB8AC3E}">
-        <p14:creationId xmlns:p14="http://schemas.microsoft.com/office/powerpoint/2010/main" val="67337798"/>
+        <p14:creationId xmlns:p14="http://schemas.microsoft.com/office/powerpoint/2010/main" val="1181036414"/>
       </p:ext>
     </p:extLst>
   </p:cSld>
@@ -3456,7 +3445,7 @@
           <a:p>
             <a:r>
               <a:rPr lang="zh-CN" altLang="en-US" smtClean="0"/>
-              <a:t>邮箱</a:t>
+              <a:t>指定范围内的值</a:t>
             </a:r>
             <a:endParaRPr lang="zh-CN" altLang="en-US"/>
           </a:p>
@@ -3479,11 +3468,11 @@
           <a:p>
             <a:r>
               <a:rPr lang="en-US" altLang="zh-CN" smtClean="0"/>
-              <a:t>type=email</a:t>
-            </a:r>
-            <a:r>
-              <a:rPr lang="zh-CN" altLang="en-US" smtClean="0"/>
-              <a:t>输入邮箱</a:t>
+              <a:t>type=range</a:t>
+            </a:r>
+            <a:r>
+              <a:rPr lang="zh-CN" altLang="en-US" smtClean="0"/>
+              <a:t>用户只能从规定的范围选择</a:t>
             </a:r>
             <a:endParaRPr lang="en-US" altLang="zh-CN" smtClean="0"/>
           </a:p>
@@ -3506,7 +3495,7 @@
             </a:r>
             <a:r>
               <a:rPr lang="en-US" altLang="zh-CN" smtClean="0"/>
-              <a:t>=“email” </a:t>
+              <a:t>=“range” </a:t>
             </a:r>
             <a:r>
               <a:rPr lang="en-US" altLang="zh-CN"/>
@@ -3514,15 +3503,7 @@
             </a:r>
             <a:r>
               <a:rPr lang="en-US" altLang="zh-CN" smtClean="0"/>
-              <a:t>=“</a:t>
-            </a:r>
-            <a:r>
-              <a:rPr lang="en-US" altLang="zh-CN"/>
-              <a:t>email</a:t>
-            </a:r>
-            <a:r>
-              <a:rPr lang="en-US" altLang="zh-CN" smtClean="0"/>
-              <a:t>” &gt;</a:t>
+              <a:t>=“price” 			min=“0” max=“100”&gt;</a:t>
             </a:r>
             <a:endParaRPr lang="en-US" altLang="zh-CN"/>
           </a:p>
@@ -3532,13 +3513,35 @@
             </a:pPr>
             <a:r>
               <a:rPr lang="en-US" altLang="zh-CN"/>
-              <a:t>&lt;/form&gt;</a:t>
-            </a:r>
-          </a:p>
-          <a:p>
-            <a:endParaRPr lang="en-US" altLang="zh-CN" smtClean="0"/>
-          </a:p>
-          <a:p>
+              <a:t>&lt;/form</a:t>
+            </a:r>
+            <a:r>
+              <a:rPr lang="en-US" altLang="zh-CN" smtClean="0"/>
+              <a:t>&gt;</a:t>
+            </a:r>
+            <a:endParaRPr lang="en-US" altLang="zh-CN"/>
+          </a:p>
+          <a:p>
+            <a:r>
+              <a:rPr lang="zh-CN" altLang="en-US" smtClean="0"/>
+              <a:t>一般会使用</a:t>
+            </a:r>
+            <a:r>
+              <a:rPr lang="en-US" altLang="zh-CN" smtClean="0"/>
+              <a:t>min</a:t>
+            </a:r>
+            <a:r>
+              <a:rPr lang="zh-CN" altLang="en-US" smtClean="0"/>
+              <a:t>和</a:t>
+            </a:r>
+            <a:r>
+              <a:rPr lang="en-US" altLang="zh-CN" smtClean="0"/>
+              <a:t>max</a:t>
+            </a:r>
+            <a:r>
+              <a:rPr lang="zh-CN" altLang="en-US" smtClean="0"/>
+              <a:t>属性指定范围。</a:t>
+            </a:r>
             <a:endParaRPr lang="zh-CN" altLang="en-US"/>
           </a:p>
         </p:txBody>
@@ -3546,7 +3549,7 @@
     </p:spTree>
     <p:extLst>
       <p:ext uri="{BB962C8B-B14F-4D97-AF65-F5344CB8AC3E}">
-        <p14:creationId xmlns:p14="http://schemas.microsoft.com/office/powerpoint/2010/main" val="3771639672"/>
+        <p14:creationId xmlns:p14="http://schemas.microsoft.com/office/powerpoint/2010/main" val="67337798"/>
       </p:ext>
     </p:extLst>
   </p:cSld>
@@ -3589,9 +3592,10 @@
           <a:lstStyle/>
           <a:p>
             <a:r>
-              <a:rPr lang="zh-CN" altLang="en-US"/>
-              <a:t>日期</a:t>
-            </a:r>
+              <a:rPr lang="zh-CN" altLang="en-US" smtClean="0"/>
+              <a:t>邮箱</a:t>
+            </a:r>
+            <a:endParaRPr lang="zh-CN" altLang="en-US"/>
           </a:p>
         </p:txBody>
       </p:sp>
@@ -3612,14 +3616,13 @@
           <a:p>
             <a:r>
               <a:rPr lang="en-US" altLang="zh-CN" smtClean="0"/>
-              <a:t>type=date</a:t>
-            </a:r>
-          </a:p>
-          <a:p>
-            <a:r>
-              <a:rPr lang="en-US" altLang="zh-CN" smtClean="0"/>
-              <a:t>type=time</a:t>
-            </a:r>
+              <a:t>type=email</a:t>
+            </a:r>
+            <a:r>
+              <a:rPr lang="zh-CN" altLang="en-US" smtClean="0"/>
+              <a:t>输入邮箱</a:t>
+            </a:r>
+            <a:endParaRPr lang="en-US" altLang="zh-CN" smtClean="0"/>
           </a:p>
           <a:p>
             <a:pPr marL="0" indent="0">
@@ -3640,7 +3643,7 @@
             </a:r>
             <a:r>
               <a:rPr lang="en-US" altLang="zh-CN" smtClean="0"/>
-              <a:t>=“date” </a:t>
+              <a:t>=“email” </a:t>
             </a:r>
             <a:r>
               <a:rPr lang="en-US" altLang="zh-CN"/>
@@ -3648,61 +3651,39 @@
             </a:r>
             <a:r>
               <a:rPr lang="en-US" altLang="zh-CN" smtClean="0"/>
-              <a:t>=“date” &gt;</a:t>
-            </a:r>
+              <a:t>=“</a:t>
+            </a:r>
+            <a:r>
+              <a:rPr lang="en-US" altLang="zh-CN"/>
+              <a:t>email</a:t>
+            </a:r>
+            <a:r>
+              <a:rPr lang="en-US" altLang="zh-CN" smtClean="0"/>
+              <a:t>” &gt;</a:t>
+            </a:r>
+            <a:endParaRPr lang="en-US" altLang="zh-CN"/>
           </a:p>
           <a:p>
             <a:pPr marL="0" indent="0">
               <a:buNone/>
             </a:pPr>
             <a:r>
-              <a:rPr lang="en-US" altLang="zh-CN" smtClean="0"/>
-              <a:t>	&lt;</a:t>
-            </a:r>
-            <a:r>
-              <a:rPr lang="en-US" altLang="zh-CN"/>
-              <a:t>input type</a:t>
-            </a:r>
-            <a:r>
-              <a:rPr lang="en-US" altLang="zh-CN" smtClean="0"/>
-              <a:t>=“</a:t>
-            </a:r>
-            <a:r>
-              <a:rPr lang="en-US" altLang="zh-CN"/>
-              <a:t>time</a:t>
-            </a:r>
-            <a:r>
-              <a:rPr lang="en-US" altLang="zh-CN" smtClean="0"/>
-              <a:t>” </a:t>
-            </a:r>
-            <a:r>
-              <a:rPr lang="en-US" altLang="zh-CN"/>
-              <a:t>name</a:t>
-            </a:r>
-            <a:r>
-              <a:rPr lang="en-US" altLang="zh-CN" smtClean="0"/>
-              <a:t>=“time” &gt;</a:t>
-            </a:r>
-            <a:endParaRPr lang="en-US" altLang="zh-CN"/>
-          </a:p>
-          <a:p>
-            <a:pPr marL="0" indent="0">
-              <a:buNone/>
-            </a:pPr>
-            <a:r>
               <a:rPr lang="en-US" altLang="zh-CN"/>
               <a:t>&lt;/form&gt;</a:t>
             </a:r>
           </a:p>
           <a:p>
-            <a:endParaRPr lang="en-US" altLang="zh-CN"/>
+            <a:endParaRPr lang="en-US" altLang="zh-CN" smtClean="0"/>
+          </a:p>
+          <a:p>
+            <a:endParaRPr lang="zh-CN" altLang="en-US"/>
           </a:p>
         </p:txBody>
       </p:sp>
     </p:spTree>
     <p:extLst>
       <p:ext uri="{BB962C8B-B14F-4D97-AF65-F5344CB8AC3E}">
-        <p14:creationId xmlns:p14="http://schemas.microsoft.com/office/powerpoint/2010/main" val="2966747453"/>
+        <p14:creationId xmlns:p14="http://schemas.microsoft.com/office/powerpoint/2010/main" val="3771639672"/>
       </p:ext>
     </p:extLst>
   </p:cSld>
@@ -3746,7 +3727,7 @@
           <a:p>
             <a:r>
               <a:rPr lang="zh-CN" altLang="en-US"/>
-              <a:t>颜色</a:t>
+              <a:t>日期</a:t>
             </a:r>
           </a:p>
         </p:txBody>
@@ -3768,13 +3749,14 @@
           <a:p>
             <a:r>
               <a:rPr lang="en-US" altLang="zh-CN" smtClean="0"/>
-              <a:t>type=color</a:t>
-            </a:r>
-            <a:r>
-              <a:rPr lang="zh-CN" altLang="en-US" smtClean="0"/>
-              <a:t>颜色</a:t>
-            </a:r>
-            <a:endParaRPr lang="en-US" altLang="zh-CN" smtClean="0"/>
+              <a:t>type=date</a:t>
+            </a:r>
+          </a:p>
+          <a:p>
+            <a:r>
+              <a:rPr lang="en-US" altLang="zh-CN" smtClean="0"/>
+              <a:t>type=time</a:t>
+            </a:r>
           </a:p>
           <a:p>
             <a:pPr marL="0" indent="0">
@@ -3795,11 +3777,36 @@
             </a:r>
             <a:r>
               <a:rPr lang="en-US" altLang="zh-CN" smtClean="0"/>
+              <a:t>=“date” </a:t>
+            </a:r>
+            <a:r>
+              <a:rPr lang="en-US" altLang="zh-CN"/>
+              <a:t>name</a:t>
+            </a:r>
+            <a:r>
+              <a:rPr lang="en-US" altLang="zh-CN" smtClean="0"/>
+              <a:t>=“date” &gt;</a:t>
+            </a:r>
+          </a:p>
+          <a:p>
+            <a:pPr marL="0" indent="0">
+              <a:buNone/>
+            </a:pPr>
+            <a:r>
+              <a:rPr lang="en-US" altLang="zh-CN" smtClean="0"/>
+              <a:t>	&lt;</a:t>
+            </a:r>
+            <a:r>
+              <a:rPr lang="en-US" altLang="zh-CN"/>
+              <a:t>input type</a:t>
+            </a:r>
+            <a:r>
+              <a:rPr lang="en-US" altLang="zh-CN" smtClean="0"/>
               <a:t>=“</a:t>
             </a:r>
             <a:r>
               <a:rPr lang="en-US" altLang="zh-CN"/>
-              <a:t>color</a:t>
+              <a:t>time</a:t>
             </a:r>
             <a:r>
               <a:rPr lang="en-US" altLang="zh-CN" smtClean="0"/>
@@ -3811,35 +3818,28 @@
             </a:r>
             <a:r>
               <a:rPr lang="en-US" altLang="zh-CN" smtClean="0"/>
-              <a:t>=“color” </a:t>
-            </a:r>
-            <a:r>
-              <a:rPr lang="en-US" altLang="zh-CN"/>
-              <a:t>&gt;</a:t>
-            </a:r>
+              <a:t>=“time” &gt;</a:t>
+            </a:r>
+            <a:endParaRPr lang="en-US" altLang="zh-CN"/>
           </a:p>
           <a:p>
             <a:pPr marL="0" indent="0">
               <a:buNone/>
             </a:pPr>
             <a:r>
-              <a:rPr lang="en-US" altLang="zh-CN" smtClean="0"/>
-              <a:t>&lt;/</a:t>
-            </a:r>
-            <a:r>
-              <a:rPr lang="en-US" altLang="zh-CN"/>
-              <a:t>form&gt;</a:t>
-            </a:r>
-          </a:p>
-          <a:p>
-            <a:endParaRPr lang="zh-CN" altLang="en-US"/>
+              <a:rPr lang="en-US" altLang="zh-CN"/>
+              <a:t>&lt;/form&gt;</a:t>
+            </a:r>
+          </a:p>
+          <a:p>
+            <a:endParaRPr lang="en-US" altLang="zh-CN"/>
           </a:p>
         </p:txBody>
       </p:sp>
     </p:spTree>
     <p:extLst>
       <p:ext uri="{BB962C8B-B14F-4D97-AF65-F5344CB8AC3E}">
-        <p14:creationId xmlns:p14="http://schemas.microsoft.com/office/powerpoint/2010/main" val="291675837"/>
+        <p14:creationId xmlns:p14="http://schemas.microsoft.com/office/powerpoint/2010/main" val="2966747453"/>
       </p:ext>
     </p:extLst>
   </p:cSld>
@@ -3882,10 +3882,9 @@
           <a:lstStyle/>
           <a:p>
             <a:r>
-              <a:rPr lang="zh-CN" altLang="en-US" smtClean="0"/>
-              <a:t>以图片为按钮</a:t>
-            </a:r>
-            <a:endParaRPr lang="zh-CN" altLang="en-US"/>
+              <a:rPr lang="zh-CN" altLang="en-US"/>
+              <a:t>颜色</a:t>
+            </a:r>
           </a:p>
         </p:txBody>
       </p:sp>
@@ -3906,11 +3905,11 @@
           <a:p>
             <a:r>
               <a:rPr lang="en-US" altLang="zh-CN" smtClean="0"/>
-              <a:t>type=image</a:t>
-            </a:r>
-            <a:r>
-              <a:rPr lang="zh-CN" altLang="en-US" smtClean="0"/>
-              <a:t>用图片作为按钮</a:t>
+              <a:t>type=color</a:t>
+            </a:r>
+            <a:r>
+              <a:rPr lang="zh-CN" altLang="en-US" smtClean="0"/>
+              <a:t>颜色</a:t>
             </a:r>
             <a:endParaRPr lang="en-US" altLang="zh-CN" smtClean="0"/>
           </a:p>
@@ -3933,7 +3932,27 @@
             </a:r>
             <a:r>
               <a:rPr lang="en-US" altLang="zh-CN" smtClean="0"/>
-              <a:t>=“image” src=“./xxx.jpg”</a:t>
+              <a:t>=“</a:t>
+            </a:r>
+            <a:r>
+              <a:rPr lang="en-US" altLang="zh-CN"/>
+              <a:t>color</a:t>
+            </a:r>
+            <a:r>
+              <a:rPr lang="en-US" altLang="zh-CN" smtClean="0"/>
+              <a:t>” </a:t>
+            </a:r>
+            <a:r>
+              <a:rPr lang="en-US" altLang="zh-CN"/>
+              <a:t>name</a:t>
+            </a:r>
+            <a:r>
+              <a:rPr lang="en-US" altLang="zh-CN" smtClean="0"/>
+              <a:t>=“color” </a:t>
+            </a:r>
+            <a:r>
+              <a:rPr lang="en-US" altLang="zh-CN"/>
+              <a:t>&gt;</a:t>
             </a:r>
           </a:p>
           <a:p>
@@ -3941,52 +3960,15 @@
               <a:buNone/>
             </a:pPr>
             <a:r>
-              <a:rPr lang="en-US" altLang="zh-CN"/>
-              <a:t>	</a:t>
-            </a:r>
-            <a:r>
-              <a:rPr lang="en-US" altLang="zh-CN" smtClean="0"/>
-              <a:t>	width=“20px” height=“20px”&gt;</a:t>
-            </a:r>
-            <a:endParaRPr lang="en-US" altLang="zh-CN"/>
-          </a:p>
-          <a:p>
-            <a:pPr marL="0" indent="0">
-              <a:buNone/>
-            </a:pPr>
-            <a:r>
-              <a:rPr lang="en-US" altLang="zh-CN"/>
-              <a:t>&lt;/form&gt;</a:t>
-            </a:r>
-          </a:p>
-          <a:p>
-            <a:r>
-              <a:rPr lang="en-US" altLang="zh-CN" smtClean="0"/>
-              <a:t>src</a:t>
-            </a:r>
-            <a:r>
-              <a:rPr lang="zh-CN" altLang="en-US" smtClean="0"/>
-              <a:t>属性指定图片</a:t>
-            </a:r>
-            <a:endParaRPr lang="en-US" altLang="zh-CN" smtClean="0"/>
-          </a:p>
-          <a:p>
-            <a:r>
-              <a:rPr lang="en-US" altLang="zh-CN" smtClean="0"/>
-              <a:t>width</a:t>
-            </a:r>
-            <a:r>
-              <a:rPr lang="zh-CN" altLang="en-US" smtClean="0"/>
-              <a:t>与</a:t>
-            </a:r>
-            <a:r>
-              <a:rPr lang="en-US" altLang="zh-CN" smtClean="0"/>
-              <a:t>height</a:t>
-            </a:r>
-            <a:r>
-              <a:rPr lang="zh-CN" altLang="en-US" smtClean="0"/>
-              <a:t>设置图片大小</a:t>
-            </a:r>
+              <a:rPr lang="en-US" altLang="zh-CN" smtClean="0"/>
+              <a:t>&lt;/</a:t>
+            </a:r>
+            <a:r>
+              <a:rPr lang="en-US" altLang="zh-CN"/>
+              <a:t>form&gt;</a:t>
+            </a:r>
+          </a:p>
+          <a:p>
             <a:endParaRPr lang="zh-CN" altLang="en-US"/>
           </a:p>
         </p:txBody>
@@ -3994,7 +3976,7 @@
     </p:spTree>
     <p:extLst>
       <p:ext uri="{BB962C8B-B14F-4D97-AF65-F5344CB8AC3E}">
-        <p14:creationId xmlns:p14="http://schemas.microsoft.com/office/powerpoint/2010/main" val="2404320698"/>
+        <p14:creationId xmlns:p14="http://schemas.microsoft.com/office/powerpoint/2010/main" val="291675837"/>
       </p:ext>
     </p:extLst>
   </p:cSld>
@@ -4037,12 +4019,8 @@
           <a:lstStyle/>
           <a:p>
             <a:r>
-              <a:rPr lang="zh-CN" altLang="en-US"/>
-              <a:t>上</a:t>
-            </a:r>
-            <a:r>
-              <a:rPr lang="zh-CN" altLang="en-US" smtClean="0"/>
-              <a:t>传文件</a:t>
+              <a:rPr lang="zh-CN" altLang="en-US" smtClean="0"/>
+              <a:t>以图片为按钮</a:t>
             </a:r>
             <a:endParaRPr lang="zh-CN" altLang="en-US"/>
           </a:p>
@@ -4065,15 +4043,11 @@
           <a:p>
             <a:r>
               <a:rPr lang="en-US" altLang="zh-CN" smtClean="0"/>
-              <a:t>type=file</a:t>
-            </a:r>
-            <a:r>
-              <a:rPr lang="zh-CN" altLang="en-US"/>
-              <a:t>上</a:t>
-            </a:r>
-            <a:r>
-              <a:rPr lang="zh-CN" altLang="en-US" smtClean="0"/>
-              <a:t>传文件</a:t>
+              <a:t>type=image</a:t>
+            </a:r>
+            <a:r>
+              <a:rPr lang="zh-CN" altLang="en-US" smtClean="0"/>
+              <a:t>用图片作为按钮</a:t>
             </a:r>
             <a:endParaRPr lang="en-US" altLang="zh-CN" smtClean="0"/>
           </a:p>
@@ -4083,11 +4057,33 @@
             </a:pPr>
             <a:r>
               <a:rPr lang="en-US" altLang="zh-CN"/>
-              <a:t>&lt;</a:t>
-            </a:r>
-            <a:r>
-              <a:rPr lang="en-US" altLang="zh-CN" smtClean="0"/>
-              <a:t>form enctype=“multipart/form-data”&gt;</a:t>
+              <a:t>&lt;form&gt;</a:t>
+            </a:r>
+          </a:p>
+          <a:p>
+            <a:pPr marL="0" indent="0">
+              <a:buNone/>
+            </a:pPr>
+            <a:r>
+              <a:rPr lang="en-US" altLang="zh-CN"/>
+              <a:t>	&lt;input type</a:t>
+            </a:r>
+            <a:r>
+              <a:rPr lang="en-US" altLang="zh-CN" smtClean="0"/>
+              <a:t>=“image” src=“./xxx.jpg”</a:t>
+            </a:r>
+          </a:p>
+          <a:p>
+            <a:pPr marL="0" indent="0">
+              <a:buNone/>
+            </a:pPr>
+            <a:r>
+              <a:rPr lang="en-US" altLang="zh-CN"/>
+              <a:t>	</a:t>
+            </a:r>
+            <a:r>
+              <a:rPr lang="en-US" altLang="zh-CN" smtClean="0"/>
+              <a:t>	width=“20px” height=“20px”&gt;</a:t>
             </a:r>
             <a:endParaRPr lang="en-US" altLang="zh-CN"/>
           </a:p>
@@ -4097,84 +4093,37 @@
             </a:pPr>
             <a:r>
               <a:rPr lang="en-US" altLang="zh-CN"/>
-              <a:t>	&lt;input type</a:t>
-            </a:r>
-            <a:r>
-              <a:rPr lang="en-US" altLang="zh-CN" smtClean="0"/>
-              <a:t>=“</a:t>
-            </a:r>
-            <a:r>
-              <a:rPr lang="en-US" altLang="zh-CN"/>
-              <a:t>file</a:t>
-            </a:r>
-            <a:r>
-              <a:rPr lang="en-US" altLang="zh-CN" smtClean="0"/>
-              <a:t>”&gt;</a:t>
-            </a:r>
-          </a:p>
-          <a:p>
-            <a:pPr marL="0" indent="0">
-              <a:buNone/>
-            </a:pPr>
-            <a:r>
-              <a:rPr lang="en-US" altLang="zh-CN" smtClean="0"/>
-              <a:t> &lt;/</a:t>
-            </a:r>
-            <a:r>
-              <a:rPr lang="en-US" altLang="zh-CN"/>
-              <a:t>form</a:t>
-            </a:r>
-            <a:r>
-              <a:rPr lang="en-US" altLang="zh-CN" smtClean="0"/>
-              <a:t>&gt;</a:t>
-            </a:r>
-          </a:p>
-          <a:p>
-            <a:pPr marL="0" indent="0">
-              <a:buNone/>
-            </a:pPr>
-            <a:r>
-              <a:rPr lang="zh-CN" altLang="en-US" smtClean="0"/>
-              <a:t>使用</a:t>
-            </a:r>
-            <a:r>
-              <a:rPr lang="en-US" altLang="zh-CN" smtClean="0"/>
-              <a:t>type=file</a:t>
-            </a:r>
-            <a:r>
-              <a:rPr lang="zh-CN" altLang="en-US" smtClean="0"/>
-              <a:t>时，一定要注意，</a:t>
-            </a:r>
-            <a:r>
-              <a:rPr lang="en-US" altLang="zh-CN" smtClean="0"/>
-              <a:t>&lt;form&gt;</a:t>
-            </a:r>
-            <a:r>
-              <a:rPr lang="zh-CN" altLang="en-US" smtClean="0"/>
-              <a:t>元素的</a:t>
-            </a:r>
-            <a:r>
-              <a:rPr lang="en-US" altLang="zh-CN" smtClean="0"/>
-              <a:t>enctype</a:t>
-            </a:r>
-            <a:r>
-              <a:rPr lang="zh-CN" altLang="en-US" smtClean="0"/>
-              <a:t>要设置为</a:t>
-            </a:r>
-            <a:r>
-              <a:rPr lang="en-US" altLang="zh-CN" smtClean="0"/>
-              <a:t>multipart/form-data</a:t>
-            </a:r>
-            <a:r>
-              <a:rPr lang="zh-CN" altLang="en-US" smtClean="0"/>
-              <a:t>。</a:t>
-            </a:r>
-            <a:endParaRPr lang="en-US" altLang="zh-CN"/>
-          </a:p>
-          <a:p>
+              <a:t>&lt;/form&gt;</a:t>
+            </a:r>
+          </a:p>
+          <a:p>
+            <a:r>
+              <a:rPr lang="en-US" altLang="zh-CN" smtClean="0"/>
+              <a:t>src</a:t>
+            </a:r>
+            <a:r>
+              <a:rPr lang="zh-CN" altLang="en-US" smtClean="0"/>
+              <a:t>属性指定图片</a:t>
+            </a:r>
             <a:endParaRPr lang="en-US" altLang="zh-CN" smtClean="0"/>
           </a:p>
           <a:p>
+            <a:r>
+              <a:rPr lang="en-US" altLang="zh-CN" smtClean="0"/>
+              <a:t>width</a:t>
+            </a:r>
+            <a:r>
+              <a:rPr lang="zh-CN" altLang="en-US" smtClean="0"/>
+              <a:t>与</a:t>
+            </a:r>
+            <a:r>
+              <a:rPr lang="en-US" altLang="zh-CN" smtClean="0"/>
+              <a:t>height</a:t>
+            </a:r>
+            <a:r>
+              <a:rPr lang="zh-CN" altLang="en-US" smtClean="0"/>
+              <a:t>设置图片大小</a:t>
+            </a:r>
             <a:endParaRPr lang="zh-CN" altLang="en-US"/>
           </a:p>
         </p:txBody>
@@ -4182,7 +4131,7 @@
     </p:spTree>
     <p:extLst>
       <p:ext uri="{BB962C8B-B14F-4D97-AF65-F5344CB8AC3E}">
-        <p14:creationId xmlns:p14="http://schemas.microsoft.com/office/powerpoint/2010/main" val="2940306357"/>
+        <p14:creationId xmlns:p14="http://schemas.microsoft.com/office/powerpoint/2010/main" val="2404320698"/>
       </p:ext>
     </p:extLst>
   </p:cSld>
@@ -4225,8 +4174,12 @@
           <a:lstStyle/>
           <a:p>
             <a:r>
-              <a:rPr lang="zh-CN" altLang="en-US" smtClean="0"/>
-              <a:t>其他属性</a:t>
+              <a:rPr lang="zh-CN" altLang="en-US"/>
+              <a:t>上</a:t>
+            </a:r>
+            <a:r>
+              <a:rPr lang="zh-CN" altLang="en-US" smtClean="0"/>
+              <a:t>传文件</a:t>
             </a:r>
             <a:endParaRPr lang="zh-CN" altLang="en-US"/>
           </a:p>
@@ -4249,23 +4202,116 @@
           <a:p>
             <a:r>
               <a:rPr lang="en-US" altLang="zh-CN" smtClean="0"/>
-              <a:t>required</a:t>
-            </a:r>
-            <a:r>
-              <a:rPr lang="zh-CN" altLang="en-US" smtClean="0"/>
-              <a:t>：用户必须提供一个值，否则无法通过输入验证。</a:t>
+              <a:t>type=file</a:t>
+            </a:r>
+            <a:r>
+              <a:rPr lang="zh-CN" altLang="en-US"/>
+              <a:t>上</a:t>
+            </a:r>
+            <a:r>
+              <a:rPr lang="zh-CN" altLang="en-US" smtClean="0"/>
+              <a:t>传文件</a:t>
             </a:r>
             <a:endParaRPr lang="en-US" altLang="zh-CN" smtClean="0"/>
           </a:p>
           <a:p>
-            <a:r>
-              <a:rPr lang="en-US" altLang="zh-CN" smtClean="0"/>
-              <a:t>size</a:t>
-            </a:r>
-            <a:r>
-              <a:rPr lang="zh-CN" altLang="en-US" smtClean="0"/>
-              <a:t>：通过指定文本框可见的字符数目设定其宽度。</a:t>
-            </a:r>
+            <a:pPr marL="0" indent="0">
+              <a:buNone/>
+            </a:pPr>
+            <a:r>
+              <a:rPr lang="en-US" altLang="zh-CN"/>
+              <a:t>&lt;</a:t>
+            </a:r>
+            <a:r>
+              <a:rPr lang="en-US" altLang="zh-CN" smtClean="0"/>
+              <a:t>form enctype=“multipart/form-data”&gt;</a:t>
+            </a:r>
+            <a:endParaRPr lang="en-US" altLang="zh-CN"/>
+          </a:p>
+          <a:p>
+            <a:pPr marL="0" indent="0">
+              <a:buNone/>
+            </a:pPr>
+            <a:r>
+              <a:rPr lang="en-US" altLang="zh-CN"/>
+              <a:t>	&lt;input type</a:t>
+            </a:r>
+            <a:r>
+              <a:rPr lang="en-US" altLang="zh-CN" smtClean="0"/>
+              <a:t>=“</a:t>
+            </a:r>
+            <a:r>
+              <a:rPr lang="en-US" altLang="zh-CN"/>
+              <a:t>file</a:t>
+            </a:r>
+            <a:r>
+              <a:rPr lang="en-US" altLang="zh-CN" smtClean="0"/>
+              <a:t>”&gt;</a:t>
+            </a:r>
+          </a:p>
+          <a:p>
+            <a:pPr marL="0" indent="0">
+              <a:buNone/>
+            </a:pPr>
+            <a:r>
+              <a:rPr lang="en-US" altLang="zh-CN" smtClean="0"/>
+              <a:t> &lt;/</a:t>
+            </a:r>
+            <a:r>
+              <a:rPr lang="en-US" altLang="zh-CN"/>
+              <a:t>form</a:t>
+            </a:r>
+            <a:r>
+              <a:rPr lang="en-US" altLang="zh-CN" smtClean="0"/>
+              <a:t>&gt;</a:t>
+            </a:r>
+          </a:p>
+          <a:p>
+            <a:pPr marL="0" indent="0">
+              <a:buNone/>
+            </a:pPr>
+            <a:r>
+              <a:rPr lang="zh-CN" altLang="en-US" smtClean="0"/>
+              <a:t>使用</a:t>
+            </a:r>
+            <a:r>
+              <a:rPr lang="en-US" altLang="zh-CN" smtClean="0"/>
+              <a:t>type=file</a:t>
+            </a:r>
+            <a:r>
+              <a:rPr lang="zh-CN" altLang="en-US" smtClean="0"/>
+              <a:t>时，一定要注意，</a:t>
+            </a:r>
+            <a:r>
+              <a:rPr lang="en-US" altLang="zh-CN" smtClean="0"/>
+              <a:t>&lt;form&gt;</a:t>
+            </a:r>
+            <a:r>
+              <a:rPr lang="zh-CN" altLang="en-US" smtClean="0"/>
+              <a:t>元素的</a:t>
+            </a:r>
+            <a:r>
+              <a:rPr lang="en-US" altLang="zh-CN" smtClean="0"/>
+              <a:t>enctype</a:t>
+            </a:r>
+            <a:r>
+              <a:rPr lang="zh-CN" altLang="en-US" smtClean="0"/>
+              <a:t>要设置为</a:t>
+            </a:r>
+            <a:r>
+              <a:rPr lang="en-US" altLang="zh-CN" smtClean="0"/>
+              <a:t>multipart/form-data</a:t>
+            </a:r>
+            <a:r>
+              <a:rPr lang="zh-CN" altLang="en-US" smtClean="0"/>
+              <a:t>。</a:t>
+            </a:r>
+            <a:endParaRPr lang="en-US" altLang="zh-CN"/>
+          </a:p>
+          <a:p>
+            <a:endParaRPr lang="en-US" altLang="zh-CN" smtClean="0"/>
+          </a:p>
+          <a:p>
             <a:endParaRPr lang="zh-CN" altLang="en-US"/>
           </a:p>
         </p:txBody>
@@ -4273,7 +4319,7 @@
     </p:spTree>
     <p:extLst>
       <p:ext uri="{BB962C8B-B14F-4D97-AF65-F5344CB8AC3E}">
-        <p14:creationId xmlns:p14="http://schemas.microsoft.com/office/powerpoint/2010/main" val="2105953450"/>
+        <p14:creationId xmlns:p14="http://schemas.microsoft.com/office/powerpoint/2010/main" val="2940306357"/>
       </p:ext>
     </p:extLst>
   </p:cSld>
@@ -4316,12 +4362,8 @@
           <a:lstStyle/>
           <a:p>
             <a:r>
-              <a:rPr lang="en-US" altLang="zh-CN" smtClean="0"/>
-              <a:t>&lt;select&gt;</a:t>
-            </a:r>
-            <a:r>
-              <a:rPr lang="zh-CN" altLang="en-US" smtClean="0"/>
-              <a:t>元素</a:t>
+              <a:rPr lang="zh-CN" altLang="en-US" smtClean="0"/>
+              <a:t>其他属性</a:t>
             </a:r>
             <a:endParaRPr lang="zh-CN" altLang="en-US"/>
           </a:p>
@@ -4339,154 +4381,27 @@
         </p:nvSpPr>
         <p:spPr/>
         <p:txBody>
-          <a:bodyPr>
-            <a:normAutofit lnSpcReduction="10000"/>
-          </a:bodyPr>
-          <a:lstStyle/>
-          <a:p>
-            <a:r>
-              <a:rPr lang="en-US" altLang="zh-CN" smtClean="0"/>
-              <a:t>&lt;select&gt;</a:t>
-            </a:r>
-            <a:r>
-              <a:rPr lang="zh-CN" altLang="en-US" smtClean="0"/>
-              <a:t>元素用于</a:t>
-            </a:r>
-            <a:r>
-              <a:rPr lang="zh-CN" altLang="en-US" smtClean="0"/>
-              <a:t>创建</a:t>
-            </a:r>
-            <a:r>
-              <a:rPr lang="zh-CN" altLang="en-US" smtClean="0"/>
-              <a:t>选项列表。</a:t>
+          <a:bodyPr/>
+          <a:lstStyle/>
+          <a:p>
+            <a:r>
+              <a:rPr lang="en-US" altLang="zh-CN" smtClean="0"/>
+              <a:t>required</a:t>
+            </a:r>
+            <a:r>
+              <a:rPr lang="zh-CN" altLang="en-US" smtClean="0"/>
+              <a:t>：用户必须提供一个值，否则无法通过输入验证。</a:t>
             </a:r>
             <a:endParaRPr lang="en-US" altLang="zh-CN" smtClean="0"/>
           </a:p>
           <a:p>
             <a:r>
               <a:rPr lang="en-US" altLang="zh-CN" smtClean="0"/>
-              <a:t>&lt;option&gt;</a:t>
-            </a:r>
-            <a:r>
-              <a:rPr lang="zh-CN" altLang="en-US" smtClean="0"/>
-              <a:t>元素通常作为</a:t>
-            </a:r>
-            <a:r>
-              <a:rPr lang="en-US" altLang="zh-CN" smtClean="0"/>
-              <a:t>&lt;select&gt;</a:t>
-            </a:r>
-            <a:r>
-              <a:rPr lang="zh-CN" altLang="en-US" smtClean="0"/>
-              <a:t>元素的选项。</a:t>
-            </a:r>
-            <a:endParaRPr lang="en-US" altLang="zh-CN" smtClean="0"/>
-          </a:p>
-          <a:p>
-            <a:r>
-              <a:rPr lang="zh-CN" altLang="en-US" smtClean="0"/>
-              <a:t>基本结构：</a:t>
-            </a:r>
-            <a:endParaRPr lang="en-US" altLang="zh-CN" smtClean="0"/>
-          </a:p>
-          <a:p>
-            <a:pPr marL="0" indent="0">
-              <a:buNone/>
-            </a:pPr>
-            <a:r>
-              <a:rPr lang="en-US" altLang="zh-CN" smtClean="0"/>
-              <a:t>&lt;select name=“book”&gt;</a:t>
-            </a:r>
-          </a:p>
-          <a:p>
-            <a:pPr marL="0" indent="0">
-              <a:buNone/>
-            </a:pPr>
-            <a:r>
-              <a:rPr lang="en-US" altLang="zh-CN"/>
-              <a:t>	</a:t>
-            </a:r>
-            <a:r>
-              <a:rPr lang="en-US" altLang="zh-CN" smtClean="0"/>
-              <a:t>&lt;option value=“1”&gt;</a:t>
-            </a:r>
-            <a:r>
-              <a:rPr lang="zh-CN" altLang="en-US" smtClean="0"/>
-              <a:t>英语书</a:t>
-            </a:r>
-            <a:r>
-              <a:rPr lang="en-US" altLang="zh-CN" smtClean="0"/>
-              <a:t>&lt;/option&gt;</a:t>
-            </a:r>
-          </a:p>
-          <a:p>
-            <a:pPr marL="0" indent="0">
-              <a:buNone/>
-            </a:pPr>
-            <a:r>
-              <a:rPr lang="en-US" altLang="zh-CN" smtClean="0"/>
-              <a:t>	&lt;</a:t>
-            </a:r>
-            <a:r>
-              <a:rPr lang="en-US" altLang="zh-CN"/>
-              <a:t>option value</a:t>
-            </a:r>
-            <a:r>
-              <a:rPr lang="en-US" altLang="zh-CN" smtClean="0"/>
-              <a:t>=“2”&gt;</a:t>
-            </a:r>
-            <a:r>
-              <a:rPr lang="zh-CN" altLang="en-US"/>
-              <a:t>数学</a:t>
-            </a:r>
-            <a:r>
-              <a:rPr lang="zh-CN" altLang="en-US" smtClean="0"/>
-              <a:t>书</a:t>
-            </a:r>
-            <a:r>
-              <a:rPr lang="en-US" altLang="zh-CN"/>
-              <a:t>&lt;/option&gt;</a:t>
-            </a:r>
-          </a:p>
-          <a:p>
-            <a:pPr marL="0" indent="0">
-              <a:buNone/>
-            </a:pPr>
-            <a:r>
-              <a:rPr lang="en-US" altLang="zh-CN" smtClean="0"/>
-              <a:t>	</a:t>
-            </a:r>
-            <a:r>
-              <a:rPr lang="en-US" altLang="zh-CN"/>
-              <a:t>&lt;option value</a:t>
-            </a:r>
-            <a:r>
-              <a:rPr lang="en-US" altLang="zh-CN" smtClean="0"/>
-              <a:t>=“3”&gt;</a:t>
-            </a:r>
-            <a:r>
-              <a:rPr lang="zh-CN" altLang="en-US"/>
-              <a:t>化学</a:t>
-            </a:r>
-            <a:r>
-              <a:rPr lang="zh-CN" altLang="en-US" smtClean="0"/>
-              <a:t>书</a:t>
-            </a:r>
-            <a:r>
-              <a:rPr lang="en-US" altLang="zh-CN"/>
-              <a:t>&lt;/option</a:t>
-            </a:r>
-            <a:r>
-              <a:rPr lang="en-US" altLang="zh-CN" smtClean="0"/>
-              <a:t>&gt;</a:t>
-            </a:r>
-          </a:p>
-          <a:p>
-            <a:pPr marL="0" indent="0">
-              <a:buNone/>
-            </a:pPr>
-            <a:r>
-              <a:rPr lang="en-US" altLang="zh-CN" smtClean="0"/>
-              <a:t>&lt;/select&gt;</a:t>
+              <a:t>size</a:t>
+            </a:r>
+            <a:r>
+              <a:rPr lang="zh-CN" altLang="en-US" smtClean="0"/>
+              <a:t>：通过指定文本框可见的字符数目设定其宽度。</a:t>
             </a:r>
             <a:endParaRPr lang="zh-CN" altLang="en-US"/>
           </a:p>
@@ -4495,7 +4410,7 @@
     </p:spTree>
     <p:extLst>
       <p:ext uri="{BB962C8B-B14F-4D97-AF65-F5344CB8AC3E}">
-        <p14:creationId xmlns:p14="http://schemas.microsoft.com/office/powerpoint/2010/main" val="2667574729"/>
+        <p14:creationId xmlns:p14="http://schemas.microsoft.com/office/powerpoint/2010/main" val="2105953450"/>
       </p:ext>
     </p:extLst>
   </p:cSld>
@@ -4539,11 +4454,11 @@
           <a:p>
             <a:r>
               <a:rPr lang="en-US" altLang="zh-CN" smtClean="0"/>
-              <a:t>select</a:t>
-            </a:r>
-            <a:r>
-              <a:rPr lang="zh-CN" altLang="en-US" smtClean="0"/>
-              <a:t>元素常用属性</a:t>
+              <a:t>&lt;select&gt;</a:t>
+            </a:r>
+            <a:r>
+              <a:rPr lang="zh-CN" altLang="en-US" smtClean="0"/>
+              <a:t>元素</a:t>
             </a:r>
             <a:endParaRPr lang="zh-CN" altLang="en-US"/>
           </a:p>
@@ -4561,34 +4476,146 @@
         </p:nvSpPr>
         <p:spPr/>
         <p:txBody>
-          <a:bodyPr/>
-          <a:lstStyle/>
-          <a:p>
-            <a:r>
-              <a:rPr lang="en-US" altLang="zh-CN" smtClean="0"/>
-              <a:t>size</a:t>
-            </a:r>
-            <a:r>
-              <a:rPr lang="zh-CN" altLang="en-US" smtClean="0"/>
-              <a:t>：设置下拉列表可见的选项数目。</a:t>
+          <a:bodyPr>
+            <a:normAutofit lnSpcReduction="10000"/>
+          </a:bodyPr>
+          <a:lstStyle/>
+          <a:p>
+            <a:r>
+              <a:rPr lang="en-US" altLang="zh-CN" smtClean="0"/>
+              <a:t>&lt;select&gt;</a:t>
+            </a:r>
+            <a:r>
+              <a:rPr lang="zh-CN" altLang="en-US" smtClean="0"/>
+              <a:t>元素用于创建选项列表。</a:t>
             </a:r>
             <a:endParaRPr lang="en-US" altLang="zh-CN" smtClean="0"/>
           </a:p>
           <a:p>
-            <a:endParaRPr lang="en-US" altLang="zh-CN"/>
-          </a:p>
-          <a:p>
-            <a:r>
-              <a:rPr lang="en-US" altLang="zh-CN" smtClean="0"/>
-              <a:t>multiple</a:t>
-            </a:r>
-            <a:r>
-              <a:rPr lang="zh-CN" altLang="en-US" smtClean="0"/>
-              <a:t>：</a:t>
-            </a:r>
-            <a:r>
-              <a:rPr lang="zh-CN" altLang="en-US" smtClean="0"/>
-              <a:t>设置可以选择多个选项。</a:t>
+            <a:r>
+              <a:rPr lang="en-US" altLang="zh-CN" smtClean="0"/>
+              <a:t>&lt;option&gt;</a:t>
+            </a:r>
+            <a:r>
+              <a:rPr lang="zh-CN" altLang="en-US" smtClean="0"/>
+              <a:t>元素通常作为</a:t>
+            </a:r>
+            <a:r>
+              <a:rPr lang="en-US" altLang="zh-CN" smtClean="0"/>
+              <a:t>&lt;select&gt;</a:t>
+            </a:r>
+            <a:r>
+              <a:rPr lang="zh-CN" altLang="en-US" smtClean="0"/>
+              <a:t>元素的选项。</a:t>
+            </a:r>
+            <a:endParaRPr lang="en-US" altLang="zh-CN" smtClean="0"/>
+          </a:p>
+          <a:p>
+            <a:r>
+              <a:rPr lang="zh-CN" altLang="en-US" smtClean="0"/>
+              <a:t>基本结构：</a:t>
+            </a:r>
+            <a:endParaRPr lang="en-US" altLang="zh-CN" smtClean="0"/>
+          </a:p>
+          <a:p>
+            <a:pPr marL="0" indent="0">
+              <a:buNone/>
+            </a:pPr>
+            <a:r>
+              <a:rPr lang="en-US" altLang="zh-CN" smtClean="0"/>
+              <a:t>&lt;select name=“book”&gt;</a:t>
+            </a:r>
+          </a:p>
+          <a:p>
+            <a:pPr marL="0" indent="0">
+              <a:buNone/>
+            </a:pPr>
+            <a:r>
+              <a:rPr lang="en-US" altLang="zh-CN"/>
+              <a:t>	</a:t>
+            </a:r>
+            <a:r>
+              <a:rPr lang="en-US" altLang="zh-CN" smtClean="0"/>
+              <a:t>&lt;option value=“1”&gt;</a:t>
+            </a:r>
+            <a:r>
+              <a:rPr lang="zh-CN" altLang="en-US" smtClean="0"/>
+              <a:t>英语书</a:t>
+            </a:r>
+            <a:r>
+              <a:rPr lang="en-US" altLang="zh-CN" smtClean="0"/>
+              <a:t>&lt;/option&gt;</a:t>
+            </a:r>
+          </a:p>
+          <a:p>
+            <a:pPr marL="0" indent="0">
+              <a:buNone/>
+            </a:pPr>
+            <a:r>
+              <a:rPr lang="en-US" altLang="zh-CN" smtClean="0"/>
+              <a:t>	&lt;</a:t>
+            </a:r>
+            <a:r>
+              <a:rPr lang="en-US" altLang="zh-CN"/>
+              <a:t>option value</a:t>
+            </a:r>
+            <a:r>
+              <a:rPr lang="en-US" altLang="zh-CN" smtClean="0"/>
+              <a:t>=“2”&gt;</a:t>
+            </a:r>
+            <a:r>
+              <a:rPr lang="zh-CN" altLang="en-US"/>
+              <a:t>数学</a:t>
+            </a:r>
+            <a:r>
+              <a:rPr lang="zh-CN" altLang="en-US" smtClean="0"/>
+              <a:t>书</a:t>
+            </a:r>
+            <a:r>
+              <a:rPr lang="en-US" altLang="zh-CN"/>
+              <a:t>&lt;/option&gt;</a:t>
+            </a:r>
+          </a:p>
+          <a:p>
+            <a:pPr marL="0" indent="0">
+              <a:buNone/>
+            </a:pPr>
+            <a:r>
+              <a:rPr lang="en-US" altLang="zh-CN" smtClean="0"/>
+              <a:t>	</a:t>
+            </a:r>
+            <a:r>
+              <a:rPr lang="en-US" altLang="zh-CN"/>
+              <a:t>&lt;option value</a:t>
+            </a:r>
+            <a:r>
+              <a:rPr lang="en-US" altLang="zh-CN" smtClean="0"/>
+              <a:t>=“3”&gt;</a:t>
+            </a:r>
+            <a:r>
+              <a:rPr lang="zh-CN" altLang="en-US"/>
+              <a:t>化学</a:t>
+            </a:r>
+            <a:r>
+              <a:rPr lang="zh-CN" altLang="en-US" smtClean="0"/>
+              <a:t>书</a:t>
+            </a:r>
+            <a:r>
+              <a:rPr lang="en-US" altLang="zh-CN"/>
+              <a:t>&lt;/option</a:t>
+            </a:r>
+            <a:r>
+              <a:rPr lang="en-US" altLang="zh-CN" smtClean="0"/>
+              <a:t>&gt;</a:t>
+            </a:r>
+          </a:p>
+          <a:p>
+            <a:pPr marL="0" indent="0">
+              <a:buNone/>
+            </a:pPr>
+            <a:r>
+              <a:rPr lang="en-US" altLang="zh-CN" smtClean="0"/>
+              <a:t>&lt;/select&gt;</a:t>
             </a:r>
             <a:endParaRPr lang="zh-CN" altLang="en-US"/>
           </a:p>
@@ -4597,7 +4624,7 @@
     </p:spTree>
     <p:extLst>
       <p:ext uri="{BB962C8B-B14F-4D97-AF65-F5344CB8AC3E}">
-        <p14:creationId xmlns:p14="http://schemas.microsoft.com/office/powerpoint/2010/main" val="2240665635"/>
+        <p14:creationId xmlns:p14="http://schemas.microsoft.com/office/powerpoint/2010/main" val="2667574729"/>
       </p:ext>
     </p:extLst>
   </p:cSld>
@@ -4755,6 +4782,104 @@
           <a:p>
             <a:r>
               <a:rPr lang="en-US" altLang="zh-CN" smtClean="0"/>
+              <a:t>select</a:t>
+            </a:r>
+            <a:r>
+              <a:rPr lang="zh-CN" altLang="en-US" smtClean="0"/>
+              <a:t>元素常用属性</a:t>
+            </a:r>
+            <a:endParaRPr lang="zh-CN" altLang="en-US"/>
+          </a:p>
+        </p:txBody>
+      </p:sp>
+      <p:sp>
+        <p:nvSpPr>
+          <p:cNvPr id="3" name="内容占位符 2"/>
+          <p:cNvSpPr>
+            <a:spLocks noGrp="1"/>
+          </p:cNvSpPr>
+          <p:nvPr>
+            <p:ph idx="1"/>
+          </p:nvPr>
+        </p:nvSpPr>
+        <p:spPr/>
+        <p:txBody>
+          <a:bodyPr/>
+          <a:lstStyle/>
+          <a:p>
+            <a:r>
+              <a:rPr lang="en-US" altLang="zh-CN" smtClean="0"/>
+              <a:t>size</a:t>
+            </a:r>
+            <a:r>
+              <a:rPr lang="zh-CN" altLang="en-US" smtClean="0"/>
+              <a:t>：设置下拉列表可见的选项数目。</a:t>
+            </a:r>
+            <a:endParaRPr lang="en-US" altLang="zh-CN" smtClean="0"/>
+          </a:p>
+          <a:p>
+            <a:endParaRPr lang="en-US" altLang="zh-CN"/>
+          </a:p>
+          <a:p>
+            <a:r>
+              <a:rPr lang="en-US" altLang="zh-CN" smtClean="0"/>
+              <a:t>multiple</a:t>
+            </a:r>
+            <a:r>
+              <a:rPr lang="zh-CN" altLang="en-US" smtClean="0"/>
+              <a:t>：设置可以选择多个选项。</a:t>
+            </a:r>
+            <a:endParaRPr lang="zh-CN" altLang="en-US"/>
+          </a:p>
+        </p:txBody>
+      </p:sp>
+    </p:spTree>
+    <p:extLst>
+      <p:ext uri="{BB962C8B-B14F-4D97-AF65-F5344CB8AC3E}">
+        <p14:creationId xmlns:p14="http://schemas.microsoft.com/office/powerpoint/2010/main" val="2240665635"/>
+      </p:ext>
+    </p:extLst>
+  </p:cSld>
+  <p:clrMapOvr>
+    <a:masterClrMapping/>
+  </p:clrMapOvr>
+</p:sld>
+</file>
+
+<file path=ppt/slides/slide21.xml><?xml version="1.0" encoding="utf-8"?>
+<p:sld xmlns:a="http://schemas.openxmlformats.org/drawingml/2006/main" xmlns:r="http://schemas.openxmlformats.org/officeDocument/2006/relationships" xmlns:p="http://schemas.openxmlformats.org/presentationml/2006/main">
+  <p:cSld>
+    <p:spTree>
+      <p:nvGrpSpPr>
+        <p:cNvPr id="1" name=""/>
+        <p:cNvGrpSpPr/>
+        <p:nvPr/>
+      </p:nvGrpSpPr>
+      <p:grpSpPr>
+        <a:xfrm>
+          <a:off x="0" y="0"/>
+          <a:ext cx="0" cy="0"/>
+          <a:chOff x="0" y="0"/>
+          <a:chExt cx="0" cy="0"/>
+        </a:xfrm>
+      </p:grpSpPr>
+      <p:sp>
+        <p:nvSpPr>
+          <p:cNvPr id="2" name="标题 1"/>
+          <p:cNvSpPr>
+            <a:spLocks noGrp="1"/>
+          </p:cNvSpPr>
+          <p:nvPr>
+            <p:ph type="title"/>
+          </p:nvPr>
+        </p:nvSpPr>
+        <p:spPr/>
+        <p:txBody>
+          <a:bodyPr/>
+          <a:lstStyle/>
+          <a:p>
+            <a:r>
+              <a:rPr lang="en-US" altLang="zh-CN" smtClean="0"/>
               <a:t>&lt;optgroup&gt;</a:t>
             </a:r>
             <a:r>
@@ -4868,11 +4993,7 @@
             </a:r>
             <a:r>
               <a:rPr lang="en-US" altLang="zh-CN"/>
-              <a:t>&lt;option value=“</a:t>
-            </a:r>
-            <a:r>
-              <a:rPr lang="en-US" altLang="zh-CN"/>
-              <a:t>1</a:t>
+              <a:t>&lt;option value=“1</a:t>
             </a:r>
             <a:r>
               <a:rPr lang="en-US" altLang="zh-CN" smtClean="0"/>
@@ -4905,11 +5026,7 @@
             </a:r>
             <a:r>
               <a:rPr lang="en-US" altLang="zh-CN"/>
-              <a:t>option value=“</a:t>
-            </a:r>
-            <a:r>
-              <a:rPr lang="en-US" altLang="zh-CN"/>
-              <a:t>2</a:t>
+              <a:t>option value=“2</a:t>
             </a:r>
             <a:r>
               <a:rPr lang="en-US" altLang="zh-CN" smtClean="0"/>
@@ -4955,11 +5072,7 @@
             </a:r>
             <a:r>
               <a:rPr lang="en-US" altLang="zh-CN"/>
-              <a:t>optgroup </a:t>
-            </a:r>
-            <a:r>
-              <a:rPr lang="en-US" altLang="zh-CN"/>
-              <a:t>label</a:t>
+              <a:t>optgroup label</a:t>
             </a:r>
             <a:r>
               <a:rPr lang="en-US" altLang="zh-CN" smtClean="0"/>
@@ -4981,11 +5094,7 @@
             </a:pPr>
             <a:r>
               <a:rPr lang="en-US" altLang="zh-CN"/>
-              <a:t>		&lt;option </a:t>
-            </a:r>
-            <a:r>
-              <a:rPr lang="en-US" altLang="zh-CN"/>
-              <a:t>value</a:t>
+              <a:t>		&lt;option value</a:t>
             </a:r>
             <a:r>
               <a:rPr lang="en-US" altLang="zh-CN" smtClean="0"/>
@@ -5010,11 +5119,7 @@
             </a:pPr>
             <a:r>
               <a:rPr lang="en-US" altLang="zh-CN"/>
-              <a:t>		&lt;option </a:t>
-            </a:r>
-            <a:r>
-              <a:rPr lang="en-US" altLang="zh-CN"/>
-              <a:t>value</a:t>
+              <a:t>		&lt;option value</a:t>
             </a:r>
             <a:r>
               <a:rPr lang="en-US" altLang="zh-CN" smtClean="0"/>
@@ -5073,7 +5178,7 @@
 </p:sld>
 </file>
 
-<file path=ppt/slides/slide21.xml><?xml version="1.0" encoding="utf-8"?>
+<file path=ppt/slides/slide22.xml><?xml version="1.0" encoding="utf-8"?>
 <p:sld xmlns:a="http://schemas.openxmlformats.org/drawingml/2006/main" xmlns:r="http://schemas.openxmlformats.org/officeDocument/2006/relationships" xmlns:p="http://schemas.openxmlformats.org/presentationml/2006/main">
   <p:cSld>
     <p:spTree>
@@ -5647,18 +5752,6 @@
               <a:rPr lang="en-US" altLang="zh-CN" smtClean="0"/>
               <a:t>type</a:t>
             </a:r>
-            <a:r>
-              <a:rPr lang="zh-CN" altLang="en-US" smtClean="0"/>
-              <a:t>与</a:t>
-            </a:r>
-            <a:r>
-              <a:rPr lang="en-US" altLang="zh-CN" smtClean="0"/>
-              <a:t>name</a:t>
-            </a:r>
-            <a:r>
-              <a:rPr lang="zh-CN" altLang="en-US" smtClean="0"/>
-              <a:t>属性</a:t>
-            </a:r>
             <a:endParaRPr lang="zh-CN" altLang="en-US"/>
           </a:p>
         </p:txBody>
@@ -5695,82 +5788,6 @@
               <a:t>。</a:t>
             </a:r>
             <a:endParaRPr lang="en-US" altLang="zh-CN" smtClean="0"/>
-          </a:p>
-          <a:p>
-            <a:endParaRPr lang="en-US" altLang="zh-CN"/>
-          </a:p>
-          <a:p>
-            <a:r>
-              <a:rPr lang="en-US" altLang="zh-CN" smtClean="0"/>
-              <a:t>name</a:t>
-            </a:r>
-            <a:r>
-              <a:rPr lang="zh-CN" altLang="en-US" smtClean="0"/>
-              <a:t>设置</a:t>
-            </a:r>
-            <a:r>
-              <a:rPr lang="en-US" altLang="zh-CN" smtClean="0"/>
-              <a:t>input</a:t>
-            </a:r>
-            <a:r>
-              <a:rPr lang="zh-CN" altLang="en-US" smtClean="0"/>
-              <a:t>的名称，在提交数据时，浏览器会把</a:t>
-            </a:r>
-            <a:r>
-              <a:rPr lang="en-US" altLang="zh-CN" smtClean="0"/>
-              <a:t>name</a:t>
-            </a:r>
-            <a:r>
-              <a:rPr lang="zh-CN" altLang="en-US" smtClean="0"/>
-              <a:t>和</a:t>
-            </a:r>
-            <a:r>
-              <a:rPr lang="en-US" altLang="zh-CN" smtClean="0"/>
-              <a:t>value</a:t>
-            </a:r>
-            <a:r>
-              <a:rPr lang="zh-CN" altLang="en-US" smtClean="0"/>
-              <a:t>的值提交到服务器。</a:t>
-            </a:r>
-            <a:r>
-              <a:rPr lang="zh-CN" altLang="en-US"/>
-              <a:t>多</a:t>
-            </a:r>
-            <a:r>
-              <a:rPr lang="zh-CN" altLang="en-US" smtClean="0"/>
-              <a:t>个</a:t>
-            </a:r>
-            <a:r>
-              <a:rPr lang="en-US" altLang="zh-CN" smtClean="0"/>
-              <a:t>input</a:t>
-            </a:r>
-            <a:r>
-              <a:rPr lang="zh-CN" altLang="en-US" smtClean="0"/>
-              <a:t>的</a:t>
-            </a:r>
-            <a:r>
-              <a:rPr lang="en-US" altLang="zh-CN" smtClean="0"/>
-              <a:t>name</a:t>
-            </a:r>
-            <a:r>
-              <a:rPr lang="zh-CN" altLang="en-US" smtClean="0"/>
-              <a:t>属性可以相同。</a:t>
-            </a:r>
-            <a:endParaRPr lang="en-US" altLang="zh-CN" smtClean="0"/>
-          </a:p>
-          <a:p>
-            <a:endParaRPr lang="en-US" altLang="zh-CN"/>
-          </a:p>
-          <a:p>
-            <a:r>
-              <a:rPr lang="en-US" altLang="zh-CN" smtClean="0"/>
-              <a:t>value</a:t>
-            </a:r>
-            <a:r>
-              <a:rPr lang="zh-CN" altLang="en-US" smtClean="0"/>
-              <a:t>属性，最后提交到服务器的值。</a:t>
-            </a:r>
-            <a:endParaRPr lang="zh-CN" altLang="en-US"/>
           </a:p>
         </p:txBody>
       </p:sp>
@@ -5820,16 +5837,8 @@
           <a:lstStyle/>
           <a:p>
             <a:r>
-              <a:rPr lang="en-US" altLang="zh-CN"/>
-              <a:t>t</a:t>
-            </a:r>
-            <a:r>
-              <a:rPr lang="en-US" altLang="zh-CN" smtClean="0"/>
-              <a:t>ype</a:t>
-            </a:r>
-            <a:r>
-              <a:rPr lang="zh-CN" altLang="en-US" smtClean="0"/>
-              <a:t>属性</a:t>
+              <a:rPr lang="zh-CN" altLang="en-US" smtClean="0"/>
+              <a:t>输入密码</a:t>
             </a:r>
             <a:endParaRPr lang="zh-CN" altLang="en-US"/>
           </a:p>
@@ -5847,27 +5856,20 @@
         </p:nvSpPr>
         <p:spPr/>
         <p:txBody>
-          <a:bodyPr>
-            <a:normAutofit fontScale="92500" lnSpcReduction="10000"/>
-          </a:bodyPr>
-          <a:lstStyle/>
-          <a:p>
-            <a:r>
-              <a:rPr lang="en-US" altLang="zh-CN" smtClean="0"/>
-              <a:t>type=text</a:t>
-            </a:r>
-            <a:r>
-              <a:rPr lang="zh-CN" altLang="en-US" smtClean="0"/>
-              <a:t>单行文本框</a:t>
-            </a:r>
-            <a:endParaRPr lang="en-US" altLang="zh-CN" smtClean="0"/>
+          <a:bodyPr/>
+          <a:lstStyle/>
+          <a:p>
+            <a:r>
+              <a:rPr lang="en-US" altLang="zh-CN" smtClean="0"/>
+              <a:t>type=password</a:t>
+            </a:r>
           </a:p>
           <a:p>
             <a:pPr marL="0" indent="0">
               <a:buNone/>
             </a:pPr>
             <a:r>
-              <a:rPr lang="en-US" altLang="zh-CN" smtClean="0"/>
+              <a:rPr lang="en-US" altLang="zh-CN"/>
               <a:t>&lt;form&gt;</a:t>
             </a:r>
           </a:p>
@@ -5876,9 +5878,26 @@
               <a:buNone/>
             </a:pPr>
             <a:r>
-              <a:rPr lang="en-US" altLang="zh-CN" smtClean="0"/>
-              <a:t>	&lt;input type=“text”&gt;</a:t>
-            </a:r>
+              <a:rPr lang="en-US" altLang="zh-CN"/>
+              <a:t>	&lt;input </a:t>
+            </a:r>
+            <a:r>
+              <a:rPr lang="en-US" altLang="zh-CN"/>
+              <a:t>type</a:t>
+            </a:r>
+            <a:r>
+              <a:rPr lang="en-US" altLang="zh-CN" smtClean="0"/>
+              <a:t>=“password” </a:t>
+            </a:r>
+            <a:r>
+              <a:rPr lang="en-US" altLang="zh-CN"/>
+              <a:t>name</a:t>
+            </a:r>
+            <a:r>
+              <a:rPr lang="en-US" altLang="zh-CN" smtClean="0"/>
+              <a:t>=“pw”&gt;</a:t>
+            </a:r>
+            <a:endParaRPr lang="en-US" altLang="zh-CN"/>
           </a:p>
           <a:p>
             <a:pPr marL="0" indent="0">
@@ -5886,47 +5905,12 @@
             </a:pPr>
             <a:r>
               <a:rPr lang="en-US" altLang="zh-CN" smtClean="0"/>
-              <a:t>&lt;/form&gt;</a:t>
-            </a:r>
-          </a:p>
-          <a:p>
-            <a:r>
-              <a:rPr lang="zh-CN" altLang="en-US" smtClean="0"/>
-              <a:t>单行文本框用于一些简短的输入，例如姓名等一些简单的信息。</a:t>
-            </a:r>
-            <a:endParaRPr lang="en-US" altLang="zh-CN" smtClean="0"/>
-          </a:p>
-          <a:p>
-            <a:r>
-              <a:rPr lang="zh-CN" altLang="en-US" smtClean="0"/>
-              <a:t>可搭配属性：</a:t>
-            </a:r>
-            <a:endParaRPr lang="en-US" altLang="zh-CN" smtClean="0"/>
-          </a:p>
-          <a:p>
-            <a:r>
-              <a:rPr lang="en-US" altLang="zh-CN" smtClean="0"/>
-              <a:t>maxlength</a:t>
-            </a:r>
-            <a:r>
-              <a:rPr lang="zh-CN" altLang="en-US" smtClean="0"/>
-              <a:t>：最大字符数</a:t>
-            </a:r>
-            <a:endParaRPr lang="en-US" altLang="zh-CN" smtClean="0"/>
-          </a:p>
-          <a:p>
-            <a:r>
-              <a:rPr lang="en-US" altLang="zh-CN" smtClean="0"/>
-              <a:t>placeholder</a:t>
-            </a:r>
-            <a:r>
-              <a:rPr lang="zh-CN" altLang="en-US" smtClean="0"/>
-              <a:t>：提示</a:t>
-            </a:r>
-            <a:endParaRPr lang="en-US" altLang="zh-CN" smtClean="0"/>
-          </a:p>
-          <a:p>
-            <a:endParaRPr lang="en-US" altLang="zh-CN" smtClean="0"/>
+              <a:t>&lt;/</a:t>
+            </a:r>
+            <a:r>
+              <a:rPr lang="en-US" altLang="zh-CN"/>
+              <a:t>form&gt;</a:t>
+            </a:r>
           </a:p>
           <a:p>
             <a:endParaRPr lang="zh-CN" altLang="en-US"/>
@@ -5936,7 +5920,7 @@
     </p:spTree>
     <p:extLst>
       <p:ext uri="{BB962C8B-B14F-4D97-AF65-F5344CB8AC3E}">
-        <p14:creationId xmlns:p14="http://schemas.microsoft.com/office/powerpoint/2010/main" val="2033519817"/>
+        <p14:creationId xmlns:p14="http://schemas.microsoft.com/office/powerpoint/2010/main" val="2052283180"/>
       </p:ext>
     </p:extLst>
   </p:cSld>
@@ -5979,9 +5963,10 @@
           <a:lstStyle/>
           <a:p>
             <a:r>
-              <a:rPr lang="zh-CN" altLang="en-US"/>
-              <a:t>单选框</a:t>
-            </a:r>
+              <a:rPr lang="zh-CN" altLang="en-US" smtClean="0"/>
+              <a:t>单行文本</a:t>
+            </a:r>
+            <a:endParaRPr lang="zh-CN" altLang="en-US"/>
           </a:p>
         </p:txBody>
       </p:sp>
@@ -5998,17 +5983,17 @@
         <p:spPr/>
         <p:txBody>
           <a:bodyPr>
-            <a:normAutofit lnSpcReduction="10000"/>
+            <a:normAutofit fontScale="92500" lnSpcReduction="10000"/>
           </a:bodyPr>
           <a:lstStyle/>
           <a:p>
             <a:r>
               <a:rPr lang="en-US" altLang="zh-CN" smtClean="0"/>
-              <a:t>type=radio</a:t>
-            </a:r>
-            <a:r>
-              <a:rPr lang="zh-CN" altLang="en-US" smtClean="0"/>
-              <a:t>单选框选项</a:t>
+              <a:t>type=text</a:t>
+            </a:r>
+            <a:r>
+              <a:rPr lang="zh-CN" altLang="en-US" smtClean="0"/>
+              <a:t>单行文本框</a:t>
             </a:r>
             <a:endParaRPr lang="en-US" altLang="zh-CN" smtClean="0"/>
           </a:p>
@@ -6017,7 +6002,7 @@
               <a:buNone/>
             </a:pPr>
             <a:r>
-              <a:rPr lang="en-US" altLang="zh-CN"/>
+              <a:rPr lang="en-US" altLang="zh-CN" smtClean="0"/>
               <a:t>&lt;form&gt;</a:t>
             </a:r>
           </a:p>
@@ -6026,20 +6011,8 @@
               <a:buNone/>
             </a:pPr>
             <a:r>
-              <a:rPr lang="en-US" altLang="zh-CN"/>
-              <a:t>	&lt;input type</a:t>
-            </a:r>
-            <a:r>
-              <a:rPr lang="en-US" altLang="zh-CN" smtClean="0"/>
-              <a:t>=“</a:t>
-            </a:r>
-            <a:r>
-              <a:rPr lang="en-US" altLang="zh-CN"/>
-              <a:t>radio</a:t>
-            </a:r>
-            <a:r>
-              <a:rPr lang="en-US" altLang="zh-CN" smtClean="0"/>
-              <a:t>” name=“sex”&gt;</a:t>
+              <a:rPr lang="en-US" altLang="zh-CN" smtClean="0"/>
+              <a:t>	&lt;input type=“text”&gt;</a:t>
             </a:r>
           </a:p>
           <a:p>
@@ -6048,50 +6021,42 @@
             </a:pPr>
             <a:r>
               <a:rPr lang="en-US" altLang="zh-CN" smtClean="0"/>
-              <a:t>	&lt;</a:t>
-            </a:r>
-            <a:r>
-              <a:rPr lang="en-US" altLang="zh-CN"/>
-              <a:t>input type=“radio” name=“sex</a:t>
-            </a:r>
-            <a:r>
-              <a:rPr lang="en-US" altLang="zh-CN" smtClean="0"/>
-              <a:t>”&gt;</a:t>
-            </a:r>
-            <a:endParaRPr lang="en-US" altLang="zh-CN"/>
-          </a:p>
-          <a:p>
-            <a:pPr marL="0" indent="0">
-              <a:buNone/>
-            </a:pPr>
-            <a:r>
-              <a:rPr lang="en-US" altLang="zh-CN"/>
               <a:t>&lt;/form&gt;</a:t>
             </a:r>
           </a:p>
           <a:p>
             <a:r>
               <a:rPr lang="zh-CN" altLang="en-US" smtClean="0"/>
-              <a:t>单选框选项常用于只有一个结果选项，例如男、女，校区等。</a:t>
+              <a:t>单行文本框用于一些简短的输入，例如姓名等一些简单的信息。</a:t>
             </a:r>
             <a:endParaRPr lang="en-US" altLang="zh-CN" smtClean="0"/>
           </a:p>
           <a:p>
             <a:r>
-              <a:rPr lang="zh-CN" altLang="en-US"/>
-              <a:t>同一</a:t>
-            </a:r>
-            <a:r>
-              <a:rPr lang="zh-CN" altLang="en-US" smtClean="0"/>
-              <a:t>组的单选框</a:t>
-            </a:r>
-            <a:r>
-              <a:rPr lang="en-US" altLang="zh-CN" smtClean="0"/>
-              <a:t>name</a:t>
-            </a:r>
-            <a:r>
-              <a:rPr lang="zh-CN" altLang="en-US" smtClean="0"/>
-              <a:t>的值必须相同。</a:t>
+              <a:rPr lang="zh-CN" altLang="en-US" smtClean="0"/>
+              <a:t>可搭配属性：</a:t>
+            </a:r>
+            <a:endParaRPr lang="en-US" altLang="zh-CN" smtClean="0"/>
+          </a:p>
+          <a:p>
+            <a:r>
+              <a:rPr lang="en-US" altLang="zh-CN" smtClean="0"/>
+              <a:t>maxlength</a:t>
+            </a:r>
+            <a:r>
+              <a:rPr lang="zh-CN" altLang="en-US" smtClean="0"/>
+              <a:t>：最大字符数</a:t>
+            </a:r>
+            <a:endParaRPr lang="en-US" altLang="zh-CN" smtClean="0"/>
+          </a:p>
+          <a:p>
+            <a:r>
+              <a:rPr lang="en-US" altLang="zh-CN" smtClean="0"/>
+              <a:t>placeholder</a:t>
+            </a:r>
+            <a:r>
+              <a:rPr lang="zh-CN" altLang="en-US" smtClean="0"/>
+              <a:t>：提示</a:t>
             </a:r>
             <a:endParaRPr lang="en-US" altLang="zh-CN" smtClean="0"/>
           </a:p>
@@ -6106,7 +6071,7 @@
     </p:spTree>
     <p:extLst>
       <p:ext uri="{BB962C8B-B14F-4D97-AF65-F5344CB8AC3E}">
-        <p14:creationId xmlns:p14="http://schemas.microsoft.com/office/powerpoint/2010/main" val="2987819541"/>
+        <p14:creationId xmlns:p14="http://schemas.microsoft.com/office/powerpoint/2010/main" val="2033519817"/>
       </p:ext>
     </p:extLst>
   </p:cSld>
@@ -6149,10 +6114,9 @@
           <a:lstStyle/>
           <a:p>
             <a:r>
-              <a:rPr lang="zh-CN" altLang="en-US" smtClean="0"/>
-              <a:t>复选框</a:t>
-            </a:r>
-            <a:endParaRPr lang="zh-CN" altLang="en-US"/>
+              <a:rPr lang="zh-CN" altLang="en-US"/>
+              <a:t>单选框</a:t>
+            </a:r>
           </a:p>
         </p:txBody>
       </p:sp>
@@ -6175,11 +6139,11 @@
           <a:p>
             <a:r>
               <a:rPr lang="en-US" altLang="zh-CN" smtClean="0"/>
-              <a:t>type=checkbox</a:t>
-            </a:r>
-            <a:r>
-              <a:rPr lang="zh-CN" altLang="en-US" smtClean="0"/>
-              <a:t>多选框</a:t>
+              <a:t>type=radio</a:t>
+            </a:r>
+            <a:r>
+              <a:rPr lang="zh-CN" altLang="en-US" smtClean="0"/>
+              <a:t>单选框选项</a:t>
             </a:r>
             <a:endParaRPr lang="en-US" altLang="zh-CN" smtClean="0"/>
           </a:p>
@@ -6202,81 +6166,72 @@
             </a:r>
             <a:r>
               <a:rPr lang="en-US" altLang="zh-CN" smtClean="0"/>
-              <a:t>=“checkbox” </a:t>
-            </a:r>
-            <a:r>
-              <a:rPr lang="en-US" altLang="zh-CN"/>
+              <a:t>=“</a:t>
+            </a:r>
+            <a:r>
+              <a:rPr lang="en-US" altLang="zh-CN"/>
+              <a:t>radio</a:t>
+            </a:r>
+            <a:r>
+              <a:rPr lang="en-US" altLang="zh-CN" smtClean="0"/>
+              <a:t>” name=“sex”&gt;</a:t>
+            </a:r>
+          </a:p>
+          <a:p>
+            <a:pPr marL="0" indent="0">
+              <a:buNone/>
+            </a:pPr>
+            <a:r>
+              <a:rPr lang="en-US" altLang="zh-CN" smtClean="0"/>
+              <a:t>	&lt;</a:t>
+            </a:r>
+            <a:r>
+              <a:rPr lang="en-US" altLang="zh-CN"/>
+              <a:t>input type=“radio” name=“sex</a:t>
+            </a:r>
+            <a:r>
+              <a:rPr lang="en-US" altLang="zh-CN" smtClean="0"/>
+              <a:t>”&gt;</a:t>
+            </a:r>
+            <a:endParaRPr lang="en-US" altLang="zh-CN"/>
+          </a:p>
+          <a:p>
+            <a:pPr marL="0" indent="0">
+              <a:buNone/>
+            </a:pPr>
+            <a:r>
+              <a:rPr lang="en-US" altLang="zh-CN"/>
+              <a:t>&lt;/form&gt;</a:t>
+            </a:r>
+          </a:p>
+          <a:p>
+            <a:r>
+              <a:rPr lang="zh-CN" altLang="en-US" smtClean="0"/>
+              <a:t>单选框选项常用于只有一个结果选项，例如男、女，校区等。</a:t>
+            </a:r>
+            <a:endParaRPr lang="en-US" altLang="zh-CN" smtClean="0"/>
+          </a:p>
+          <a:p>
+            <a:r>
+              <a:rPr lang="zh-CN" altLang="en-US"/>
+              <a:t>同一</a:t>
+            </a:r>
+            <a:r>
+              <a:rPr lang="zh-CN" altLang="en-US" smtClean="0"/>
+              <a:t>组的单选框</a:t>
+            </a:r>
+            <a:r>
+              <a:rPr lang="en-US" altLang="zh-CN" smtClean="0"/>
               <a:t>name</a:t>
             </a:r>
             <a:r>
-              <a:rPr lang="en-US" altLang="zh-CN" smtClean="0"/>
-              <a:t>=“hobby”&gt;</a:t>
-            </a:r>
-            <a:endParaRPr lang="en-US" altLang="zh-CN"/>
-          </a:p>
-          <a:p>
-            <a:pPr marL="0" indent="0">
-              <a:buNone/>
-            </a:pPr>
-            <a:r>
-              <a:rPr lang="en-US" altLang="zh-CN"/>
-              <a:t>	&lt;input type</a:t>
-            </a:r>
-            <a:r>
-              <a:rPr lang="en-US" altLang="zh-CN" smtClean="0"/>
-              <a:t>=“checkbox” </a:t>
-            </a:r>
-            <a:r>
-              <a:rPr lang="en-US" altLang="zh-CN"/>
-              <a:t>name</a:t>
-            </a:r>
-            <a:r>
-              <a:rPr lang="en-US" altLang="zh-CN" smtClean="0"/>
-              <a:t>=“hobby”&gt;</a:t>
-            </a:r>
-            <a:endParaRPr lang="en-US" altLang="zh-CN"/>
-          </a:p>
-          <a:p>
-            <a:pPr marL="0" indent="0">
-              <a:buNone/>
-            </a:pPr>
-            <a:r>
-              <a:rPr lang="en-US" altLang="zh-CN"/>
-              <a:t>&lt;/form</a:t>
-            </a:r>
-            <a:r>
-              <a:rPr lang="en-US" altLang="zh-CN" smtClean="0"/>
-              <a:t>&gt;</a:t>
-            </a:r>
-          </a:p>
-          <a:p>
-            <a:r>
-              <a:rPr lang="zh-CN" altLang="en-US"/>
-              <a:t>多选</a:t>
-            </a:r>
-            <a:r>
-              <a:rPr lang="zh-CN" altLang="en-US" smtClean="0"/>
-              <a:t>框常用于选择多个选项，例如选择兴趣爱好等。</a:t>
+              <a:rPr lang="zh-CN" altLang="en-US" smtClean="0"/>
+              <a:t>的值必须相同。</a:t>
             </a:r>
             <a:endParaRPr lang="en-US" altLang="zh-CN" smtClean="0"/>
           </a:p>
           <a:p>
-            <a:r>
-              <a:rPr lang="zh-CN" altLang="en-US"/>
-              <a:t>同一组的单选框</a:t>
-            </a:r>
-            <a:r>
-              <a:rPr lang="en-US" altLang="zh-CN"/>
-              <a:t>name</a:t>
-            </a:r>
-            <a:r>
-              <a:rPr lang="zh-CN" altLang="en-US"/>
-              <a:t>的值必须相同。</a:t>
-            </a:r>
-            <a:endParaRPr lang="en-US" altLang="zh-CN"/>
-          </a:p>
-          <a:p>
-            <a:endParaRPr lang="en-US" altLang="zh-CN"/>
+            <a:endParaRPr lang="en-US" altLang="zh-CN" smtClean="0"/>
           </a:p>
           <a:p>
             <a:endParaRPr lang="zh-CN" altLang="en-US"/>
@@ -6286,7 +6241,7 @@
     </p:spTree>
     <p:extLst>
       <p:ext uri="{BB962C8B-B14F-4D97-AF65-F5344CB8AC3E}">
-        <p14:creationId xmlns:p14="http://schemas.microsoft.com/office/powerpoint/2010/main" val="1759083608"/>
+        <p14:creationId xmlns:p14="http://schemas.microsoft.com/office/powerpoint/2010/main" val="2987819541"/>
       </p:ext>
     </p:extLst>
   </p:cSld>
@@ -6330,7 +6285,7 @@
           <a:p>
             <a:r>
               <a:rPr lang="zh-CN" altLang="en-US" smtClean="0"/>
-              <a:t>作为按钮</a:t>
+              <a:t>复选框</a:t>
             </a:r>
             <a:endParaRPr lang="zh-CN" altLang="en-US"/>
           </a:p>
@@ -6348,85 +6303,117 @@
         </p:nvSpPr>
         <p:spPr/>
         <p:txBody>
-          <a:bodyPr/>
-          <a:lstStyle/>
-          <a:p>
-            <a:r>
-              <a:rPr lang="en-US" altLang="zh-CN" smtClean="0"/>
-              <a:t>type</a:t>
-            </a:r>
-            <a:r>
-              <a:rPr lang="zh-CN" altLang="en-US" smtClean="0"/>
-              <a:t>有三个值可以让</a:t>
-            </a:r>
-            <a:r>
-              <a:rPr lang="en-US" altLang="zh-CN" smtClean="0"/>
-              <a:t>&lt;input&gt;</a:t>
-            </a:r>
-            <a:r>
-              <a:rPr lang="zh-CN" altLang="en-US" smtClean="0"/>
-              <a:t>元素作为按钮</a:t>
-            </a:r>
-            <a:r>
-              <a:rPr lang="zh-CN" altLang="en-US" smtClean="0"/>
-              <a:t>使用</a:t>
+          <a:bodyPr>
+            <a:normAutofit lnSpcReduction="10000"/>
+          </a:bodyPr>
+          <a:lstStyle/>
+          <a:p>
+            <a:r>
+              <a:rPr lang="en-US" altLang="zh-CN" smtClean="0"/>
+              <a:t>type=checkbox</a:t>
+            </a:r>
+            <a:r>
+              <a:rPr lang="zh-CN" altLang="en-US" smtClean="0"/>
+              <a:t>多选框</a:t>
             </a:r>
             <a:endParaRPr lang="en-US" altLang="zh-CN" smtClean="0"/>
           </a:p>
           <a:p>
+            <a:pPr marL="0" indent="0">
+              <a:buNone/>
+            </a:pPr>
+            <a:r>
+              <a:rPr lang="en-US" altLang="zh-CN"/>
+              <a:t>&lt;form&gt;</a:t>
+            </a:r>
+          </a:p>
+          <a:p>
+            <a:pPr marL="0" indent="0">
+              <a:buNone/>
+            </a:pPr>
+            <a:r>
+              <a:rPr lang="en-US" altLang="zh-CN"/>
+              <a:t>	&lt;input type</a:t>
+            </a:r>
+            <a:r>
+              <a:rPr lang="en-US" altLang="zh-CN" smtClean="0"/>
+              <a:t>=“checkbox” </a:t>
+            </a:r>
+            <a:r>
+              <a:rPr lang="en-US" altLang="zh-CN"/>
+              <a:t>name</a:t>
+            </a:r>
+            <a:r>
+              <a:rPr lang="en-US" altLang="zh-CN" smtClean="0"/>
+              <a:t>=“hobby”&gt;</a:t>
+            </a:r>
+            <a:endParaRPr lang="en-US" altLang="zh-CN"/>
+          </a:p>
+          <a:p>
+            <a:pPr marL="0" indent="0">
+              <a:buNone/>
+            </a:pPr>
+            <a:r>
+              <a:rPr lang="en-US" altLang="zh-CN"/>
+              <a:t>	&lt;input type</a:t>
+            </a:r>
+            <a:r>
+              <a:rPr lang="en-US" altLang="zh-CN" smtClean="0"/>
+              <a:t>=“checkbox” </a:t>
+            </a:r>
+            <a:r>
+              <a:rPr lang="en-US" altLang="zh-CN"/>
+              <a:t>name</a:t>
+            </a:r>
+            <a:r>
+              <a:rPr lang="en-US" altLang="zh-CN" smtClean="0"/>
+              <a:t>=“hobby”&gt;</a:t>
+            </a:r>
+            <a:endParaRPr lang="en-US" altLang="zh-CN"/>
+          </a:p>
+          <a:p>
+            <a:pPr marL="0" indent="0">
+              <a:buNone/>
+            </a:pPr>
+            <a:r>
+              <a:rPr lang="en-US" altLang="zh-CN"/>
+              <a:t>&lt;/form</a:t>
+            </a:r>
+            <a:r>
+              <a:rPr lang="en-US" altLang="zh-CN" smtClean="0"/>
+              <a:t>&gt;</a:t>
+            </a:r>
+          </a:p>
+          <a:p>
+            <a:r>
+              <a:rPr lang="zh-CN" altLang="en-US"/>
+              <a:t>多选</a:t>
+            </a:r>
+            <a:r>
+              <a:rPr lang="zh-CN" altLang="en-US" smtClean="0"/>
+              <a:t>框常用于选择多个选项，例如选择兴趣爱好等。</a:t>
+            </a:r>
             <a:endParaRPr lang="en-US" altLang="zh-CN" smtClean="0"/>
           </a:p>
           <a:p>
-            <a:pPr marL="514350" indent="-514350">
-              <a:buFont typeface="+mj-lt"/>
-              <a:buAutoNum type="arabicPeriod"/>
-            </a:pPr>
-            <a:r>
-              <a:rPr lang="en-US" altLang="zh-CN" smtClean="0"/>
-              <a:t>type=submit</a:t>
-            </a:r>
-            <a:r>
-              <a:rPr lang="zh-CN" altLang="en-US" smtClean="0"/>
-              <a:t>：提交表</a:t>
-            </a:r>
-            <a:r>
-              <a:rPr lang="zh-CN" altLang="en-US" smtClean="0"/>
-              <a:t>单</a:t>
-            </a:r>
-            <a:endParaRPr lang="en-US" altLang="zh-CN" smtClean="0"/>
-          </a:p>
-          <a:p>
-            <a:pPr marL="514350" indent="-514350">
-              <a:buFont typeface="+mj-lt"/>
-              <a:buAutoNum type="arabicPeriod"/>
-            </a:pPr>
-            <a:r>
-              <a:rPr lang="en-US" altLang="zh-CN" smtClean="0"/>
-              <a:t>type=reset</a:t>
-            </a:r>
-            <a:r>
-              <a:rPr lang="zh-CN" altLang="en-US" smtClean="0"/>
-              <a:t>：重置表</a:t>
-            </a:r>
-            <a:r>
-              <a:rPr lang="zh-CN" altLang="en-US" smtClean="0"/>
-              <a:t>单</a:t>
-            </a:r>
-            <a:endParaRPr lang="en-US" altLang="zh-CN" smtClean="0"/>
-          </a:p>
-          <a:p>
-            <a:pPr marL="514350" indent="-514350">
-              <a:buFont typeface="+mj-lt"/>
-              <a:buAutoNum type="arabicPeriod"/>
-            </a:pPr>
-            <a:r>
-              <a:rPr lang="en-US" altLang="zh-CN" smtClean="0"/>
-              <a:t>type=button</a:t>
-            </a:r>
-            <a:r>
-              <a:rPr lang="zh-CN" altLang="en-US" smtClean="0"/>
-              <a:t>：没有任何操作的按钮</a:t>
-            </a:r>
+            <a:r>
+              <a:rPr lang="zh-CN" altLang="en-US"/>
+              <a:t>同一组的单选框</a:t>
+            </a:r>
+            <a:r>
+              <a:rPr lang="en-US" altLang="zh-CN"/>
+              <a:t>name</a:t>
+            </a:r>
+            <a:r>
+              <a:rPr lang="zh-CN" altLang="en-US"/>
+              <a:t>的值必须相同。</a:t>
+            </a:r>
+            <a:endParaRPr lang="en-US" altLang="zh-CN"/>
+          </a:p>
+          <a:p>
+            <a:endParaRPr lang="en-US" altLang="zh-CN"/>
+          </a:p>
+          <a:p>
             <a:endParaRPr lang="zh-CN" altLang="en-US"/>
           </a:p>
         </p:txBody>
@@ -6434,7 +6421,7 @@
     </p:spTree>
     <p:extLst>
       <p:ext uri="{BB962C8B-B14F-4D97-AF65-F5344CB8AC3E}">
-        <p14:creationId xmlns:p14="http://schemas.microsoft.com/office/powerpoint/2010/main" val="262226447"/>
+        <p14:creationId xmlns:p14="http://schemas.microsoft.com/office/powerpoint/2010/main" val="1759083608"/>
       </p:ext>
     </p:extLst>
   </p:cSld>

--- a/网页设计与制作/课件/3/表单.pptx
+++ b/网页设计与制作/课件/3/表单.pptx
@@ -125,6 +125,22 @@
       </a:defRPr>
     </a:lvl9pPr>
   </p:defaultTextStyle>
+  <p:extLst>
+    <p:ext uri="{EFAFB233-063F-42B5-8137-9DF3F51BA10A}">
+      <p15:sldGuideLst xmlns:p15="http://schemas.microsoft.com/office/powerpoint/2012/main">
+        <p15:guide id="1" orient="horz" pos="2160">
+          <p15:clr>
+            <a:srgbClr val="A4A3A4"/>
+          </p15:clr>
+        </p15:guide>
+        <p15:guide id="2" pos="2880">
+          <p15:clr>
+            <a:srgbClr val="A4A3A4"/>
+          </p15:clr>
+        </p15:guide>
+      </p15:sldGuideLst>
+    </p:ext>
+  </p:extLst>
 </p:presentation>
 </file>
 
@@ -309,7 +325,7 @@
           <a:p>
             <a:fld id="{530820CF-B880-4189-942D-D702A7CBA730}" type="datetimeFigureOut">
               <a:rPr lang="zh-CN" altLang="en-US" smtClean="0"/>
-              <a:t>2020/9/27</a:t>
+              <a:t>2020/9/28</a:t>
             </a:fld>
             <a:endParaRPr lang="zh-CN" altLang="en-US"/>
           </a:p>
@@ -474,7 +490,7 @@
           <a:p>
             <a:fld id="{530820CF-B880-4189-942D-D702A7CBA730}" type="datetimeFigureOut">
               <a:rPr lang="zh-CN" altLang="en-US" smtClean="0"/>
-              <a:t>2020/9/27</a:t>
+              <a:t>2020/9/28</a:t>
             </a:fld>
             <a:endParaRPr lang="zh-CN" altLang="en-US"/>
           </a:p>
@@ -649,7 +665,7 @@
           <a:p>
             <a:fld id="{530820CF-B880-4189-942D-D702A7CBA730}" type="datetimeFigureOut">
               <a:rPr lang="zh-CN" altLang="en-US" smtClean="0"/>
-              <a:t>2020/9/27</a:t>
+              <a:t>2020/9/28</a:t>
             </a:fld>
             <a:endParaRPr lang="zh-CN" altLang="en-US"/>
           </a:p>
@@ -814,7 +830,7 @@
           <a:p>
             <a:fld id="{530820CF-B880-4189-942D-D702A7CBA730}" type="datetimeFigureOut">
               <a:rPr lang="zh-CN" altLang="en-US" smtClean="0"/>
-              <a:t>2020/9/27</a:t>
+              <a:t>2020/9/28</a:t>
             </a:fld>
             <a:endParaRPr lang="zh-CN" altLang="en-US"/>
           </a:p>
@@ -1055,7 +1071,7 @@
           <a:p>
             <a:fld id="{530820CF-B880-4189-942D-D702A7CBA730}" type="datetimeFigureOut">
               <a:rPr lang="zh-CN" altLang="en-US" smtClean="0"/>
-              <a:t>2020/9/27</a:t>
+              <a:t>2020/9/28</a:t>
             </a:fld>
             <a:endParaRPr lang="zh-CN" altLang="en-US"/>
           </a:p>
@@ -1338,7 +1354,7 @@
           <a:p>
             <a:fld id="{530820CF-B880-4189-942D-D702A7CBA730}" type="datetimeFigureOut">
               <a:rPr lang="zh-CN" altLang="en-US" smtClean="0"/>
-              <a:t>2020/9/27</a:t>
+              <a:t>2020/9/28</a:t>
             </a:fld>
             <a:endParaRPr lang="zh-CN" altLang="en-US"/>
           </a:p>
@@ -1755,7 +1771,7 @@
           <a:p>
             <a:fld id="{530820CF-B880-4189-942D-D702A7CBA730}" type="datetimeFigureOut">
               <a:rPr lang="zh-CN" altLang="en-US" smtClean="0"/>
-              <a:t>2020/9/27</a:t>
+              <a:t>2020/9/28</a:t>
             </a:fld>
             <a:endParaRPr lang="zh-CN" altLang="en-US"/>
           </a:p>
@@ -1868,7 +1884,7 @@
           <a:p>
             <a:fld id="{530820CF-B880-4189-942D-D702A7CBA730}" type="datetimeFigureOut">
               <a:rPr lang="zh-CN" altLang="en-US" smtClean="0"/>
-              <a:t>2020/9/27</a:t>
+              <a:t>2020/9/28</a:t>
             </a:fld>
             <a:endParaRPr lang="zh-CN" altLang="en-US"/>
           </a:p>
@@ -1958,7 +1974,7 @@
           <a:p>
             <a:fld id="{530820CF-B880-4189-942D-D702A7CBA730}" type="datetimeFigureOut">
               <a:rPr lang="zh-CN" altLang="en-US" smtClean="0"/>
-              <a:t>2020/9/27</a:t>
+              <a:t>2020/9/28</a:t>
             </a:fld>
             <a:endParaRPr lang="zh-CN" altLang="en-US"/>
           </a:p>
@@ -2230,7 +2246,7 @@
           <a:p>
             <a:fld id="{530820CF-B880-4189-942D-D702A7CBA730}" type="datetimeFigureOut">
               <a:rPr lang="zh-CN" altLang="en-US" smtClean="0"/>
-              <a:t>2020/9/27</a:t>
+              <a:t>2020/9/28</a:t>
             </a:fld>
             <a:endParaRPr lang="zh-CN" altLang="en-US"/>
           </a:p>
@@ -2478,7 +2494,7 @@
           <a:p>
             <a:fld id="{530820CF-B880-4189-942D-D702A7CBA730}" type="datetimeFigureOut">
               <a:rPr lang="zh-CN" altLang="en-US" smtClean="0"/>
-              <a:t>2020/9/27</a:t>
+              <a:t>2020/9/28</a:t>
             </a:fld>
             <a:endParaRPr lang="zh-CN" altLang="en-US"/>
           </a:p>
@@ -2686,7 +2702,7 @@
           <a:p>
             <a:fld id="{530820CF-B880-4189-942D-D702A7CBA730}" type="datetimeFigureOut">
               <a:rPr lang="zh-CN" altLang="en-US" smtClean="0"/>
-              <a:t>2020/9/27</a:t>
+              <a:t>2020/9/28</a:t>
             </a:fld>
             <a:endParaRPr lang="zh-CN" altLang="en-US"/>
           </a:p>
@@ -3744,7 +3760,9 @@
         </p:nvSpPr>
         <p:spPr/>
         <p:txBody>
-          <a:bodyPr/>
+          <a:bodyPr>
+            <a:normAutofit lnSpcReduction="10000"/>
+          </a:bodyPr>
           <a:lstStyle/>
           <a:p>
             <a:r>
@@ -3757,6 +3775,19 @@
               <a:rPr lang="en-US" altLang="zh-CN" smtClean="0"/>
               <a:t>type=time</a:t>
             </a:r>
+          </a:p>
+          <a:p>
+            <a:r>
+              <a:rPr lang="en-US" altLang="zh-CN" smtClean="0"/>
+              <a:t>type=week</a:t>
+            </a:r>
+          </a:p>
+          <a:p>
+            <a:r>
+              <a:rPr lang="en-US" altLang="zh-CN" smtClean="0"/>
+              <a:t>type=month</a:t>
+            </a:r>
+            <a:endParaRPr lang="en-US" altLang="zh-CN" smtClean="0"/>
           </a:p>
           <a:p>
             <a:pPr marL="0" indent="0">
@@ -4401,9 +4432,35 @@
             </a:r>
             <a:r>
               <a:rPr lang="zh-CN" altLang="en-US" smtClean="0"/>
-              <a:t>：通过指定文本框可见的字符数目设定其宽度。</a:t>
-            </a:r>
-            <a:endParaRPr lang="zh-CN" altLang="en-US"/>
+              <a:t>：通过指定文本框可见的字符数目设定其宽度</a:t>
+            </a:r>
+            <a:r>
+              <a:rPr lang="zh-CN" altLang="en-US" smtClean="0"/>
+              <a:t>。</a:t>
+            </a:r>
+            <a:endParaRPr lang="en-US" altLang="zh-CN" smtClean="0"/>
+          </a:p>
+          <a:p>
+            <a:r>
+              <a:rPr lang="en-US" altLang="zh-CN" smtClean="0"/>
+              <a:t>disabled</a:t>
+            </a:r>
+            <a:r>
+              <a:rPr lang="zh-CN" altLang="en-US" smtClean="0"/>
+              <a:t>：该文本框显示灰色，且不能编辑。</a:t>
+            </a:r>
+            <a:endParaRPr lang="en-US" altLang="zh-CN" smtClean="0"/>
+          </a:p>
+          <a:p>
+            <a:r>
+              <a:rPr lang="en-US" altLang="zh-CN" smtClean="0"/>
+              <a:t>readonly</a:t>
+            </a:r>
+            <a:r>
+              <a:rPr lang="zh-CN" altLang="en-US" smtClean="0"/>
+              <a:t>：阻止用户编辑文本框，但是外观不变。</a:t>
+            </a:r>
+            <a:endParaRPr lang="en-US" altLang="zh-CN" smtClean="0"/>
           </a:p>
         </p:txBody>
       </p:sp>
@@ -4827,7 +4884,25 @@
             </a:r>
             <a:r>
               <a:rPr lang="zh-CN" altLang="en-US" smtClean="0"/>
-              <a:t>：设置可以选择多个选项。</a:t>
+              <a:t>：设置可以选择多个选项</a:t>
+            </a:r>
+            <a:r>
+              <a:rPr lang="zh-CN" altLang="en-US" smtClean="0"/>
+              <a:t>。</a:t>
+            </a:r>
+            <a:endParaRPr lang="en-US" altLang="zh-CN" smtClean="0"/>
+          </a:p>
+          <a:p>
+            <a:endParaRPr lang="en-US" altLang="zh-CN"/>
+          </a:p>
+          <a:p>
+            <a:r>
+              <a:rPr lang="en-US" altLang="zh-CN" smtClean="0"/>
+              <a:t>selected</a:t>
+            </a:r>
+            <a:r>
+              <a:rPr lang="zh-CN" altLang="en-US" smtClean="0"/>
+              <a:t>：设置默认选项。</a:t>
             </a:r>
             <a:endParaRPr lang="zh-CN" altLang="en-US"/>
           </a:p>
@@ -5479,8 +5554,20 @@
                 <a:tableStyleId>{5C22544A-7EE6-4342-B048-85BDC9FD1C3A}</a:tableStyleId>
               </a:tblPr>
               <a:tblGrid>
-                <a:gridCol w="4104456"/>
-                <a:gridCol w="4104456"/>
+                <a:gridCol w="4104456">
+                  <a:extLst>
+                    <a:ext uri="{9D8B030D-6E8A-4147-A177-3AD203B41FA5}">
+                      <a16:colId xmlns:a16="http://schemas.microsoft.com/office/drawing/2014/main" val="20000"/>
+                    </a:ext>
+                  </a:extLst>
+                </a:gridCol>
+                <a:gridCol w="4104456">
+                  <a:extLst>
+                    <a:ext uri="{9D8B030D-6E8A-4147-A177-3AD203B41FA5}">
+                      <a16:colId xmlns:a16="http://schemas.microsoft.com/office/drawing/2014/main" val="20001"/>
+                    </a:ext>
+                  </a:extLst>
+                </a:gridCol>
               </a:tblGrid>
               <a:tr h="290344">
                 <a:tc>
@@ -5511,6 +5598,11 @@
                   </a:txBody>
                   <a:tcPr/>
                 </a:tc>
+                <a:extLst>
+                  <a:ext uri="{0D108BD9-81ED-4DB2-BD59-A6C34878D82A}">
+                    <a16:rowId xmlns:a16="http://schemas.microsoft.com/office/drawing/2014/main" val="10000"/>
+                  </a:ext>
+                </a:extLst>
               </a:tr>
               <a:tr h="370840">
                 <a:tc>
@@ -5541,6 +5633,11 @@
                   </a:txBody>
                   <a:tcPr/>
                 </a:tc>
+                <a:extLst>
+                  <a:ext uri="{0D108BD9-81ED-4DB2-BD59-A6C34878D82A}">
+                    <a16:rowId xmlns:a16="http://schemas.microsoft.com/office/drawing/2014/main" val="10001"/>
+                  </a:ext>
+                </a:extLst>
               </a:tr>
               <a:tr h="370840">
                 <a:tc>
@@ -5585,6 +5682,11 @@
                   </a:txBody>
                   <a:tcPr/>
                 </a:tc>
+                <a:extLst>
+                  <a:ext uri="{0D108BD9-81ED-4DB2-BD59-A6C34878D82A}">
+                    <a16:rowId xmlns:a16="http://schemas.microsoft.com/office/drawing/2014/main" val="10002"/>
+                  </a:ext>
+                </a:extLst>
               </a:tr>
             </a:tbl>
           </a:graphicData>
@@ -5879,11 +5981,7 @@
             </a:pPr>
             <a:r>
               <a:rPr lang="en-US" altLang="zh-CN"/>
-              <a:t>	&lt;input </a:t>
-            </a:r>
-            <a:r>
-              <a:rPr lang="en-US" altLang="zh-CN"/>
-              <a:t>type</a:t>
+              <a:t>	&lt;input type</a:t>
             </a:r>
             <a:r>
               <a:rPr lang="en-US" altLang="zh-CN" smtClean="0"/>
@@ -5983,7 +6081,7 @@
         <p:spPr/>
         <p:txBody>
           <a:bodyPr>
-            <a:normAutofit fontScale="92500" lnSpcReduction="10000"/>
+            <a:normAutofit fontScale="92500" lnSpcReduction="20000"/>
           </a:bodyPr>
           <a:lstStyle/>
           <a:p>
@@ -6045,7 +6143,11 @@
             </a:r>
             <a:r>
               <a:rPr lang="zh-CN" altLang="en-US" smtClean="0"/>
-              <a:t>：最大字符数</a:t>
+              <a:t>：最大字符</a:t>
+            </a:r>
+            <a:r>
+              <a:rPr lang="zh-CN" altLang="en-US" smtClean="0"/>
+              <a:t>数。</a:t>
             </a:r>
             <a:endParaRPr lang="en-US" altLang="zh-CN" smtClean="0"/>
           </a:p>
@@ -6056,7 +6158,22 @@
             </a:r>
             <a:r>
               <a:rPr lang="zh-CN" altLang="en-US" smtClean="0"/>
-              <a:t>：提示</a:t>
+              <a:t>：</a:t>
+            </a:r>
+            <a:r>
+              <a:rPr lang="zh-CN" altLang="en-US" smtClean="0"/>
+              <a:t>提示。</a:t>
+            </a:r>
+            <a:endParaRPr lang="en-US" altLang="zh-CN" smtClean="0"/>
+          </a:p>
+          <a:p>
+            <a:r>
+              <a:rPr lang="en-US" altLang="zh-CN" smtClean="0"/>
+              <a:t>size</a:t>
+            </a:r>
+            <a:r>
+              <a:rPr lang="zh-CN" altLang="en-US" smtClean="0"/>
+              <a:t>：可显示的长度。</a:t>
             </a:r>
             <a:endParaRPr lang="en-US" altLang="zh-CN" smtClean="0"/>
           </a:p>
